--- a/doc/презентация распределенные вычисления.pptx
+++ b/doc/презентация распределенные вычисления.pptx
@@ -5,33 +5,41 @@
     <p:sldMasterId id="2147483665" r:id="rId1"/>
   </p:sldMasterIdLst>
   <p:notesMasterIdLst>
-    <p:notesMasterId r:id="rId8"/>
+    <p:notesMasterId r:id="rId13"/>
   </p:notesMasterIdLst>
   <p:sldIdLst>
     <p:sldId id="256" r:id="rId2"/>
     <p:sldId id="257" r:id="rId3"/>
     <p:sldId id="259" r:id="rId4"/>
-    <p:sldId id="260" r:id="rId5"/>
-    <p:sldId id="261" r:id="rId6"/>
-    <p:sldId id="262" r:id="rId7"/>
+    <p:sldId id="263" r:id="rId5"/>
+    <p:sldId id="260" r:id="rId6"/>
+    <p:sldId id="265" r:id="rId7"/>
+    <p:sldId id="267" r:id="rId8"/>
+    <p:sldId id="264" r:id="rId9"/>
+    <p:sldId id="261" r:id="rId10"/>
+    <p:sldId id="266" r:id="rId11"/>
+    <p:sldId id="262" r:id="rId12"/>
   </p:sldIdLst>
   <p:sldSz cx="9144000" cy="5143500" type="screen16x9"/>
   <p:notesSz cx="6858000" cy="9144000"/>
   <p:embeddedFontLst>
     <p:embeddedFont>
       <p:font typeface="Alata" panose="020B0604020202020204" charset="0"/>
-      <p:regular r:id="rId9"/>
+      <p:regular r:id="rId14"/>
     </p:embeddedFont>
     <p:embeddedFont>
       <p:font typeface="Archivo" panose="020B0604020202020204" charset="0"/>
-      <p:regular r:id="rId10"/>
-      <p:bold r:id="rId11"/>
-      <p:italic r:id="rId12"/>
-      <p:boldItalic r:id="rId13"/>
+      <p:regular r:id="rId15"/>
+      <p:bold r:id="rId16"/>
+      <p:italic r:id="rId17"/>
+      <p:boldItalic r:id="rId18"/>
     </p:embeddedFont>
     <p:embeddedFont>
       <p:font typeface="Open Sans" panose="020B0606030504020204" pitchFamily="34" charset="0"/>
-      <p:regular r:id="rId14"/>
+      <p:regular r:id="rId19"/>
+      <p:bold r:id="rId20"/>
+      <p:italic r:id="rId21"/>
+      <p:boldItalic r:id="rId22"/>
     </p:embeddedFont>
   </p:embeddedFontLst>
   <p:defaultTextStyle>
@@ -12987,12 +12995,12 @@
 </p:sld>
 </file>
 
-<file path=ppt/slides/slide2.xml><?xml version="1.0" encoding="utf-8"?>
+<file path=ppt/slides/slide10.xml><?xml version="1.0" encoding="utf-8"?>
 <p:sld xmlns:a="http://schemas.openxmlformats.org/drawingml/2006/main" xmlns:r="http://schemas.openxmlformats.org/officeDocument/2006/relationships" xmlns:p="http://schemas.openxmlformats.org/presentationml/2006/main">
   <p:cSld>
     <p:spTree>
       <p:nvGrpSpPr>
-        <p:cNvPr id="1" name="Shape 161"/>
+        <p:cNvPr id="1" name=""/>
         <p:cNvGrpSpPr/>
         <p:nvPr/>
       </p:nvGrpSpPr>
@@ -13006,980 +13014,38 @@
       </p:grpSpPr>
       <p:sp>
         <p:nvSpPr>
-          <p:cNvPr id="162" name="Google Shape;162;p21"/>
-          <p:cNvSpPr txBox="1">
+          <p:cNvPr id="2" name="Заголовок 1">
+            <a:extLst>
+              <a:ext uri="{FF2B5EF4-FFF2-40B4-BE49-F238E27FC236}">
+                <a16:creationId xmlns:a16="http://schemas.microsoft.com/office/drawing/2014/main" id="{592B691E-E843-3755-B243-F52092AE250D}"/>
+              </a:ext>
+            </a:extLst>
+          </p:cNvPr>
+          <p:cNvSpPr>
             <a:spLocks noGrp="1"/>
           </p:cNvSpPr>
           <p:nvPr>
             <p:ph type="title"/>
           </p:nvPr>
         </p:nvSpPr>
-        <p:spPr>
-          <a:xfrm>
-            <a:off x="346873" y="1017433"/>
-            <a:ext cx="4397284" cy="1874400"/>
-          </a:xfrm>
-          <a:prstGeom prst="rect">
-            <a:avLst/>
-          </a:prstGeom>
-        </p:spPr>
+        <p:spPr/>
         <p:txBody>
-          <a:bodyPr spcFirstLastPara="1" wrap="square" lIns="91425" tIns="91425" rIns="91425" bIns="91425" anchor="t" anchorCtr="0">
-            <a:noAutofit/>
-          </a:bodyPr>
+          <a:bodyPr/>
           <a:lstStyle/>
           <a:p>
-            <a:pPr marL="0" lvl="0" indent="0" algn="l" rtl="0">
-              <a:spcBef>
-                <a:spcPts val="0"/>
-              </a:spcBef>
-              <a:spcAft>
-                <a:spcPts val="0"/>
-              </a:spcAft>
-              <a:buNone/>
-            </a:pPr>
             <a:r>
-              <a:rPr lang="ru-RU" sz="4800" b="1" dirty="0">
-                <a:latin typeface="Times New Roman" panose="02020603050405020304" pitchFamily="18" charset="0"/>
-                <a:cs typeface="Times New Roman" panose="02020603050405020304" pitchFamily="18" charset="0"/>
-              </a:rPr>
-              <a:t>Задачи распределения </a:t>
+              <a:rPr lang="ru-RU" dirty="0"/>
+              <a:t>Идеи на реализацию</a:t>
             </a:r>
-            <a:endParaRPr dirty="0"/>
           </a:p>
         </p:txBody>
       </p:sp>
-      <p:sp>
-        <p:nvSpPr>
-          <p:cNvPr id="163" name="Google Shape;163;p21"/>
-          <p:cNvSpPr txBox="1">
-            <a:spLocks noGrp="1"/>
-          </p:cNvSpPr>
-          <p:nvPr>
-            <p:ph type="subTitle" idx="1"/>
-          </p:nvPr>
-        </p:nvSpPr>
-        <p:spPr>
-          <a:xfrm>
-            <a:off x="4387442" y="1007418"/>
-            <a:ext cx="4078653" cy="3118649"/>
-          </a:xfrm>
-          <a:prstGeom prst="rect">
-            <a:avLst/>
-          </a:prstGeom>
-        </p:spPr>
-        <p:txBody>
-          <a:bodyPr spcFirstLastPara="1" wrap="square" lIns="91425" tIns="91425" rIns="91425" bIns="91425" anchor="t" anchorCtr="0">
-            <a:noAutofit/>
-          </a:bodyPr>
-          <a:lstStyle/>
-          <a:p>
-            <a:pPr>
-              <a:lnSpc>
-                <a:spcPct val="130000"/>
-              </a:lnSpc>
-              <a:buFont typeface="Wingdings" panose="05000000000000000000" pitchFamily="2" charset="2"/>
-              <a:buChar char="§"/>
-            </a:pPr>
-            <a:r>
-              <a:rPr lang="ru-RU" sz="2000" dirty="0">
-                <a:latin typeface="Times New Roman" panose="02020603050405020304" pitchFamily="18" charset="0"/>
-                <a:cs typeface="Times New Roman" panose="02020603050405020304" pitchFamily="18" charset="0"/>
-              </a:rPr>
-              <a:t>Снизить нагрузку на серверные архитектуры</a:t>
-            </a:r>
-          </a:p>
-          <a:p>
-            <a:pPr>
-              <a:lnSpc>
-                <a:spcPct val="130000"/>
-              </a:lnSpc>
-              <a:buFont typeface="Wingdings" panose="05000000000000000000" pitchFamily="2" charset="2"/>
-              <a:buChar char="§"/>
-            </a:pPr>
-            <a:r>
-              <a:rPr lang="ru-RU" sz="2000" dirty="0">
-                <a:latin typeface="Times New Roman" panose="02020603050405020304" pitchFamily="18" charset="0"/>
-                <a:cs typeface="Times New Roman" panose="02020603050405020304" pitchFamily="18" charset="0"/>
-              </a:rPr>
-              <a:t>Увеличить эффективность работы сложных систем</a:t>
-            </a:r>
-          </a:p>
-          <a:p>
-            <a:pPr>
-              <a:lnSpc>
-                <a:spcPct val="130000"/>
-              </a:lnSpc>
-              <a:buFont typeface="Wingdings" panose="05000000000000000000" pitchFamily="2" charset="2"/>
-              <a:buChar char="§"/>
-            </a:pPr>
-            <a:r>
-              <a:rPr lang="ru-RU" sz="2000" dirty="0">
-                <a:latin typeface="Times New Roman" panose="02020603050405020304" pitchFamily="18" charset="0"/>
-                <a:cs typeface="Times New Roman" panose="02020603050405020304" pitchFamily="18" charset="0"/>
-              </a:rPr>
-              <a:t>Уменьшить время выполнения сложных вычислений</a:t>
-            </a:r>
-          </a:p>
-          <a:p>
-            <a:pPr>
-              <a:lnSpc>
-                <a:spcPct val="110000"/>
-              </a:lnSpc>
-              <a:buFont typeface="Wingdings" panose="05000000000000000000" pitchFamily="2" charset="2"/>
-              <a:buChar char="§"/>
-            </a:pPr>
-            <a:r>
-              <a:rPr lang="ru-RU" sz="2000" dirty="0">
-                <a:latin typeface="Times New Roman" panose="02020603050405020304" pitchFamily="18" charset="0"/>
-                <a:cs typeface="Times New Roman" panose="02020603050405020304" pitchFamily="18" charset="0"/>
-              </a:rPr>
-              <a:t>Обеспечить надежное хранение данных во время выполнения задач</a:t>
-            </a:r>
-          </a:p>
-          <a:p>
-            <a:pPr marL="0" lvl="0" indent="0" algn="l" rtl="0">
-              <a:spcBef>
-                <a:spcPts val="0"/>
-              </a:spcBef>
-              <a:spcAft>
-                <a:spcPts val="0"/>
-              </a:spcAft>
-              <a:buNone/>
-            </a:pPr>
-            <a:endParaRPr dirty="0"/>
-          </a:p>
-          <a:p>
-            <a:pPr marL="0" lvl="0" indent="0" algn="l" rtl="0">
-              <a:spcBef>
-                <a:spcPts val="0"/>
-              </a:spcBef>
-              <a:spcAft>
-                <a:spcPts val="0"/>
-              </a:spcAft>
-              <a:buNone/>
-            </a:pPr>
-            <a:endParaRPr dirty="0"/>
-          </a:p>
-        </p:txBody>
-      </p:sp>
-      <p:sp>
-        <p:nvSpPr>
-          <p:cNvPr id="164" name="Google Shape;164;p21"/>
-          <p:cNvSpPr/>
-          <p:nvPr/>
-        </p:nvSpPr>
-        <p:spPr>
-          <a:xfrm>
-            <a:off x="524212" y="3498793"/>
-            <a:ext cx="719583" cy="713534"/>
-          </a:xfrm>
-          <a:custGeom>
-            <a:avLst/>
-            <a:gdLst/>
-            <a:ahLst/>
-            <a:cxnLst/>
-            <a:rect l="l" t="t" r="r" b="b"/>
-            <a:pathLst>
-              <a:path w="21172" h="20994" extrusionOk="0">
-                <a:moveTo>
-                  <a:pt x="10557" y="5287"/>
-                </a:moveTo>
-                <a:cubicBezTo>
-                  <a:pt x="10729" y="5287"/>
-                  <a:pt x="10902" y="5296"/>
-                  <a:pt x="11076" y="5315"/>
-                </a:cubicBezTo>
-                <a:cubicBezTo>
-                  <a:pt x="14279" y="5662"/>
-                  <a:pt x="16345" y="8822"/>
-                  <a:pt x="15373" y="11877"/>
-                </a:cubicBezTo>
-                <a:cubicBezTo>
-                  <a:pt x="14714" y="13983"/>
-                  <a:pt x="12722" y="15412"/>
-                  <a:pt x="10550" y="15412"/>
-                </a:cubicBezTo>
-                <a:cubicBezTo>
-                  <a:pt x="10376" y="15412"/>
-                  <a:pt x="10201" y="15403"/>
-                  <a:pt x="10026" y="15384"/>
-                </a:cubicBezTo>
-                <a:cubicBezTo>
-                  <a:pt x="6823" y="15037"/>
-                  <a:pt x="4766" y="11877"/>
-                  <a:pt x="5729" y="8822"/>
-                </a:cubicBezTo>
-                <a:cubicBezTo>
-                  <a:pt x="6397" y="6723"/>
-                  <a:pt x="8390" y="5287"/>
-                  <a:pt x="10557" y="5287"/>
-                </a:cubicBezTo>
-                <a:close/>
-                <a:moveTo>
-                  <a:pt x="12003" y="0"/>
-                </a:moveTo>
-                <a:cubicBezTo>
-                  <a:pt x="11564" y="0"/>
-                  <a:pt x="11175" y="302"/>
-                  <a:pt x="11076" y="749"/>
-                </a:cubicBezTo>
-                <a:lnTo>
-                  <a:pt x="10903" y="1582"/>
-                </a:lnTo>
-                <a:cubicBezTo>
-                  <a:pt x="10842" y="1921"/>
-                  <a:pt x="10547" y="2155"/>
-                  <a:pt x="10199" y="2181"/>
-                </a:cubicBezTo>
-                <a:cubicBezTo>
-                  <a:pt x="9366" y="2216"/>
-                  <a:pt x="8542" y="2372"/>
-                  <a:pt x="7769" y="2659"/>
-                </a:cubicBezTo>
-                <a:cubicBezTo>
-                  <a:pt x="7686" y="2690"/>
-                  <a:pt x="7599" y="2705"/>
-                  <a:pt x="7513" y="2705"/>
-                </a:cubicBezTo>
-                <a:cubicBezTo>
-                  <a:pt x="7267" y="2705"/>
-                  <a:pt x="7027" y="2582"/>
-                  <a:pt x="6892" y="2364"/>
-                </a:cubicBezTo>
-                <a:lnTo>
-                  <a:pt x="6450" y="1678"/>
-                </a:lnTo>
-                <a:cubicBezTo>
-                  <a:pt x="6268" y="1403"/>
-                  <a:pt x="5969" y="1257"/>
-                  <a:pt x="5664" y="1257"/>
-                </a:cubicBezTo>
-                <a:cubicBezTo>
-                  <a:pt x="5487" y="1257"/>
-                  <a:pt x="5307" y="1307"/>
-                  <a:pt x="5148" y="1409"/>
-                </a:cubicBezTo>
-                <a:lnTo>
-                  <a:pt x="4323" y="1956"/>
-                </a:lnTo>
-                <a:cubicBezTo>
-                  <a:pt x="3889" y="2233"/>
-                  <a:pt x="3767" y="2824"/>
-                  <a:pt x="4045" y="3258"/>
-                </a:cubicBezTo>
-                <a:lnTo>
-                  <a:pt x="4852" y="4482"/>
-                </a:lnTo>
-                <a:cubicBezTo>
-                  <a:pt x="4132" y="5176"/>
-                  <a:pt x="3542" y="6009"/>
-                  <a:pt x="3116" y="6947"/>
-                </a:cubicBezTo>
-                <a:cubicBezTo>
-                  <a:pt x="2998" y="7213"/>
-                  <a:pt x="2728" y="7379"/>
-                  <a:pt x="2441" y="7379"/>
-                </a:cubicBezTo>
-                <a:cubicBezTo>
-                  <a:pt x="2392" y="7379"/>
-                  <a:pt x="2342" y="7374"/>
-                  <a:pt x="2292" y="7363"/>
-                </a:cubicBezTo>
-                <a:lnTo>
-                  <a:pt x="1432" y="7190"/>
-                </a:lnTo>
-                <a:cubicBezTo>
-                  <a:pt x="1367" y="7177"/>
-                  <a:pt x="1303" y="7170"/>
-                  <a:pt x="1239" y="7170"/>
-                </a:cubicBezTo>
-                <a:cubicBezTo>
-                  <a:pt x="801" y="7170"/>
-                  <a:pt x="411" y="7472"/>
-                  <a:pt x="313" y="7919"/>
-                </a:cubicBezTo>
-                <a:lnTo>
-                  <a:pt x="113" y="8882"/>
-                </a:lnTo>
-                <a:cubicBezTo>
-                  <a:pt x="0" y="9395"/>
-                  <a:pt x="330" y="9898"/>
-                  <a:pt x="833" y="10002"/>
-                </a:cubicBezTo>
-                <a:lnTo>
-                  <a:pt x="1788" y="10202"/>
-                </a:lnTo>
-                <a:cubicBezTo>
-                  <a:pt x="2118" y="10263"/>
-                  <a:pt x="2353" y="10549"/>
-                  <a:pt x="2379" y="10879"/>
-                </a:cubicBezTo>
-                <a:cubicBezTo>
-                  <a:pt x="2431" y="11686"/>
-                  <a:pt x="2604" y="12467"/>
-                  <a:pt x="2873" y="13205"/>
-                </a:cubicBezTo>
-                <a:cubicBezTo>
-                  <a:pt x="2995" y="13526"/>
-                  <a:pt x="2873" y="13900"/>
-                  <a:pt x="2587" y="14091"/>
-                </a:cubicBezTo>
-                <a:lnTo>
-                  <a:pt x="1762" y="14637"/>
-                </a:lnTo>
-                <a:cubicBezTo>
-                  <a:pt x="1328" y="14915"/>
-                  <a:pt x="1207" y="15505"/>
-                  <a:pt x="1484" y="15940"/>
-                </a:cubicBezTo>
-                <a:lnTo>
-                  <a:pt x="2031" y="16764"/>
-                </a:lnTo>
-                <a:cubicBezTo>
-                  <a:pt x="2207" y="17039"/>
-                  <a:pt x="2508" y="17185"/>
-                  <a:pt x="2815" y="17185"/>
-                </a:cubicBezTo>
-                <a:cubicBezTo>
-                  <a:pt x="2993" y="17185"/>
-                  <a:pt x="3174" y="17135"/>
-                  <a:pt x="3333" y="17033"/>
-                </a:cubicBezTo>
-                <a:lnTo>
-                  <a:pt x="4253" y="16426"/>
-                </a:lnTo>
-                <a:cubicBezTo>
-                  <a:pt x="4378" y="16346"/>
-                  <a:pt x="4518" y="16308"/>
-                  <a:pt x="4656" y="16308"/>
-                </a:cubicBezTo>
-                <a:cubicBezTo>
-                  <a:pt x="4836" y="16308"/>
-                  <a:pt x="5014" y="16372"/>
-                  <a:pt x="5156" y="16495"/>
-                </a:cubicBezTo>
-                <a:cubicBezTo>
-                  <a:pt x="5729" y="16990"/>
-                  <a:pt x="6371" y="17415"/>
-                  <a:pt x="7075" y="17745"/>
-                </a:cubicBezTo>
-                <a:cubicBezTo>
-                  <a:pt x="7387" y="17901"/>
-                  <a:pt x="7561" y="18240"/>
-                  <a:pt x="7491" y="18570"/>
-                </a:cubicBezTo>
-                <a:lnTo>
-                  <a:pt x="7257" y="19646"/>
-                </a:lnTo>
-                <a:cubicBezTo>
-                  <a:pt x="7153" y="20158"/>
-                  <a:pt x="7474" y="20653"/>
-                  <a:pt x="7986" y="20766"/>
-                </a:cubicBezTo>
-                <a:lnTo>
-                  <a:pt x="8950" y="20974"/>
-                </a:lnTo>
-                <a:cubicBezTo>
-                  <a:pt x="9014" y="20987"/>
-                  <a:pt x="9079" y="20994"/>
-                  <a:pt x="9143" y="20994"/>
-                </a:cubicBezTo>
-                <a:cubicBezTo>
-                  <a:pt x="9583" y="20994"/>
-                  <a:pt x="9978" y="20692"/>
-                  <a:pt x="10069" y="20245"/>
-                </a:cubicBezTo>
-                <a:lnTo>
-                  <a:pt x="10312" y="19108"/>
-                </a:lnTo>
-                <a:cubicBezTo>
-                  <a:pt x="10373" y="18778"/>
-                  <a:pt x="10660" y="18526"/>
-                  <a:pt x="10989" y="18518"/>
-                </a:cubicBezTo>
-                <a:cubicBezTo>
-                  <a:pt x="11753" y="18474"/>
-                  <a:pt x="12500" y="18327"/>
-                  <a:pt x="13203" y="18075"/>
-                </a:cubicBezTo>
-                <a:cubicBezTo>
-                  <a:pt x="13285" y="18047"/>
-                  <a:pt x="13369" y="18033"/>
-                  <a:pt x="13452" y="18033"/>
-                </a:cubicBezTo>
-                <a:cubicBezTo>
-                  <a:pt x="13700" y="18033"/>
-                  <a:pt x="13934" y="18155"/>
-                  <a:pt x="14071" y="18370"/>
-                </a:cubicBezTo>
-                <a:lnTo>
-                  <a:pt x="14696" y="19325"/>
-                </a:lnTo>
-                <a:cubicBezTo>
-                  <a:pt x="14872" y="19599"/>
-                  <a:pt x="15172" y="19745"/>
-                  <a:pt x="15479" y="19745"/>
-                </a:cubicBezTo>
-                <a:cubicBezTo>
-                  <a:pt x="15658" y="19745"/>
-                  <a:pt x="15838" y="19696"/>
-                  <a:pt x="15998" y="19594"/>
-                </a:cubicBezTo>
-                <a:lnTo>
-                  <a:pt x="16822" y="19047"/>
-                </a:lnTo>
-                <a:cubicBezTo>
-                  <a:pt x="17257" y="18769"/>
-                  <a:pt x="17369" y="18179"/>
-                  <a:pt x="17092" y="17745"/>
-                </a:cubicBezTo>
-                <a:lnTo>
-                  <a:pt x="16458" y="16790"/>
-                </a:lnTo>
-                <a:cubicBezTo>
-                  <a:pt x="16276" y="16512"/>
-                  <a:pt x="16310" y="16130"/>
-                  <a:pt x="16536" y="15879"/>
-                </a:cubicBezTo>
-                <a:cubicBezTo>
-                  <a:pt x="17048" y="15332"/>
-                  <a:pt x="17482" y="14690"/>
-                  <a:pt x="17829" y="13995"/>
-                </a:cubicBezTo>
-                <a:cubicBezTo>
-                  <a:pt x="17954" y="13738"/>
-                  <a:pt x="18216" y="13580"/>
-                  <a:pt x="18494" y="13580"/>
-                </a:cubicBezTo>
-                <a:cubicBezTo>
-                  <a:pt x="18544" y="13580"/>
-                  <a:pt x="18595" y="13585"/>
-                  <a:pt x="18645" y="13596"/>
-                </a:cubicBezTo>
-                <a:lnTo>
-                  <a:pt x="19704" y="13813"/>
-                </a:lnTo>
-                <a:cubicBezTo>
-                  <a:pt x="19770" y="13824"/>
-                  <a:pt x="19835" y="13830"/>
-                  <a:pt x="19899" y="13830"/>
-                </a:cubicBezTo>
-                <a:cubicBezTo>
-                  <a:pt x="20372" y="13830"/>
-                  <a:pt x="20767" y="13527"/>
-                  <a:pt x="20859" y="13075"/>
-                </a:cubicBezTo>
-                <a:lnTo>
-                  <a:pt x="21058" y="12103"/>
-                </a:lnTo>
-                <a:cubicBezTo>
-                  <a:pt x="21171" y="11599"/>
-                  <a:pt x="20841" y="11096"/>
-                  <a:pt x="20338" y="10992"/>
-                </a:cubicBezTo>
-                <a:lnTo>
-                  <a:pt x="19314" y="10775"/>
-                </a:lnTo>
-                <a:cubicBezTo>
-                  <a:pt x="18975" y="10705"/>
-                  <a:pt x="18741" y="10419"/>
-                  <a:pt x="18732" y="10063"/>
-                </a:cubicBezTo>
-                <a:cubicBezTo>
-                  <a:pt x="18706" y="9264"/>
-                  <a:pt x="18559" y="8483"/>
-                  <a:pt x="18307" y="7745"/>
-                </a:cubicBezTo>
-                <a:cubicBezTo>
-                  <a:pt x="18194" y="7424"/>
-                  <a:pt x="18315" y="7068"/>
-                  <a:pt x="18593" y="6886"/>
-                </a:cubicBezTo>
-                <a:lnTo>
-                  <a:pt x="19401" y="6357"/>
-                </a:lnTo>
-                <a:cubicBezTo>
-                  <a:pt x="19835" y="6079"/>
-                  <a:pt x="19956" y="5488"/>
-                  <a:pt x="19670" y="5054"/>
-                </a:cubicBezTo>
-                <a:lnTo>
-                  <a:pt x="19131" y="4230"/>
-                </a:lnTo>
-                <a:cubicBezTo>
-                  <a:pt x="18950" y="3955"/>
-                  <a:pt x="18650" y="3806"/>
-                  <a:pt x="18345" y="3806"/>
-                </a:cubicBezTo>
-                <a:cubicBezTo>
-                  <a:pt x="18168" y="3806"/>
-                  <a:pt x="17989" y="3856"/>
-                  <a:pt x="17829" y="3961"/>
-                </a:cubicBezTo>
-                <a:lnTo>
-                  <a:pt x="17057" y="4473"/>
-                </a:lnTo>
-                <a:cubicBezTo>
-                  <a:pt x="16930" y="4551"/>
-                  <a:pt x="16789" y="4590"/>
-                  <a:pt x="16650" y="4590"/>
-                </a:cubicBezTo>
-                <a:cubicBezTo>
-                  <a:pt x="16467" y="4590"/>
-                  <a:pt x="16285" y="4523"/>
-                  <a:pt x="16137" y="4395"/>
-                </a:cubicBezTo>
-                <a:cubicBezTo>
-                  <a:pt x="15546" y="3839"/>
-                  <a:pt x="14869" y="3370"/>
-                  <a:pt x="14114" y="3006"/>
-                </a:cubicBezTo>
-                <a:cubicBezTo>
-                  <a:pt x="13810" y="2850"/>
-                  <a:pt x="13637" y="2520"/>
-                  <a:pt x="13715" y="2181"/>
-                </a:cubicBezTo>
-                <a:lnTo>
-                  <a:pt x="13889" y="1348"/>
-                </a:lnTo>
-                <a:cubicBezTo>
-                  <a:pt x="14001" y="836"/>
-                  <a:pt x="13672" y="332"/>
-                  <a:pt x="13159" y="228"/>
-                </a:cubicBezTo>
-                <a:lnTo>
-                  <a:pt x="12196" y="20"/>
-                </a:lnTo>
-                <a:cubicBezTo>
-                  <a:pt x="12131" y="7"/>
-                  <a:pt x="12066" y="0"/>
-                  <a:pt x="12003" y="0"/>
-                </a:cubicBezTo>
-                <a:close/>
-              </a:path>
-            </a:pathLst>
-          </a:custGeom>
-          <a:solidFill>
-            <a:schemeClr val="dk2"/>
-          </a:solidFill>
-          <a:ln>
-            <a:noFill/>
-          </a:ln>
-        </p:spPr>
-        <p:txBody>
-          <a:bodyPr spcFirstLastPara="1" wrap="square" lIns="91425" tIns="91425" rIns="91425" bIns="91425" anchor="ctr" anchorCtr="0">
-            <a:noAutofit/>
-          </a:bodyPr>
-          <a:lstStyle/>
-          <a:p>
-            <a:pPr marL="0" lvl="0" indent="0" algn="l" rtl="0">
-              <a:spcBef>
-                <a:spcPts val="0"/>
-              </a:spcBef>
-              <a:spcAft>
-                <a:spcPts val="0"/>
-              </a:spcAft>
-              <a:buNone/>
-            </a:pPr>
-            <a:endParaRPr/>
-          </a:p>
-        </p:txBody>
-      </p:sp>
-      <p:grpSp>
-        <p:nvGrpSpPr>
-          <p:cNvPr id="165" name="Google Shape;165;p21"/>
-          <p:cNvGrpSpPr/>
-          <p:nvPr/>
-        </p:nvGrpSpPr>
-        <p:grpSpPr>
-          <a:xfrm>
-            <a:off x="79562" y="3850293"/>
-            <a:ext cx="811927" cy="753197"/>
-            <a:chOff x="4932662" y="2251593"/>
-            <a:chExt cx="811927" cy="753197"/>
-          </a:xfrm>
-        </p:grpSpPr>
-        <p:sp>
-          <p:nvSpPr>
-            <p:cNvPr id="166" name="Google Shape;166;p21"/>
-            <p:cNvSpPr/>
-            <p:nvPr/>
-          </p:nvSpPr>
-          <p:spPr>
-            <a:xfrm>
-              <a:off x="4932662" y="2251593"/>
-              <a:ext cx="811927" cy="753197"/>
-            </a:xfrm>
-            <a:custGeom>
-              <a:avLst/>
-              <a:gdLst/>
-              <a:ahLst/>
-              <a:cxnLst/>
-              <a:rect l="l" t="t" r="r" b="b"/>
-              <a:pathLst>
-                <a:path w="23889" h="22161" extrusionOk="0">
-                  <a:moveTo>
-                    <a:pt x="278" y="0"/>
-                  </a:moveTo>
-                  <a:cubicBezTo>
-                    <a:pt x="130" y="0"/>
-                    <a:pt x="0" y="122"/>
-                    <a:pt x="0" y="286"/>
-                  </a:cubicBezTo>
-                  <a:lnTo>
-                    <a:pt x="0" y="21874"/>
-                  </a:lnTo>
-                  <a:cubicBezTo>
-                    <a:pt x="0" y="22031"/>
-                    <a:pt x="122" y="22161"/>
-                    <a:pt x="278" y="22161"/>
-                  </a:cubicBezTo>
-                  <a:lnTo>
-                    <a:pt x="23610" y="22161"/>
-                  </a:lnTo>
-                  <a:cubicBezTo>
-                    <a:pt x="23758" y="22161"/>
-                    <a:pt x="23888" y="22031"/>
-                    <a:pt x="23888" y="21874"/>
-                  </a:cubicBezTo>
-                  <a:lnTo>
-                    <a:pt x="23888" y="286"/>
-                  </a:lnTo>
-                  <a:cubicBezTo>
-                    <a:pt x="23888" y="130"/>
-                    <a:pt x="23775" y="0"/>
-                    <a:pt x="23610" y="0"/>
-                  </a:cubicBezTo>
-                  <a:close/>
-                </a:path>
-              </a:pathLst>
-            </a:custGeom>
-            <a:solidFill>
-              <a:schemeClr val="lt2"/>
-            </a:solidFill>
-            <a:ln>
-              <a:noFill/>
-            </a:ln>
-          </p:spPr>
-          <p:txBody>
-            <a:bodyPr spcFirstLastPara="1" wrap="square" lIns="91425" tIns="91425" rIns="91425" bIns="91425" anchor="ctr" anchorCtr="0">
-              <a:noAutofit/>
-            </a:bodyPr>
-            <a:lstStyle/>
-            <a:p>
-              <a:pPr marL="0" lvl="0" indent="0" algn="l" rtl="0">
-                <a:spcBef>
-                  <a:spcPts val="0"/>
-                </a:spcBef>
-                <a:spcAft>
-                  <a:spcPts val="0"/>
-                </a:spcAft>
-                <a:buNone/>
-              </a:pPr>
-              <a:endParaRPr/>
-            </a:p>
-          </p:txBody>
-        </p:sp>
-        <p:sp>
-          <p:nvSpPr>
-            <p:cNvPr id="167" name="Google Shape;167;p21"/>
-            <p:cNvSpPr/>
-            <p:nvPr/>
-          </p:nvSpPr>
-          <p:spPr>
-            <a:xfrm>
-              <a:off x="4968044" y="2360729"/>
-              <a:ext cx="740826" cy="592436"/>
-            </a:xfrm>
-            <a:custGeom>
-              <a:avLst/>
-              <a:gdLst/>
-              <a:ahLst/>
-              <a:cxnLst/>
-              <a:rect l="l" t="t" r="r" b="b"/>
-              <a:pathLst>
-                <a:path w="21797" h="17431" extrusionOk="0">
-                  <a:moveTo>
-                    <a:pt x="209" y="1"/>
-                  </a:moveTo>
-                  <a:cubicBezTo>
-                    <a:pt x="96" y="1"/>
-                    <a:pt x="1" y="88"/>
-                    <a:pt x="1" y="209"/>
-                  </a:cubicBezTo>
-                  <a:lnTo>
-                    <a:pt x="1" y="17222"/>
-                  </a:lnTo>
-                  <a:cubicBezTo>
-                    <a:pt x="1" y="17335"/>
-                    <a:pt x="88" y="17431"/>
-                    <a:pt x="209" y="17431"/>
-                  </a:cubicBezTo>
-                  <a:lnTo>
-                    <a:pt x="21588" y="17431"/>
-                  </a:lnTo>
-                  <a:cubicBezTo>
-                    <a:pt x="21710" y="17431"/>
-                    <a:pt x="21797" y="17335"/>
-                    <a:pt x="21797" y="17222"/>
-                  </a:cubicBezTo>
-                  <a:lnTo>
-                    <a:pt x="21797" y="209"/>
-                  </a:lnTo>
-                  <a:cubicBezTo>
-                    <a:pt x="21797" y="105"/>
-                    <a:pt x="21710" y="1"/>
-                    <a:pt x="21588" y="1"/>
-                  </a:cubicBezTo>
-                  <a:close/>
-                </a:path>
-              </a:pathLst>
-            </a:custGeom>
-            <a:solidFill>
-              <a:schemeClr val="lt1"/>
-            </a:solidFill>
-            <a:ln>
-              <a:noFill/>
-            </a:ln>
-          </p:spPr>
-          <p:txBody>
-            <a:bodyPr spcFirstLastPara="1" wrap="square" lIns="91425" tIns="91425" rIns="91425" bIns="91425" anchor="ctr" anchorCtr="0">
-              <a:noAutofit/>
-            </a:bodyPr>
-            <a:lstStyle/>
-            <a:p>
-              <a:pPr marL="0" lvl="0" indent="0" algn="l" rtl="0">
-                <a:spcBef>
-                  <a:spcPts val="0"/>
-                </a:spcBef>
-                <a:spcAft>
-                  <a:spcPts val="0"/>
-                </a:spcAft>
-                <a:buNone/>
-              </a:pPr>
-              <a:endParaRPr/>
-            </a:p>
-          </p:txBody>
-        </p:sp>
-        <p:sp>
-          <p:nvSpPr>
-            <p:cNvPr id="168" name="Google Shape;168;p21"/>
-            <p:cNvSpPr/>
-            <p:nvPr/>
-          </p:nvSpPr>
-          <p:spPr>
-            <a:xfrm>
-              <a:off x="4981334" y="2284901"/>
-              <a:ext cx="41907" cy="41941"/>
-            </a:xfrm>
-            <a:custGeom>
-              <a:avLst/>
-              <a:gdLst/>
-              <a:ahLst/>
-              <a:cxnLst/>
-              <a:rect l="l" t="t" r="r" b="b"/>
-              <a:pathLst>
-                <a:path w="1233" h="1234" extrusionOk="0">
-                  <a:moveTo>
-                    <a:pt x="617" y="1"/>
-                  </a:moveTo>
-                  <a:cubicBezTo>
-                    <a:pt x="278" y="1"/>
-                    <a:pt x="0" y="270"/>
-                    <a:pt x="0" y="617"/>
-                  </a:cubicBezTo>
-                  <a:cubicBezTo>
-                    <a:pt x="0" y="956"/>
-                    <a:pt x="269" y="1234"/>
-                    <a:pt x="617" y="1234"/>
-                  </a:cubicBezTo>
-                  <a:cubicBezTo>
-                    <a:pt x="955" y="1234"/>
-                    <a:pt x="1233" y="964"/>
-                    <a:pt x="1233" y="617"/>
-                  </a:cubicBezTo>
-                  <a:cubicBezTo>
-                    <a:pt x="1233" y="279"/>
-                    <a:pt x="955" y="1"/>
-                    <a:pt x="617" y="1"/>
-                  </a:cubicBezTo>
-                  <a:close/>
-                </a:path>
-              </a:pathLst>
-            </a:custGeom>
-            <a:solidFill>
-              <a:schemeClr val="accent1"/>
-            </a:solidFill>
-            <a:ln>
-              <a:noFill/>
-            </a:ln>
-          </p:spPr>
-          <p:txBody>
-            <a:bodyPr spcFirstLastPara="1" wrap="square" lIns="91425" tIns="91425" rIns="91425" bIns="91425" anchor="ctr" anchorCtr="0">
-              <a:noAutofit/>
-            </a:bodyPr>
-            <a:lstStyle/>
-            <a:p>
-              <a:pPr marL="0" lvl="0" indent="0" algn="l" rtl="0">
-                <a:spcBef>
-                  <a:spcPts val="0"/>
-                </a:spcBef>
-                <a:spcAft>
-                  <a:spcPts val="0"/>
-                </a:spcAft>
-                <a:buNone/>
-              </a:pPr>
-              <a:endParaRPr/>
-            </a:p>
-          </p:txBody>
-        </p:sp>
-        <p:sp>
-          <p:nvSpPr>
-            <p:cNvPr id="169" name="Google Shape;169;p21"/>
-            <p:cNvSpPr/>
-            <p:nvPr/>
-          </p:nvSpPr>
-          <p:spPr>
-            <a:xfrm>
-              <a:off x="5052709" y="2284901"/>
-              <a:ext cx="42246" cy="41941"/>
-            </a:xfrm>
-            <a:custGeom>
-              <a:avLst/>
-              <a:gdLst/>
-              <a:ahLst/>
-              <a:cxnLst/>
-              <a:rect l="l" t="t" r="r" b="b"/>
-              <a:pathLst>
-                <a:path w="1243" h="1234" extrusionOk="0">
-                  <a:moveTo>
-                    <a:pt x="617" y="1"/>
-                  </a:moveTo>
-                  <a:cubicBezTo>
-                    <a:pt x="279" y="1"/>
-                    <a:pt x="1" y="279"/>
-                    <a:pt x="1" y="617"/>
-                  </a:cubicBezTo>
-                  <a:cubicBezTo>
-                    <a:pt x="1" y="956"/>
-                    <a:pt x="279" y="1234"/>
-                    <a:pt x="617" y="1234"/>
-                  </a:cubicBezTo>
-                  <a:cubicBezTo>
-                    <a:pt x="964" y="1234"/>
-                    <a:pt x="1242" y="956"/>
-                    <a:pt x="1242" y="617"/>
-                  </a:cubicBezTo>
-                  <a:cubicBezTo>
-                    <a:pt x="1242" y="279"/>
-                    <a:pt x="964" y="1"/>
-                    <a:pt x="617" y="1"/>
-                  </a:cubicBezTo>
-                  <a:close/>
-                </a:path>
-              </a:pathLst>
-            </a:custGeom>
-            <a:solidFill>
-              <a:schemeClr val="accent1"/>
-            </a:solidFill>
-            <a:ln>
-              <a:noFill/>
-            </a:ln>
-          </p:spPr>
-          <p:txBody>
-            <a:bodyPr spcFirstLastPara="1" wrap="square" lIns="91425" tIns="91425" rIns="91425" bIns="91425" anchor="ctr" anchorCtr="0">
-              <a:noAutofit/>
-            </a:bodyPr>
-            <a:lstStyle/>
-            <a:p>
-              <a:pPr marL="0" lvl="0" indent="0" algn="l" rtl="0">
-                <a:spcBef>
-                  <a:spcPts val="0"/>
-                </a:spcBef>
-                <a:spcAft>
-                  <a:spcPts val="0"/>
-                </a:spcAft>
-                <a:buNone/>
-              </a:pPr>
-              <a:endParaRPr/>
-            </a:p>
-          </p:txBody>
-        </p:sp>
-        <p:sp>
-          <p:nvSpPr>
-            <p:cNvPr id="170" name="Google Shape;170;p21"/>
-            <p:cNvSpPr/>
-            <p:nvPr/>
-          </p:nvSpPr>
-          <p:spPr>
-            <a:xfrm>
-              <a:off x="5124425" y="2284901"/>
-              <a:ext cx="41907" cy="41941"/>
-            </a:xfrm>
-            <a:custGeom>
-              <a:avLst/>
-              <a:gdLst/>
-              <a:ahLst/>
-              <a:cxnLst/>
-              <a:rect l="l" t="t" r="r" b="b"/>
-              <a:pathLst>
-                <a:path w="1233" h="1234" extrusionOk="0">
-                  <a:moveTo>
-                    <a:pt x="617" y="1"/>
-                  </a:moveTo>
-                  <a:cubicBezTo>
-                    <a:pt x="278" y="1"/>
-                    <a:pt x="0" y="279"/>
-                    <a:pt x="0" y="617"/>
-                  </a:cubicBezTo>
-                  <a:cubicBezTo>
-                    <a:pt x="0" y="956"/>
-                    <a:pt x="278" y="1234"/>
-                    <a:pt x="617" y="1234"/>
-                  </a:cubicBezTo>
-                  <a:cubicBezTo>
-                    <a:pt x="955" y="1234"/>
-                    <a:pt x="1233" y="956"/>
-                    <a:pt x="1233" y="617"/>
-                  </a:cubicBezTo>
-                  <a:cubicBezTo>
-                    <a:pt x="1233" y="279"/>
-                    <a:pt x="955" y="1"/>
-                    <a:pt x="617" y="1"/>
-                  </a:cubicBezTo>
-                  <a:close/>
-                </a:path>
-              </a:pathLst>
-            </a:custGeom>
-            <a:solidFill>
-              <a:schemeClr val="accent1"/>
-            </a:solidFill>
-            <a:ln>
-              <a:noFill/>
-            </a:ln>
-          </p:spPr>
-          <p:txBody>
-            <a:bodyPr spcFirstLastPara="1" wrap="square" lIns="91425" tIns="91425" rIns="91425" bIns="91425" anchor="ctr" anchorCtr="0">
-              <a:noAutofit/>
-            </a:bodyPr>
-            <a:lstStyle/>
-            <a:p>
-              <a:pPr marL="0" lvl="0" indent="0" algn="l" rtl="0">
-                <a:spcBef>
-                  <a:spcPts val="0"/>
-                </a:spcBef>
-                <a:spcAft>
-                  <a:spcPts val="0"/>
-                </a:spcAft>
-                <a:buNone/>
-              </a:pPr>
-              <a:endParaRPr/>
-            </a:p>
-          </p:txBody>
-        </p:sp>
-      </p:grpSp>
     </p:spTree>
+    <p:extLst>
+      <p:ext uri="{BB962C8B-B14F-4D97-AF65-F5344CB8AC3E}">
+        <p14:creationId xmlns:p14="http://schemas.microsoft.com/office/powerpoint/2010/main" val="2995633152"/>
+      </p:ext>
+    </p:extLst>
   </p:cSld>
   <p:clrMapOvr>
     <a:masterClrMapping/>
@@ -13987,3103 +13053,7 @@
 </p:sld>
 </file>
 
-<file path=ppt/slides/slide3.xml><?xml version="1.0" encoding="utf-8"?>
-<p:sld xmlns:a="http://schemas.openxmlformats.org/drawingml/2006/main" xmlns:r="http://schemas.openxmlformats.org/officeDocument/2006/relationships" xmlns:p="http://schemas.openxmlformats.org/presentationml/2006/main">
-  <p:cSld>
-    <p:spTree>
-      <p:nvGrpSpPr>
-        <p:cNvPr id="1" name="Shape 203"/>
-        <p:cNvGrpSpPr/>
-        <p:nvPr/>
-      </p:nvGrpSpPr>
-      <p:grpSpPr>
-        <a:xfrm>
-          <a:off x="0" y="0"/>
-          <a:ext cx="0" cy="0"/>
-          <a:chOff x="0" y="0"/>
-          <a:chExt cx="0" cy="0"/>
-        </a:xfrm>
-      </p:grpSpPr>
-      <p:sp>
-        <p:nvSpPr>
-          <p:cNvPr id="204" name="Google Shape;204;p23"/>
-          <p:cNvSpPr txBox="1">
-            <a:spLocks noGrp="1"/>
-          </p:cNvSpPr>
-          <p:nvPr>
-            <p:ph type="title"/>
-          </p:nvPr>
-        </p:nvSpPr>
-        <p:spPr>
-          <a:xfrm>
-            <a:off x="720000" y="331645"/>
-            <a:ext cx="7704000" cy="640200"/>
-          </a:xfrm>
-          <a:prstGeom prst="rect">
-            <a:avLst/>
-          </a:prstGeom>
-        </p:spPr>
-        <p:txBody>
-          <a:bodyPr spcFirstLastPara="1" wrap="square" lIns="91425" tIns="91425" rIns="91425" bIns="91425" anchor="t" anchorCtr="0">
-            <a:noAutofit/>
-          </a:bodyPr>
-          <a:lstStyle/>
-          <a:p>
-            <a:pPr marL="0" lvl="0" indent="0" algn="l" rtl="0">
-              <a:spcBef>
-                <a:spcPts val="0"/>
-              </a:spcBef>
-              <a:spcAft>
-                <a:spcPts val="0"/>
-              </a:spcAft>
-              <a:buNone/>
-            </a:pPr>
-            <a:r>
-              <a:rPr lang="ru-RU" b="1" dirty="0">
-                <a:latin typeface="Times New Roman" panose="02020603050405020304" pitchFamily="18" charset="0"/>
-                <a:cs typeface="Times New Roman" panose="02020603050405020304" pitchFamily="18" charset="0"/>
-              </a:rPr>
-              <a:t>Варианты решения</a:t>
-            </a:r>
-            <a:endParaRPr dirty="0"/>
-          </a:p>
-        </p:txBody>
-      </p:sp>
-      <p:sp>
-        <p:nvSpPr>
-          <p:cNvPr id="205" name="Google Shape;205;p23"/>
-          <p:cNvSpPr txBox="1"/>
-          <p:nvPr/>
-        </p:nvSpPr>
-        <p:spPr>
-          <a:xfrm>
-            <a:off x="578076" y="1005732"/>
-            <a:ext cx="7987847" cy="2743200"/>
-          </a:xfrm>
-          <a:prstGeom prst="rect">
-            <a:avLst/>
-          </a:prstGeom>
-          <a:noFill/>
-          <a:ln>
-            <a:noFill/>
-          </a:ln>
-        </p:spPr>
-        <p:txBody>
-          <a:bodyPr spcFirstLastPara="1" wrap="square" lIns="91425" tIns="91425" rIns="91425" bIns="91425" anchor="t" anchorCtr="0">
-            <a:noAutofit/>
-          </a:bodyPr>
-          <a:lstStyle/>
-          <a:p>
-            <a:pPr>
-              <a:buFont typeface="Wingdings" panose="05000000000000000000" pitchFamily="2" charset="2"/>
-              <a:buChar char="§"/>
-            </a:pPr>
-            <a:r>
-              <a:rPr lang="ru-RU" sz="2400" dirty="0">
-                <a:latin typeface="Times New Roman" panose="02020603050405020304" pitchFamily="18" charset="0"/>
-                <a:cs typeface="Times New Roman" panose="02020603050405020304" pitchFamily="18" charset="0"/>
-              </a:rPr>
-              <a:t>Распределение задачи по ядрам и потокам одного процессора</a:t>
-            </a:r>
-          </a:p>
-          <a:p>
-            <a:pPr>
-              <a:buFont typeface="Wingdings" panose="05000000000000000000" pitchFamily="2" charset="2"/>
-              <a:buChar char="§"/>
-            </a:pPr>
-            <a:r>
-              <a:rPr lang="ru-RU" sz="2400" dirty="0">
-                <a:latin typeface="Times New Roman" panose="02020603050405020304" pitchFamily="18" charset="0"/>
-                <a:cs typeface="Times New Roman" panose="02020603050405020304" pitchFamily="18" charset="0"/>
-              </a:rPr>
-              <a:t>Распределение путем отправки задачи на другой компьютер</a:t>
-            </a:r>
-          </a:p>
-          <a:p>
-            <a:pPr>
-              <a:buFont typeface="Wingdings" panose="05000000000000000000" pitchFamily="2" charset="2"/>
-              <a:buChar char="§"/>
-            </a:pPr>
-            <a:r>
-              <a:rPr lang="ru-RU" sz="2400" dirty="0">
-                <a:latin typeface="Times New Roman" panose="02020603050405020304" pitchFamily="18" charset="0"/>
-                <a:cs typeface="Times New Roman" panose="02020603050405020304" pitchFamily="18" charset="0"/>
-              </a:rPr>
-              <a:t>Распределение путем отправки задачи на несколько компьютеров</a:t>
-            </a:r>
-          </a:p>
-          <a:p>
-            <a:pPr>
-              <a:buFont typeface="Wingdings" panose="05000000000000000000" pitchFamily="2" charset="2"/>
-              <a:buChar char="§"/>
-            </a:pPr>
-            <a:r>
-              <a:rPr lang="ru-RU" sz="2400" dirty="0">
-                <a:latin typeface="Times New Roman" panose="02020603050405020304" pitchFamily="18" charset="0"/>
-                <a:cs typeface="Times New Roman" panose="02020603050405020304" pitchFamily="18" charset="0"/>
-              </a:rPr>
-              <a:t>Распределение путем ветвления задач между несколькими компьютерами</a:t>
-            </a:r>
-          </a:p>
-        </p:txBody>
-      </p:sp>
-      <p:sp>
-        <p:nvSpPr>
-          <p:cNvPr id="206" name="Google Shape;206;p23"/>
-          <p:cNvSpPr/>
-          <p:nvPr/>
-        </p:nvSpPr>
-        <p:spPr>
-          <a:xfrm>
-            <a:off x="7889799" y="4014123"/>
-            <a:ext cx="719583" cy="713534"/>
-          </a:xfrm>
-          <a:custGeom>
-            <a:avLst/>
-            <a:gdLst/>
-            <a:ahLst/>
-            <a:cxnLst/>
-            <a:rect l="l" t="t" r="r" b="b"/>
-            <a:pathLst>
-              <a:path w="21172" h="20994" extrusionOk="0">
-                <a:moveTo>
-                  <a:pt x="10557" y="5287"/>
-                </a:moveTo>
-                <a:cubicBezTo>
-                  <a:pt x="10729" y="5287"/>
-                  <a:pt x="10902" y="5296"/>
-                  <a:pt x="11076" y="5315"/>
-                </a:cubicBezTo>
-                <a:cubicBezTo>
-                  <a:pt x="14279" y="5662"/>
-                  <a:pt x="16345" y="8822"/>
-                  <a:pt x="15373" y="11877"/>
-                </a:cubicBezTo>
-                <a:cubicBezTo>
-                  <a:pt x="14714" y="13983"/>
-                  <a:pt x="12722" y="15412"/>
-                  <a:pt x="10550" y="15412"/>
-                </a:cubicBezTo>
-                <a:cubicBezTo>
-                  <a:pt x="10376" y="15412"/>
-                  <a:pt x="10201" y="15403"/>
-                  <a:pt x="10026" y="15384"/>
-                </a:cubicBezTo>
-                <a:cubicBezTo>
-                  <a:pt x="6823" y="15037"/>
-                  <a:pt x="4766" y="11877"/>
-                  <a:pt x="5729" y="8822"/>
-                </a:cubicBezTo>
-                <a:cubicBezTo>
-                  <a:pt x="6397" y="6723"/>
-                  <a:pt x="8390" y="5287"/>
-                  <a:pt x="10557" y="5287"/>
-                </a:cubicBezTo>
-                <a:close/>
-                <a:moveTo>
-                  <a:pt x="12003" y="0"/>
-                </a:moveTo>
-                <a:cubicBezTo>
-                  <a:pt x="11564" y="0"/>
-                  <a:pt x="11175" y="302"/>
-                  <a:pt x="11076" y="749"/>
-                </a:cubicBezTo>
-                <a:lnTo>
-                  <a:pt x="10903" y="1582"/>
-                </a:lnTo>
-                <a:cubicBezTo>
-                  <a:pt x="10842" y="1921"/>
-                  <a:pt x="10547" y="2155"/>
-                  <a:pt x="10199" y="2181"/>
-                </a:cubicBezTo>
-                <a:cubicBezTo>
-                  <a:pt x="9366" y="2216"/>
-                  <a:pt x="8542" y="2372"/>
-                  <a:pt x="7769" y="2659"/>
-                </a:cubicBezTo>
-                <a:cubicBezTo>
-                  <a:pt x="7686" y="2690"/>
-                  <a:pt x="7599" y="2705"/>
-                  <a:pt x="7513" y="2705"/>
-                </a:cubicBezTo>
-                <a:cubicBezTo>
-                  <a:pt x="7267" y="2705"/>
-                  <a:pt x="7027" y="2582"/>
-                  <a:pt x="6892" y="2364"/>
-                </a:cubicBezTo>
-                <a:lnTo>
-                  <a:pt x="6450" y="1678"/>
-                </a:lnTo>
-                <a:cubicBezTo>
-                  <a:pt x="6268" y="1403"/>
-                  <a:pt x="5969" y="1257"/>
-                  <a:pt x="5664" y="1257"/>
-                </a:cubicBezTo>
-                <a:cubicBezTo>
-                  <a:pt x="5487" y="1257"/>
-                  <a:pt x="5307" y="1307"/>
-                  <a:pt x="5148" y="1409"/>
-                </a:cubicBezTo>
-                <a:lnTo>
-                  <a:pt x="4323" y="1956"/>
-                </a:lnTo>
-                <a:cubicBezTo>
-                  <a:pt x="3889" y="2233"/>
-                  <a:pt x="3767" y="2824"/>
-                  <a:pt x="4045" y="3258"/>
-                </a:cubicBezTo>
-                <a:lnTo>
-                  <a:pt x="4852" y="4482"/>
-                </a:lnTo>
-                <a:cubicBezTo>
-                  <a:pt x="4132" y="5176"/>
-                  <a:pt x="3542" y="6009"/>
-                  <a:pt x="3116" y="6947"/>
-                </a:cubicBezTo>
-                <a:cubicBezTo>
-                  <a:pt x="2998" y="7213"/>
-                  <a:pt x="2728" y="7379"/>
-                  <a:pt x="2441" y="7379"/>
-                </a:cubicBezTo>
-                <a:cubicBezTo>
-                  <a:pt x="2392" y="7379"/>
-                  <a:pt x="2342" y="7374"/>
-                  <a:pt x="2292" y="7363"/>
-                </a:cubicBezTo>
-                <a:lnTo>
-                  <a:pt x="1432" y="7190"/>
-                </a:lnTo>
-                <a:cubicBezTo>
-                  <a:pt x="1367" y="7177"/>
-                  <a:pt x="1303" y="7170"/>
-                  <a:pt x="1239" y="7170"/>
-                </a:cubicBezTo>
-                <a:cubicBezTo>
-                  <a:pt x="801" y="7170"/>
-                  <a:pt x="411" y="7472"/>
-                  <a:pt x="313" y="7919"/>
-                </a:cubicBezTo>
-                <a:lnTo>
-                  <a:pt x="113" y="8882"/>
-                </a:lnTo>
-                <a:cubicBezTo>
-                  <a:pt x="0" y="9395"/>
-                  <a:pt x="330" y="9898"/>
-                  <a:pt x="833" y="10002"/>
-                </a:cubicBezTo>
-                <a:lnTo>
-                  <a:pt x="1788" y="10202"/>
-                </a:lnTo>
-                <a:cubicBezTo>
-                  <a:pt x="2118" y="10263"/>
-                  <a:pt x="2353" y="10549"/>
-                  <a:pt x="2379" y="10879"/>
-                </a:cubicBezTo>
-                <a:cubicBezTo>
-                  <a:pt x="2431" y="11686"/>
-                  <a:pt x="2604" y="12467"/>
-                  <a:pt x="2873" y="13205"/>
-                </a:cubicBezTo>
-                <a:cubicBezTo>
-                  <a:pt x="2995" y="13526"/>
-                  <a:pt x="2873" y="13900"/>
-                  <a:pt x="2587" y="14091"/>
-                </a:cubicBezTo>
-                <a:lnTo>
-                  <a:pt x="1762" y="14637"/>
-                </a:lnTo>
-                <a:cubicBezTo>
-                  <a:pt x="1328" y="14915"/>
-                  <a:pt x="1207" y="15505"/>
-                  <a:pt x="1484" y="15940"/>
-                </a:cubicBezTo>
-                <a:lnTo>
-                  <a:pt x="2031" y="16764"/>
-                </a:lnTo>
-                <a:cubicBezTo>
-                  <a:pt x="2207" y="17039"/>
-                  <a:pt x="2508" y="17185"/>
-                  <a:pt x="2815" y="17185"/>
-                </a:cubicBezTo>
-                <a:cubicBezTo>
-                  <a:pt x="2993" y="17185"/>
-                  <a:pt x="3174" y="17135"/>
-                  <a:pt x="3333" y="17033"/>
-                </a:cubicBezTo>
-                <a:lnTo>
-                  <a:pt x="4253" y="16426"/>
-                </a:lnTo>
-                <a:cubicBezTo>
-                  <a:pt x="4378" y="16346"/>
-                  <a:pt x="4518" y="16308"/>
-                  <a:pt x="4656" y="16308"/>
-                </a:cubicBezTo>
-                <a:cubicBezTo>
-                  <a:pt x="4836" y="16308"/>
-                  <a:pt x="5014" y="16372"/>
-                  <a:pt x="5156" y="16495"/>
-                </a:cubicBezTo>
-                <a:cubicBezTo>
-                  <a:pt x="5729" y="16990"/>
-                  <a:pt x="6371" y="17415"/>
-                  <a:pt x="7075" y="17745"/>
-                </a:cubicBezTo>
-                <a:cubicBezTo>
-                  <a:pt x="7387" y="17901"/>
-                  <a:pt x="7561" y="18240"/>
-                  <a:pt x="7491" y="18570"/>
-                </a:cubicBezTo>
-                <a:lnTo>
-                  <a:pt x="7257" y="19646"/>
-                </a:lnTo>
-                <a:cubicBezTo>
-                  <a:pt x="7153" y="20158"/>
-                  <a:pt x="7474" y="20653"/>
-                  <a:pt x="7986" y="20766"/>
-                </a:cubicBezTo>
-                <a:lnTo>
-                  <a:pt x="8950" y="20974"/>
-                </a:lnTo>
-                <a:cubicBezTo>
-                  <a:pt x="9014" y="20987"/>
-                  <a:pt x="9079" y="20994"/>
-                  <a:pt x="9143" y="20994"/>
-                </a:cubicBezTo>
-                <a:cubicBezTo>
-                  <a:pt x="9583" y="20994"/>
-                  <a:pt x="9978" y="20692"/>
-                  <a:pt x="10069" y="20245"/>
-                </a:cubicBezTo>
-                <a:lnTo>
-                  <a:pt x="10312" y="19108"/>
-                </a:lnTo>
-                <a:cubicBezTo>
-                  <a:pt x="10373" y="18778"/>
-                  <a:pt x="10660" y="18526"/>
-                  <a:pt x="10989" y="18518"/>
-                </a:cubicBezTo>
-                <a:cubicBezTo>
-                  <a:pt x="11753" y="18474"/>
-                  <a:pt x="12500" y="18327"/>
-                  <a:pt x="13203" y="18075"/>
-                </a:cubicBezTo>
-                <a:cubicBezTo>
-                  <a:pt x="13285" y="18047"/>
-                  <a:pt x="13369" y="18033"/>
-                  <a:pt x="13452" y="18033"/>
-                </a:cubicBezTo>
-                <a:cubicBezTo>
-                  <a:pt x="13700" y="18033"/>
-                  <a:pt x="13934" y="18155"/>
-                  <a:pt x="14071" y="18370"/>
-                </a:cubicBezTo>
-                <a:lnTo>
-                  <a:pt x="14696" y="19325"/>
-                </a:lnTo>
-                <a:cubicBezTo>
-                  <a:pt x="14872" y="19599"/>
-                  <a:pt x="15172" y="19745"/>
-                  <a:pt x="15479" y="19745"/>
-                </a:cubicBezTo>
-                <a:cubicBezTo>
-                  <a:pt x="15658" y="19745"/>
-                  <a:pt x="15838" y="19696"/>
-                  <a:pt x="15998" y="19594"/>
-                </a:cubicBezTo>
-                <a:lnTo>
-                  <a:pt x="16822" y="19047"/>
-                </a:lnTo>
-                <a:cubicBezTo>
-                  <a:pt x="17257" y="18769"/>
-                  <a:pt x="17369" y="18179"/>
-                  <a:pt x="17092" y="17745"/>
-                </a:cubicBezTo>
-                <a:lnTo>
-                  <a:pt x="16458" y="16790"/>
-                </a:lnTo>
-                <a:cubicBezTo>
-                  <a:pt x="16276" y="16512"/>
-                  <a:pt x="16310" y="16130"/>
-                  <a:pt x="16536" y="15879"/>
-                </a:cubicBezTo>
-                <a:cubicBezTo>
-                  <a:pt x="17048" y="15332"/>
-                  <a:pt x="17482" y="14690"/>
-                  <a:pt x="17829" y="13995"/>
-                </a:cubicBezTo>
-                <a:cubicBezTo>
-                  <a:pt x="17954" y="13738"/>
-                  <a:pt x="18216" y="13580"/>
-                  <a:pt x="18494" y="13580"/>
-                </a:cubicBezTo>
-                <a:cubicBezTo>
-                  <a:pt x="18544" y="13580"/>
-                  <a:pt x="18595" y="13585"/>
-                  <a:pt x="18645" y="13596"/>
-                </a:cubicBezTo>
-                <a:lnTo>
-                  <a:pt x="19704" y="13813"/>
-                </a:lnTo>
-                <a:cubicBezTo>
-                  <a:pt x="19770" y="13824"/>
-                  <a:pt x="19835" y="13830"/>
-                  <a:pt x="19899" y="13830"/>
-                </a:cubicBezTo>
-                <a:cubicBezTo>
-                  <a:pt x="20372" y="13830"/>
-                  <a:pt x="20767" y="13527"/>
-                  <a:pt x="20859" y="13075"/>
-                </a:cubicBezTo>
-                <a:lnTo>
-                  <a:pt x="21058" y="12103"/>
-                </a:lnTo>
-                <a:cubicBezTo>
-                  <a:pt x="21171" y="11599"/>
-                  <a:pt x="20841" y="11096"/>
-                  <a:pt x="20338" y="10992"/>
-                </a:cubicBezTo>
-                <a:lnTo>
-                  <a:pt x="19314" y="10775"/>
-                </a:lnTo>
-                <a:cubicBezTo>
-                  <a:pt x="18975" y="10705"/>
-                  <a:pt x="18741" y="10419"/>
-                  <a:pt x="18732" y="10063"/>
-                </a:cubicBezTo>
-                <a:cubicBezTo>
-                  <a:pt x="18706" y="9264"/>
-                  <a:pt x="18559" y="8483"/>
-                  <a:pt x="18307" y="7745"/>
-                </a:cubicBezTo>
-                <a:cubicBezTo>
-                  <a:pt x="18194" y="7424"/>
-                  <a:pt x="18315" y="7068"/>
-                  <a:pt x="18593" y="6886"/>
-                </a:cubicBezTo>
-                <a:lnTo>
-                  <a:pt x="19401" y="6357"/>
-                </a:lnTo>
-                <a:cubicBezTo>
-                  <a:pt x="19835" y="6079"/>
-                  <a:pt x="19956" y="5488"/>
-                  <a:pt x="19670" y="5054"/>
-                </a:cubicBezTo>
-                <a:lnTo>
-                  <a:pt x="19131" y="4230"/>
-                </a:lnTo>
-                <a:cubicBezTo>
-                  <a:pt x="18950" y="3955"/>
-                  <a:pt x="18650" y="3806"/>
-                  <a:pt x="18345" y="3806"/>
-                </a:cubicBezTo>
-                <a:cubicBezTo>
-                  <a:pt x="18168" y="3806"/>
-                  <a:pt x="17989" y="3856"/>
-                  <a:pt x="17829" y="3961"/>
-                </a:cubicBezTo>
-                <a:lnTo>
-                  <a:pt x="17057" y="4473"/>
-                </a:lnTo>
-                <a:cubicBezTo>
-                  <a:pt x="16930" y="4551"/>
-                  <a:pt x="16789" y="4590"/>
-                  <a:pt x="16650" y="4590"/>
-                </a:cubicBezTo>
-                <a:cubicBezTo>
-                  <a:pt x="16467" y="4590"/>
-                  <a:pt x="16285" y="4523"/>
-                  <a:pt x="16137" y="4395"/>
-                </a:cubicBezTo>
-                <a:cubicBezTo>
-                  <a:pt x="15546" y="3839"/>
-                  <a:pt x="14869" y="3370"/>
-                  <a:pt x="14114" y="3006"/>
-                </a:cubicBezTo>
-                <a:cubicBezTo>
-                  <a:pt x="13810" y="2850"/>
-                  <a:pt x="13637" y="2520"/>
-                  <a:pt x="13715" y="2181"/>
-                </a:cubicBezTo>
-                <a:lnTo>
-                  <a:pt x="13889" y="1348"/>
-                </a:lnTo>
-                <a:cubicBezTo>
-                  <a:pt x="14001" y="836"/>
-                  <a:pt x="13672" y="332"/>
-                  <a:pt x="13159" y="228"/>
-                </a:cubicBezTo>
-                <a:lnTo>
-                  <a:pt x="12196" y="20"/>
-                </a:lnTo>
-                <a:cubicBezTo>
-                  <a:pt x="12131" y="7"/>
-                  <a:pt x="12066" y="0"/>
-                  <a:pt x="12003" y="0"/>
-                </a:cubicBezTo>
-                <a:close/>
-              </a:path>
-            </a:pathLst>
-          </a:custGeom>
-          <a:solidFill>
-            <a:schemeClr val="dk2"/>
-          </a:solidFill>
-          <a:ln>
-            <a:noFill/>
-          </a:ln>
-        </p:spPr>
-        <p:txBody>
-          <a:bodyPr spcFirstLastPara="1" wrap="square" lIns="91425" tIns="91425" rIns="91425" bIns="91425" anchor="ctr" anchorCtr="0">
-            <a:noAutofit/>
-          </a:bodyPr>
-          <a:lstStyle/>
-          <a:p>
-            <a:pPr marL="0" lvl="0" indent="0" algn="l" rtl="0">
-              <a:spcBef>
-                <a:spcPts val="0"/>
-              </a:spcBef>
-              <a:spcAft>
-                <a:spcPts val="0"/>
-              </a:spcAft>
-              <a:buNone/>
-            </a:pPr>
-            <a:endParaRPr/>
-          </a:p>
-        </p:txBody>
-      </p:sp>
-      <p:grpSp>
-        <p:nvGrpSpPr>
-          <p:cNvPr id="207" name="Google Shape;207;p23"/>
-          <p:cNvGrpSpPr/>
-          <p:nvPr/>
-        </p:nvGrpSpPr>
-        <p:grpSpPr>
-          <a:xfrm>
-            <a:off x="8246637" y="3622693"/>
-            <a:ext cx="811927" cy="753197"/>
-            <a:chOff x="4932662" y="2251593"/>
-            <a:chExt cx="811927" cy="753197"/>
-          </a:xfrm>
-        </p:grpSpPr>
-        <p:sp>
-          <p:nvSpPr>
-            <p:cNvPr id="208" name="Google Shape;208;p23"/>
-            <p:cNvSpPr/>
-            <p:nvPr/>
-          </p:nvSpPr>
-          <p:spPr>
-            <a:xfrm>
-              <a:off x="4932662" y="2251593"/>
-              <a:ext cx="811927" cy="753197"/>
-            </a:xfrm>
-            <a:custGeom>
-              <a:avLst/>
-              <a:gdLst/>
-              <a:ahLst/>
-              <a:cxnLst/>
-              <a:rect l="l" t="t" r="r" b="b"/>
-              <a:pathLst>
-                <a:path w="23889" h="22161" extrusionOk="0">
-                  <a:moveTo>
-                    <a:pt x="278" y="0"/>
-                  </a:moveTo>
-                  <a:cubicBezTo>
-                    <a:pt x="130" y="0"/>
-                    <a:pt x="0" y="122"/>
-                    <a:pt x="0" y="286"/>
-                  </a:cubicBezTo>
-                  <a:lnTo>
-                    <a:pt x="0" y="21874"/>
-                  </a:lnTo>
-                  <a:cubicBezTo>
-                    <a:pt x="0" y="22031"/>
-                    <a:pt x="122" y="22161"/>
-                    <a:pt x="278" y="22161"/>
-                  </a:cubicBezTo>
-                  <a:lnTo>
-                    <a:pt x="23610" y="22161"/>
-                  </a:lnTo>
-                  <a:cubicBezTo>
-                    <a:pt x="23758" y="22161"/>
-                    <a:pt x="23888" y="22031"/>
-                    <a:pt x="23888" y="21874"/>
-                  </a:cubicBezTo>
-                  <a:lnTo>
-                    <a:pt x="23888" y="286"/>
-                  </a:lnTo>
-                  <a:cubicBezTo>
-                    <a:pt x="23888" y="130"/>
-                    <a:pt x="23775" y="0"/>
-                    <a:pt x="23610" y="0"/>
-                  </a:cubicBezTo>
-                  <a:close/>
-                </a:path>
-              </a:pathLst>
-            </a:custGeom>
-            <a:solidFill>
-              <a:schemeClr val="lt2"/>
-            </a:solidFill>
-            <a:ln>
-              <a:noFill/>
-            </a:ln>
-          </p:spPr>
-          <p:txBody>
-            <a:bodyPr spcFirstLastPara="1" wrap="square" lIns="91425" tIns="91425" rIns="91425" bIns="91425" anchor="ctr" anchorCtr="0">
-              <a:noAutofit/>
-            </a:bodyPr>
-            <a:lstStyle/>
-            <a:p>
-              <a:pPr marL="0" lvl="0" indent="0" algn="l" rtl="0">
-                <a:spcBef>
-                  <a:spcPts val="0"/>
-                </a:spcBef>
-                <a:spcAft>
-                  <a:spcPts val="0"/>
-                </a:spcAft>
-                <a:buNone/>
-              </a:pPr>
-              <a:endParaRPr/>
-            </a:p>
-          </p:txBody>
-        </p:sp>
-        <p:sp>
-          <p:nvSpPr>
-            <p:cNvPr id="209" name="Google Shape;209;p23"/>
-            <p:cNvSpPr/>
-            <p:nvPr/>
-          </p:nvSpPr>
-          <p:spPr>
-            <a:xfrm>
-              <a:off x="4968044" y="2360729"/>
-              <a:ext cx="740826" cy="592436"/>
-            </a:xfrm>
-            <a:custGeom>
-              <a:avLst/>
-              <a:gdLst/>
-              <a:ahLst/>
-              <a:cxnLst/>
-              <a:rect l="l" t="t" r="r" b="b"/>
-              <a:pathLst>
-                <a:path w="21797" h="17431" extrusionOk="0">
-                  <a:moveTo>
-                    <a:pt x="209" y="1"/>
-                  </a:moveTo>
-                  <a:cubicBezTo>
-                    <a:pt x="96" y="1"/>
-                    <a:pt x="1" y="88"/>
-                    <a:pt x="1" y="209"/>
-                  </a:cubicBezTo>
-                  <a:lnTo>
-                    <a:pt x="1" y="17222"/>
-                  </a:lnTo>
-                  <a:cubicBezTo>
-                    <a:pt x="1" y="17335"/>
-                    <a:pt x="88" y="17431"/>
-                    <a:pt x="209" y="17431"/>
-                  </a:cubicBezTo>
-                  <a:lnTo>
-                    <a:pt x="21588" y="17431"/>
-                  </a:lnTo>
-                  <a:cubicBezTo>
-                    <a:pt x="21710" y="17431"/>
-                    <a:pt x="21797" y="17335"/>
-                    <a:pt x="21797" y="17222"/>
-                  </a:cubicBezTo>
-                  <a:lnTo>
-                    <a:pt x="21797" y="209"/>
-                  </a:lnTo>
-                  <a:cubicBezTo>
-                    <a:pt x="21797" y="105"/>
-                    <a:pt x="21710" y="1"/>
-                    <a:pt x="21588" y="1"/>
-                  </a:cubicBezTo>
-                  <a:close/>
-                </a:path>
-              </a:pathLst>
-            </a:custGeom>
-            <a:solidFill>
-              <a:schemeClr val="lt1"/>
-            </a:solidFill>
-            <a:ln>
-              <a:noFill/>
-            </a:ln>
-          </p:spPr>
-          <p:txBody>
-            <a:bodyPr spcFirstLastPara="1" wrap="square" lIns="91425" tIns="91425" rIns="91425" bIns="91425" anchor="ctr" anchorCtr="0">
-              <a:noAutofit/>
-            </a:bodyPr>
-            <a:lstStyle/>
-            <a:p>
-              <a:pPr marL="0" lvl="0" indent="0" algn="l" rtl="0">
-                <a:spcBef>
-                  <a:spcPts val="0"/>
-                </a:spcBef>
-                <a:spcAft>
-                  <a:spcPts val="0"/>
-                </a:spcAft>
-                <a:buNone/>
-              </a:pPr>
-              <a:endParaRPr/>
-            </a:p>
-          </p:txBody>
-        </p:sp>
-        <p:sp>
-          <p:nvSpPr>
-            <p:cNvPr id="210" name="Google Shape;210;p23"/>
-            <p:cNvSpPr/>
-            <p:nvPr/>
-          </p:nvSpPr>
-          <p:spPr>
-            <a:xfrm>
-              <a:off x="4981334" y="2284901"/>
-              <a:ext cx="41907" cy="41941"/>
-            </a:xfrm>
-            <a:custGeom>
-              <a:avLst/>
-              <a:gdLst/>
-              <a:ahLst/>
-              <a:cxnLst/>
-              <a:rect l="l" t="t" r="r" b="b"/>
-              <a:pathLst>
-                <a:path w="1233" h="1234" extrusionOk="0">
-                  <a:moveTo>
-                    <a:pt x="617" y="1"/>
-                  </a:moveTo>
-                  <a:cubicBezTo>
-                    <a:pt x="278" y="1"/>
-                    <a:pt x="0" y="270"/>
-                    <a:pt x="0" y="617"/>
-                  </a:cubicBezTo>
-                  <a:cubicBezTo>
-                    <a:pt x="0" y="956"/>
-                    <a:pt x="269" y="1234"/>
-                    <a:pt x="617" y="1234"/>
-                  </a:cubicBezTo>
-                  <a:cubicBezTo>
-                    <a:pt x="955" y="1234"/>
-                    <a:pt x="1233" y="964"/>
-                    <a:pt x="1233" y="617"/>
-                  </a:cubicBezTo>
-                  <a:cubicBezTo>
-                    <a:pt x="1233" y="279"/>
-                    <a:pt x="955" y="1"/>
-                    <a:pt x="617" y="1"/>
-                  </a:cubicBezTo>
-                  <a:close/>
-                </a:path>
-              </a:pathLst>
-            </a:custGeom>
-            <a:solidFill>
-              <a:schemeClr val="accent1"/>
-            </a:solidFill>
-            <a:ln>
-              <a:noFill/>
-            </a:ln>
-          </p:spPr>
-          <p:txBody>
-            <a:bodyPr spcFirstLastPara="1" wrap="square" lIns="91425" tIns="91425" rIns="91425" bIns="91425" anchor="ctr" anchorCtr="0">
-              <a:noAutofit/>
-            </a:bodyPr>
-            <a:lstStyle/>
-            <a:p>
-              <a:pPr marL="0" lvl="0" indent="0" algn="l" rtl="0">
-                <a:spcBef>
-                  <a:spcPts val="0"/>
-                </a:spcBef>
-                <a:spcAft>
-                  <a:spcPts val="0"/>
-                </a:spcAft>
-                <a:buNone/>
-              </a:pPr>
-              <a:endParaRPr/>
-            </a:p>
-          </p:txBody>
-        </p:sp>
-        <p:sp>
-          <p:nvSpPr>
-            <p:cNvPr id="211" name="Google Shape;211;p23"/>
-            <p:cNvSpPr/>
-            <p:nvPr/>
-          </p:nvSpPr>
-          <p:spPr>
-            <a:xfrm>
-              <a:off x="5052709" y="2284901"/>
-              <a:ext cx="42246" cy="41941"/>
-            </a:xfrm>
-            <a:custGeom>
-              <a:avLst/>
-              <a:gdLst/>
-              <a:ahLst/>
-              <a:cxnLst/>
-              <a:rect l="l" t="t" r="r" b="b"/>
-              <a:pathLst>
-                <a:path w="1243" h="1234" extrusionOk="0">
-                  <a:moveTo>
-                    <a:pt x="617" y="1"/>
-                  </a:moveTo>
-                  <a:cubicBezTo>
-                    <a:pt x="279" y="1"/>
-                    <a:pt x="1" y="279"/>
-                    <a:pt x="1" y="617"/>
-                  </a:cubicBezTo>
-                  <a:cubicBezTo>
-                    <a:pt x="1" y="956"/>
-                    <a:pt x="279" y="1234"/>
-                    <a:pt x="617" y="1234"/>
-                  </a:cubicBezTo>
-                  <a:cubicBezTo>
-                    <a:pt x="964" y="1234"/>
-                    <a:pt x="1242" y="956"/>
-                    <a:pt x="1242" y="617"/>
-                  </a:cubicBezTo>
-                  <a:cubicBezTo>
-                    <a:pt x="1242" y="279"/>
-                    <a:pt x="964" y="1"/>
-                    <a:pt x="617" y="1"/>
-                  </a:cubicBezTo>
-                  <a:close/>
-                </a:path>
-              </a:pathLst>
-            </a:custGeom>
-            <a:solidFill>
-              <a:schemeClr val="accent1"/>
-            </a:solidFill>
-            <a:ln>
-              <a:noFill/>
-            </a:ln>
-          </p:spPr>
-          <p:txBody>
-            <a:bodyPr spcFirstLastPara="1" wrap="square" lIns="91425" tIns="91425" rIns="91425" bIns="91425" anchor="ctr" anchorCtr="0">
-              <a:noAutofit/>
-            </a:bodyPr>
-            <a:lstStyle/>
-            <a:p>
-              <a:pPr marL="0" lvl="0" indent="0" algn="l" rtl="0">
-                <a:spcBef>
-                  <a:spcPts val="0"/>
-                </a:spcBef>
-                <a:spcAft>
-                  <a:spcPts val="0"/>
-                </a:spcAft>
-                <a:buNone/>
-              </a:pPr>
-              <a:endParaRPr/>
-            </a:p>
-          </p:txBody>
-        </p:sp>
-        <p:sp>
-          <p:nvSpPr>
-            <p:cNvPr id="212" name="Google Shape;212;p23"/>
-            <p:cNvSpPr/>
-            <p:nvPr/>
-          </p:nvSpPr>
-          <p:spPr>
-            <a:xfrm>
-              <a:off x="5124425" y="2284901"/>
-              <a:ext cx="41907" cy="41941"/>
-            </a:xfrm>
-            <a:custGeom>
-              <a:avLst/>
-              <a:gdLst/>
-              <a:ahLst/>
-              <a:cxnLst/>
-              <a:rect l="l" t="t" r="r" b="b"/>
-              <a:pathLst>
-                <a:path w="1233" h="1234" extrusionOk="0">
-                  <a:moveTo>
-                    <a:pt x="617" y="1"/>
-                  </a:moveTo>
-                  <a:cubicBezTo>
-                    <a:pt x="278" y="1"/>
-                    <a:pt x="0" y="279"/>
-                    <a:pt x="0" y="617"/>
-                  </a:cubicBezTo>
-                  <a:cubicBezTo>
-                    <a:pt x="0" y="956"/>
-                    <a:pt x="278" y="1234"/>
-                    <a:pt x="617" y="1234"/>
-                  </a:cubicBezTo>
-                  <a:cubicBezTo>
-                    <a:pt x="955" y="1234"/>
-                    <a:pt x="1233" y="956"/>
-                    <a:pt x="1233" y="617"/>
-                  </a:cubicBezTo>
-                  <a:cubicBezTo>
-                    <a:pt x="1233" y="279"/>
-                    <a:pt x="955" y="1"/>
-                    <a:pt x="617" y="1"/>
-                  </a:cubicBezTo>
-                  <a:close/>
-                </a:path>
-              </a:pathLst>
-            </a:custGeom>
-            <a:solidFill>
-              <a:schemeClr val="accent1"/>
-            </a:solidFill>
-            <a:ln>
-              <a:noFill/>
-            </a:ln>
-          </p:spPr>
-          <p:txBody>
-            <a:bodyPr spcFirstLastPara="1" wrap="square" lIns="91425" tIns="91425" rIns="91425" bIns="91425" anchor="ctr" anchorCtr="0">
-              <a:noAutofit/>
-            </a:bodyPr>
-            <a:lstStyle/>
-            <a:p>
-              <a:pPr marL="0" lvl="0" indent="0" algn="l" rtl="0">
-                <a:spcBef>
-                  <a:spcPts val="0"/>
-                </a:spcBef>
-                <a:spcAft>
-                  <a:spcPts val="0"/>
-                </a:spcAft>
-                <a:buNone/>
-              </a:pPr>
-              <a:endParaRPr/>
-            </a:p>
-          </p:txBody>
-        </p:sp>
-      </p:grpSp>
-    </p:spTree>
-  </p:cSld>
-  <p:clrMapOvr>
-    <a:masterClrMapping/>
-  </p:clrMapOvr>
-</p:sld>
-</file>
-
-<file path=ppt/slides/slide4.xml><?xml version="1.0" encoding="utf-8"?>
-<p:sld xmlns:a="http://schemas.openxmlformats.org/drawingml/2006/main" xmlns:r="http://schemas.openxmlformats.org/officeDocument/2006/relationships" xmlns:p="http://schemas.openxmlformats.org/presentationml/2006/main">
-  <p:cSld>
-    <p:spTree>
-      <p:nvGrpSpPr>
-        <p:cNvPr id="1" name="Shape 218"/>
-        <p:cNvGrpSpPr/>
-        <p:nvPr/>
-      </p:nvGrpSpPr>
-      <p:grpSpPr>
-        <a:xfrm>
-          <a:off x="0" y="0"/>
-          <a:ext cx="0" cy="0"/>
-          <a:chOff x="0" y="0"/>
-          <a:chExt cx="0" cy="0"/>
-        </a:xfrm>
-      </p:grpSpPr>
-      <p:sp>
-        <p:nvSpPr>
-          <p:cNvPr id="219" name="Google Shape;219;p24"/>
-          <p:cNvSpPr/>
-          <p:nvPr/>
-        </p:nvSpPr>
-        <p:spPr>
-          <a:xfrm>
-            <a:off x="8253375" y="428100"/>
-            <a:ext cx="601973" cy="596912"/>
-          </a:xfrm>
-          <a:custGeom>
-            <a:avLst/>
-            <a:gdLst/>
-            <a:ahLst/>
-            <a:cxnLst/>
-            <a:rect l="l" t="t" r="r" b="b"/>
-            <a:pathLst>
-              <a:path w="21172" h="20994" extrusionOk="0">
-                <a:moveTo>
-                  <a:pt x="10557" y="5287"/>
-                </a:moveTo>
-                <a:cubicBezTo>
-                  <a:pt x="10729" y="5287"/>
-                  <a:pt x="10902" y="5296"/>
-                  <a:pt x="11076" y="5315"/>
-                </a:cubicBezTo>
-                <a:cubicBezTo>
-                  <a:pt x="14279" y="5662"/>
-                  <a:pt x="16345" y="8822"/>
-                  <a:pt x="15373" y="11877"/>
-                </a:cubicBezTo>
-                <a:cubicBezTo>
-                  <a:pt x="14714" y="13983"/>
-                  <a:pt x="12722" y="15412"/>
-                  <a:pt x="10550" y="15412"/>
-                </a:cubicBezTo>
-                <a:cubicBezTo>
-                  <a:pt x="10376" y="15412"/>
-                  <a:pt x="10201" y="15403"/>
-                  <a:pt x="10026" y="15384"/>
-                </a:cubicBezTo>
-                <a:cubicBezTo>
-                  <a:pt x="6823" y="15037"/>
-                  <a:pt x="4766" y="11877"/>
-                  <a:pt x="5729" y="8822"/>
-                </a:cubicBezTo>
-                <a:cubicBezTo>
-                  <a:pt x="6397" y="6723"/>
-                  <a:pt x="8390" y="5287"/>
-                  <a:pt x="10557" y="5287"/>
-                </a:cubicBezTo>
-                <a:close/>
-                <a:moveTo>
-                  <a:pt x="12003" y="0"/>
-                </a:moveTo>
-                <a:cubicBezTo>
-                  <a:pt x="11564" y="0"/>
-                  <a:pt x="11175" y="302"/>
-                  <a:pt x="11076" y="749"/>
-                </a:cubicBezTo>
-                <a:lnTo>
-                  <a:pt x="10903" y="1582"/>
-                </a:lnTo>
-                <a:cubicBezTo>
-                  <a:pt x="10842" y="1921"/>
-                  <a:pt x="10547" y="2155"/>
-                  <a:pt x="10199" y="2181"/>
-                </a:cubicBezTo>
-                <a:cubicBezTo>
-                  <a:pt x="9366" y="2216"/>
-                  <a:pt x="8542" y="2372"/>
-                  <a:pt x="7769" y="2659"/>
-                </a:cubicBezTo>
-                <a:cubicBezTo>
-                  <a:pt x="7686" y="2690"/>
-                  <a:pt x="7599" y="2705"/>
-                  <a:pt x="7513" y="2705"/>
-                </a:cubicBezTo>
-                <a:cubicBezTo>
-                  <a:pt x="7267" y="2705"/>
-                  <a:pt x="7027" y="2582"/>
-                  <a:pt x="6892" y="2364"/>
-                </a:cubicBezTo>
-                <a:lnTo>
-                  <a:pt x="6450" y="1678"/>
-                </a:lnTo>
-                <a:cubicBezTo>
-                  <a:pt x="6268" y="1403"/>
-                  <a:pt x="5969" y="1257"/>
-                  <a:pt x="5664" y="1257"/>
-                </a:cubicBezTo>
-                <a:cubicBezTo>
-                  <a:pt x="5487" y="1257"/>
-                  <a:pt x="5307" y="1307"/>
-                  <a:pt x="5148" y="1409"/>
-                </a:cubicBezTo>
-                <a:lnTo>
-                  <a:pt x="4323" y="1956"/>
-                </a:lnTo>
-                <a:cubicBezTo>
-                  <a:pt x="3889" y="2233"/>
-                  <a:pt x="3767" y="2824"/>
-                  <a:pt x="4045" y="3258"/>
-                </a:cubicBezTo>
-                <a:lnTo>
-                  <a:pt x="4852" y="4482"/>
-                </a:lnTo>
-                <a:cubicBezTo>
-                  <a:pt x="4132" y="5176"/>
-                  <a:pt x="3542" y="6009"/>
-                  <a:pt x="3116" y="6947"/>
-                </a:cubicBezTo>
-                <a:cubicBezTo>
-                  <a:pt x="2998" y="7213"/>
-                  <a:pt x="2728" y="7379"/>
-                  <a:pt x="2441" y="7379"/>
-                </a:cubicBezTo>
-                <a:cubicBezTo>
-                  <a:pt x="2392" y="7379"/>
-                  <a:pt x="2342" y="7374"/>
-                  <a:pt x="2292" y="7363"/>
-                </a:cubicBezTo>
-                <a:lnTo>
-                  <a:pt x="1432" y="7190"/>
-                </a:lnTo>
-                <a:cubicBezTo>
-                  <a:pt x="1367" y="7177"/>
-                  <a:pt x="1303" y="7170"/>
-                  <a:pt x="1239" y="7170"/>
-                </a:cubicBezTo>
-                <a:cubicBezTo>
-                  <a:pt x="801" y="7170"/>
-                  <a:pt x="411" y="7472"/>
-                  <a:pt x="313" y="7919"/>
-                </a:cubicBezTo>
-                <a:lnTo>
-                  <a:pt x="113" y="8882"/>
-                </a:lnTo>
-                <a:cubicBezTo>
-                  <a:pt x="0" y="9395"/>
-                  <a:pt x="330" y="9898"/>
-                  <a:pt x="833" y="10002"/>
-                </a:cubicBezTo>
-                <a:lnTo>
-                  <a:pt x="1788" y="10202"/>
-                </a:lnTo>
-                <a:cubicBezTo>
-                  <a:pt x="2118" y="10263"/>
-                  <a:pt x="2353" y="10549"/>
-                  <a:pt x="2379" y="10879"/>
-                </a:cubicBezTo>
-                <a:cubicBezTo>
-                  <a:pt x="2431" y="11686"/>
-                  <a:pt x="2604" y="12467"/>
-                  <a:pt x="2873" y="13205"/>
-                </a:cubicBezTo>
-                <a:cubicBezTo>
-                  <a:pt x="2995" y="13526"/>
-                  <a:pt x="2873" y="13900"/>
-                  <a:pt x="2587" y="14091"/>
-                </a:cubicBezTo>
-                <a:lnTo>
-                  <a:pt x="1762" y="14637"/>
-                </a:lnTo>
-                <a:cubicBezTo>
-                  <a:pt x="1328" y="14915"/>
-                  <a:pt x="1207" y="15505"/>
-                  <a:pt x="1484" y="15940"/>
-                </a:cubicBezTo>
-                <a:lnTo>
-                  <a:pt x="2031" y="16764"/>
-                </a:lnTo>
-                <a:cubicBezTo>
-                  <a:pt x="2207" y="17039"/>
-                  <a:pt x="2508" y="17185"/>
-                  <a:pt x="2815" y="17185"/>
-                </a:cubicBezTo>
-                <a:cubicBezTo>
-                  <a:pt x="2993" y="17185"/>
-                  <a:pt x="3174" y="17135"/>
-                  <a:pt x="3333" y="17033"/>
-                </a:cubicBezTo>
-                <a:lnTo>
-                  <a:pt x="4253" y="16426"/>
-                </a:lnTo>
-                <a:cubicBezTo>
-                  <a:pt x="4378" y="16346"/>
-                  <a:pt x="4518" y="16308"/>
-                  <a:pt x="4656" y="16308"/>
-                </a:cubicBezTo>
-                <a:cubicBezTo>
-                  <a:pt x="4836" y="16308"/>
-                  <a:pt x="5014" y="16372"/>
-                  <a:pt x="5156" y="16495"/>
-                </a:cubicBezTo>
-                <a:cubicBezTo>
-                  <a:pt x="5729" y="16990"/>
-                  <a:pt x="6371" y="17415"/>
-                  <a:pt x="7075" y="17745"/>
-                </a:cubicBezTo>
-                <a:cubicBezTo>
-                  <a:pt x="7387" y="17901"/>
-                  <a:pt x="7561" y="18240"/>
-                  <a:pt x="7491" y="18570"/>
-                </a:cubicBezTo>
-                <a:lnTo>
-                  <a:pt x="7257" y="19646"/>
-                </a:lnTo>
-                <a:cubicBezTo>
-                  <a:pt x="7153" y="20158"/>
-                  <a:pt x="7474" y="20653"/>
-                  <a:pt x="7986" y="20766"/>
-                </a:cubicBezTo>
-                <a:lnTo>
-                  <a:pt x="8950" y="20974"/>
-                </a:lnTo>
-                <a:cubicBezTo>
-                  <a:pt x="9014" y="20987"/>
-                  <a:pt x="9079" y="20994"/>
-                  <a:pt x="9143" y="20994"/>
-                </a:cubicBezTo>
-                <a:cubicBezTo>
-                  <a:pt x="9583" y="20994"/>
-                  <a:pt x="9978" y="20692"/>
-                  <a:pt x="10069" y="20245"/>
-                </a:cubicBezTo>
-                <a:lnTo>
-                  <a:pt x="10312" y="19108"/>
-                </a:lnTo>
-                <a:cubicBezTo>
-                  <a:pt x="10373" y="18778"/>
-                  <a:pt x="10660" y="18526"/>
-                  <a:pt x="10989" y="18518"/>
-                </a:cubicBezTo>
-                <a:cubicBezTo>
-                  <a:pt x="11753" y="18474"/>
-                  <a:pt x="12500" y="18327"/>
-                  <a:pt x="13203" y="18075"/>
-                </a:cubicBezTo>
-                <a:cubicBezTo>
-                  <a:pt x="13285" y="18047"/>
-                  <a:pt x="13369" y="18033"/>
-                  <a:pt x="13452" y="18033"/>
-                </a:cubicBezTo>
-                <a:cubicBezTo>
-                  <a:pt x="13700" y="18033"/>
-                  <a:pt x="13934" y="18155"/>
-                  <a:pt x="14071" y="18370"/>
-                </a:cubicBezTo>
-                <a:lnTo>
-                  <a:pt x="14696" y="19325"/>
-                </a:lnTo>
-                <a:cubicBezTo>
-                  <a:pt x="14872" y="19599"/>
-                  <a:pt x="15172" y="19745"/>
-                  <a:pt x="15479" y="19745"/>
-                </a:cubicBezTo>
-                <a:cubicBezTo>
-                  <a:pt x="15658" y="19745"/>
-                  <a:pt x="15838" y="19696"/>
-                  <a:pt x="15998" y="19594"/>
-                </a:cubicBezTo>
-                <a:lnTo>
-                  <a:pt x="16822" y="19047"/>
-                </a:lnTo>
-                <a:cubicBezTo>
-                  <a:pt x="17257" y="18769"/>
-                  <a:pt x="17369" y="18179"/>
-                  <a:pt x="17092" y="17745"/>
-                </a:cubicBezTo>
-                <a:lnTo>
-                  <a:pt x="16458" y="16790"/>
-                </a:lnTo>
-                <a:cubicBezTo>
-                  <a:pt x="16276" y="16512"/>
-                  <a:pt x="16310" y="16130"/>
-                  <a:pt x="16536" y="15879"/>
-                </a:cubicBezTo>
-                <a:cubicBezTo>
-                  <a:pt x="17048" y="15332"/>
-                  <a:pt x="17482" y="14690"/>
-                  <a:pt x="17829" y="13995"/>
-                </a:cubicBezTo>
-                <a:cubicBezTo>
-                  <a:pt x="17954" y="13738"/>
-                  <a:pt x="18216" y="13580"/>
-                  <a:pt x="18494" y="13580"/>
-                </a:cubicBezTo>
-                <a:cubicBezTo>
-                  <a:pt x="18544" y="13580"/>
-                  <a:pt x="18595" y="13585"/>
-                  <a:pt x="18645" y="13596"/>
-                </a:cubicBezTo>
-                <a:lnTo>
-                  <a:pt x="19704" y="13813"/>
-                </a:lnTo>
-                <a:cubicBezTo>
-                  <a:pt x="19770" y="13824"/>
-                  <a:pt x="19835" y="13830"/>
-                  <a:pt x="19899" y="13830"/>
-                </a:cubicBezTo>
-                <a:cubicBezTo>
-                  <a:pt x="20372" y="13830"/>
-                  <a:pt x="20767" y="13527"/>
-                  <a:pt x="20859" y="13075"/>
-                </a:cubicBezTo>
-                <a:lnTo>
-                  <a:pt x="21058" y="12103"/>
-                </a:lnTo>
-                <a:cubicBezTo>
-                  <a:pt x="21171" y="11599"/>
-                  <a:pt x="20841" y="11096"/>
-                  <a:pt x="20338" y="10992"/>
-                </a:cubicBezTo>
-                <a:lnTo>
-                  <a:pt x="19314" y="10775"/>
-                </a:lnTo>
-                <a:cubicBezTo>
-                  <a:pt x="18975" y="10705"/>
-                  <a:pt x="18741" y="10419"/>
-                  <a:pt x="18732" y="10063"/>
-                </a:cubicBezTo>
-                <a:cubicBezTo>
-                  <a:pt x="18706" y="9264"/>
-                  <a:pt x="18559" y="8483"/>
-                  <a:pt x="18307" y="7745"/>
-                </a:cubicBezTo>
-                <a:cubicBezTo>
-                  <a:pt x="18194" y="7424"/>
-                  <a:pt x="18315" y="7068"/>
-                  <a:pt x="18593" y="6886"/>
-                </a:cubicBezTo>
-                <a:lnTo>
-                  <a:pt x="19401" y="6357"/>
-                </a:lnTo>
-                <a:cubicBezTo>
-                  <a:pt x="19835" y="6079"/>
-                  <a:pt x="19956" y="5488"/>
-                  <a:pt x="19670" y="5054"/>
-                </a:cubicBezTo>
-                <a:lnTo>
-                  <a:pt x="19131" y="4230"/>
-                </a:lnTo>
-                <a:cubicBezTo>
-                  <a:pt x="18950" y="3955"/>
-                  <a:pt x="18650" y="3806"/>
-                  <a:pt x="18345" y="3806"/>
-                </a:cubicBezTo>
-                <a:cubicBezTo>
-                  <a:pt x="18168" y="3806"/>
-                  <a:pt x="17989" y="3856"/>
-                  <a:pt x="17829" y="3961"/>
-                </a:cubicBezTo>
-                <a:lnTo>
-                  <a:pt x="17057" y="4473"/>
-                </a:lnTo>
-                <a:cubicBezTo>
-                  <a:pt x="16930" y="4551"/>
-                  <a:pt x="16789" y="4590"/>
-                  <a:pt x="16650" y="4590"/>
-                </a:cubicBezTo>
-                <a:cubicBezTo>
-                  <a:pt x="16467" y="4590"/>
-                  <a:pt x="16285" y="4523"/>
-                  <a:pt x="16137" y="4395"/>
-                </a:cubicBezTo>
-                <a:cubicBezTo>
-                  <a:pt x="15546" y="3839"/>
-                  <a:pt x="14869" y="3370"/>
-                  <a:pt x="14114" y="3006"/>
-                </a:cubicBezTo>
-                <a:cubicBezTo>
-                  <a:pt x="13810" y="2850"/>
-                  <a:pt x="13637" y="2520"/>
-                  <a:pt x="13715" y="2181"/>
-                </a:cubicBezTo>
-                <a:lnTo>
-                  <a:pt x="13889" y="1348"/>
-                </a:lnTo>
-                <a:cubicBezTo>
-                  <a:pt x="14001" y="836"/>
-                  <a:pt x="13672" y="332"/>
-                  <a:pt x="13159" y="228"/>
-                </a:cubicBezTo>
-                <a:lnTo>
-                  <a:pt x="12196" y="20"/>
-                </a:lnTo>
-                <a:cubicBezTo>
-                  <a:pt x="12131" y="7"/>
-                  <a:pt x="12066" y="0"/>
-                  <a:pt x="12003" y="0"/>
-                </a:cubicBezTo>
-                <a:close/>
-              </a:path>
-            </a:pathLst>
-          </a:custGeom>
-          <a:solidFill>
-            <a:schemeClr val="dk2"/>
-          </a:solidFill>
-          <a:ln>
-            <a:noFill/>
-          </a:ln>
-        </p:spPr>
-        <p:txBody>
-          <a:bodyPr spcFirstLastPara="1" wrap="square" lIns="91425" tIns="91425" rIns="91425" bIns="91425" anchor="ctr" anchorCtr="0">
-            <a:noAutofit/>
-          </a:bodyPr>
-          <a:lstStyle/>
-          <a:p>
-            <a:pPr marL="0" lvl="0" indent="0" algn="l" rtl="0">
-              <a:spcBef>
-                <a:spcPts val="0"/>
-              </a:spcBef>
-              <a:spcAft>
-                <a:spcPts val="0"/>
-              </a:spcAft>
-              <a:buNone/>
-            </a:pPr>
-            <a:endParaRPr/>
-          </a:p>
-        </p:txBody>
-      </p:sp>
-      <p:grpSp>
-        <p:nvGrpSpPr>
-          <p:cNvPr id="220" name="Google Shape;220;p24"/>
-          <p:cNvGrpSpPr/>
-          <p:nvPr/>
-        </p:nvGrpSpPr>
-        <p:grpSpPr>
-          <a:xfrm flipH="1">
-            <a:off x="8553471" y="74793"/>
-            <a:ext cx="508385" cy="644675"/>
-            <a:chOff x="4859771" y="3053445"/>
-            <a:chExt cx="508385" cy="644675"/>
-          </a:xfrm>
-        </p:grpSpPr>
-        <p:sp>
-          <p:nvSpPr>
-            <p:cNvPr id="221" name="Google Shape;221;p24"/>
-            <p:cNvSpPr/>
-            <p:nvPr/>
-          </p:nvSpPr>
-          <p:spPr>
-            <a:xfrm>
-              <a:off x="4859771" y="3053445"/>
-              <a:ext cx="508385" cy="644675"/>
-            </a:xfrm>
-            <a:custGeom>
-              <a:avLst/>
-              <a:gdLst/>
-              <a:ahLst/>
-              <a:cxnLst/>
-              <a:rect l="l" t="t" r="r" b="b"/>
-              <a:pathLst>
-                <a:path w="14958" h="18968" extrusionOk="0">
-                  <a:moveTo>
-                    <a:pt x="1216" y="1"/>
-                  </a:moveTo>
-                  <a:cubicBezTo>
-                    <a:pt x="548" y="1"/>
-                    <a:pt x="1" y="609"/>
-                    <a:pt x="1" y="1346"/>
-                  </a:cubicBezTo>
-                  <a:lnTo>
-                    <a:pt x="1" y="17622"/>
-                  </a:lnTo>
-                  <a:cubicBezTo>
-                    <a:pt x="1" y="18368"/>
-                    <a:pt x="548" y="18967"/>
-                    <a:pt x="1216" y="18967"/>
-                  </a:cubicBezTo>
-                  <a:lnTo>
-                    <a:pt x="13742" y="18967"/>
-                  </a:lnTo>
-                  <a:cubicBezTo>
-                    <a:pt x="14410" y="18967"/>
-                    <a:pt x="14957" y="18368"/>
-                    <a:pt x="14957" y="17622"/>
-                  </a:cubicBezTo>
-                  <a:lnTo>
-                    <a:pt x="14957" y="3820"/>
-                  </a:lnTo>
-                  <a:lnTo>
-                    <a:pt x="11945" y="1"/>
-                  </a:lnTo>
-                  <a:close/>
-                </a:path>
-              </a:pathLst>
-            </a:custGeom>
-            <a:solidFill>
-              <a:schemeClr val="accent3"/>
-            </a:solidFill>
-            <a:ln>
-              <a:noFill/>
-            </a:ln>
-          </p:spPr>
-          <p:txBody>
-            <a:bodyPr spcFirstLastPara="1" wrap="square" lIns="91425" tIns="91425" rIns="91425" bIns="91425" anchor="ctr" anchorCtr="0">
-              <a:noAutofit/>
-            </a:bodyPr>
-            <a:lstStyle/>
-            <a:p>
-              <a:pPr marL="0" lvl="0" indent="0" algn="l" rtl="0">
-                <a:spcBef>
-                  <a:spcPts val="0"/>
-                </a:spcBef>
-                <a:spcAft>
-                  <a:spcPts val="0"/>
-                </a:spcAft>
-                <a:buNone/>
-              </a:pPr>
-              <a:endParaRPr/>
-            </a:p>
-          </p:txBody>
-        </p:sp>
-        <p:sp>
-          <p:nvSpPr>
-            <p:cNvPr id="222" name="Google Shape;222;p24"/>
-            <p:cNvSpPr/>
-            <p:nvPr/>
-          </p:nvSpPr>
-          <p:spPr>
-            <a:xfrm>
-              <a:off x="5265729" y="3053751"/>
-              <a:ext cx="101827" cy="130444"/>
-            </a:xfrm>
-            <a:custGeom>
-              <a:avLst/>
-              <a:gdLst/>
-              <a:ahLst/>
-              <a:cxnLst/>
-              <a:rect l="l" t="t" r="r" b="b"/>
-              <a:pathLst>
-                <a:path w="2996" h="3838" extrusionOk="0">
-                  <a:moveTo>
-                    <a:pt x="1" y="1"/>
-                  </a:moveTo>
-                  <a:lnTo>
-                    <a:pt x="1" y="2856"/>
-                  </a:lnTo>
-                  <a:cubicBezTo>
-                    <a:pt x="1" y="3395"/>
-                    <a:pt x="409" y="3837"/>
-                    <a:pt x="895" y="3837"/>
-                  </a:cubicBezTo>
-                  <a:lnTo>
-                    <a:pt x="2996" y="3820"/>
-                  </a:lnTo>
-                  <a:lnTo>
-                    <a:pt x="1" y="1"/>
-                  </a:lnTo>
-                  <a:close/>
-                </a:path>
-              </a:pathLst>
-            </a:custGeom>
-            <a:solidFill>
-              <a:schemeClr val="lt2"/>
-            </a:solidFill>
-            <a:ln>
-              <a:noFill/>
-            </a:ln>
-          </p:spPr>
-          <p:txBody>
-            <a:bodyPr spcFirstLastPara="1" wrap="square" lIns="91425" tIns="91425" rIns="91425" bIns="91425" anchor="ctr" anchorCtr="0">
-              <a:noAutofit/>
-            </a:bodyPr>
-            <a:lstStyle/>
-            <a:p>
-              <a:pPr marL="0" lvl="0" indent="0" algn="l" rtl="0">
-                <a:spcBef>
-                  <a:spcPts val="0"/>
-                </a:spcBef>
-                <a:spcAft>
-                  <a:spcPts val="0"/>
-                </a:spcAft>
-                <a:buNone/>
-              </a:pPr>
-              <a:endParaRPr/>
-            </a:p>
-          </p:txBody>
-        </p:sp>
-        <p:sp>
-          <p:nvSpPr>
-            <p:cNvPr id="223" name="Google Shape;223;p24"/>
-            <p:cNvSpPr/>
-            <p:nvPr/>
-          </p:nvSpPr>
-          <p:spPr>
-            <a:xfrm>
-              <a:off x="4961567" y="3237560"/>
-              <a:ext cx="304188" cy="26578"/>
-            </a:xfrm>
-            <a:custGeom>
-              <a:avLst/>
-              <a:gdLst/>
-              <a:ahLst/>
-              <a:cxnLst/>
-              <a:rect l="l" t="t" r="r" b="b"/>
-              <a:pathLst>
-                <a:path w="8950" h="782" extrusionOk="0">
-                  <a:moveTo>
-                    <a:pt x="1" y="0"/>
-                  </a:moveTo>
-                  <a:lnTo>
-                    <a:pt x="1" y="782"/>
-                  </a:lnTo>
-                  <a:lnTo>
-                    <a:pt x="8950" y="782"/>
-                  </a:lnTo>
-                  <a:lnTo>
-                    <a:pt x="8950" y="0"/>
-                  </a:lnTo>
-                  <a:close/>
-                </a:path>
-              </a:pathLst>
-            </a:custGeom>
-            <a:solidFill>
-              <a:schemeClr val="accent1"/>
-            </a:solidFill>
-            <a:ln>
-              <a:noFill/>
-            </a:ln>
-          </p:spPr>
-          <p:txBody>
-            <a:bodyPr spcFirstLastPara="1" wrap="square" lIns="91425" tIns="91425" rIns="91425" bIns="91425" anchor="ctr" anchorCtr="0">
-              <a:noAutofit/>
-            </a:bodyPr>
-            <a:lstStyle/>
-            <a:p>
-              <a:pPr marL="0" lvl="0" indent="0" algn="l" rtl="0">
-                <a:spcBef>
-                  <a:spcPts val="0"/>
-                </a:spcBef>
-                <a:spcAft>
-                  <a:spcPts val="0"/>
-                </a:spcAft>
-                <a:buNone/>
-              </a:pPr>
-              <a:endParaRPr/>
-            </a:p>
-          </p:txBody>
-        </p:sp>
-        <p:sp>
-          <p:nvSpPr>
-            <p:cNvPr id="224" name="Google Shape;224;p24"/>
-            <p:cNvSpPr/>
-            <p:nvPr/>
-          </p:nvSpPr>
-          <p:spPr>
-            <a:xfrm>
-              <a:off x="4961567" y="3300099"/>
-              <a:ext cx="304188" cy="26578"/>
-            </a:xfrm>
-            <a:custGeom>
-              <a:avLst/>
-              <a:gdLst/>
-              <a:ahLst/>
-              <a:cxnLst/>
-              <a:rect l="l" t="t" r="r" b="b"/>
-              <a:pathLst>
-                <a:path w="8950" h="782" extrusionOk="0">
-                  <a:moveTo>
-                    <a:pt x="1" y="1"/>
-                  </a:moveTo>
-                  <a:lnTo>
-                    <a:pt x="1" y="782"/>
-                  </a:lnTo>
-                  <a:lnTo>
-                    <a:pt x="8950" y="782"/>
-                  </a:lnTo>
-                  <a:lnTo>
-                    <a:pt x="8950" y="1"/>
-                  </a:lnTo>
-                  <a:close/>
-                </a:path>
-              </a:pathLst>
-            </a:custGeom>
-            <a:solidFill>
-              <a:schemeClr val="accent1"/>
-            </a:solidFill>
-            <a:ln>
-              <a:noFill/>
-            </a:ln>
-          </p:spPr>
-          <p:txBody>
-            <a:bodyPr spcFirstLastPara="1" wrap="square" lIns="91425" tIns="91425" rIns="91425" bIns="91425" anchor="ctr" anchorCtr="0">
-              <a:noAutofit/>
-            </a:bodyPr>
-            <a:lstStyle/>
-            <a:p>
-              <a:pPr marL="0" lvl="0" indent="0" algn="l" rtl="0">
-                <a:spcBef>
-                  <a:spcPts val="0"/>
-                </a:spcBef>
-                <a:spcAft>
-                  <a:spcPts val="0"/>
-                </a:spcAft>
-                <a:buNone/>
-              </a:pPr>
-              <a:endParaRPr/>
-            </a:p>
-          </p:txBody>
-        </p:sp>
-        <p:sp>
-          <p:nvSpPr>
-            <p:cNvPr id="225" name="Google Shape;225;p24"/>
-            <p:cNvSpPr/>
-            <p:nvPr/>
-          </p:nvSpPr>
-          <p:spPr>
-            <a:xfrm>
-              <a:off x="4961567" y="3362943"/>
-              <a:ext cx="304188" cy="26578"/>
-            </a:xfrm>
-            <a:custGeom>
-              <a:avLst/>
-              <a:gdLst/>
-              <a:ahLst/>
-              <a:cxnLst/>
-              <a:rect l="l" t="t" r="r" b="b"/>
-              <a:pathLst>
-                <a:path w="8950" h="782" extrusionOk="0">
-                  <a:moveTo>
-                    <a:pt x="1" y="1"/>
-                  </a:moveTo>
-                  <a:lnTo>
-                    <a:pt x="1" y="782"/>
-                  </a:lnTo>
-                  <a:lnTo>
-                    <a:pt x="8950" y="782"/>
-                  </a:lnTo>
-                  <a:lnTo>
-                    <a:pt x="8950" y="1"/>
-                  </a:lnTo>
-                  <a:close/>
-                </a:path>
-              </a:pathLst>
-            </a:custGeom>
-            <a:solidFill>
-              <a:schemeClr val="accent1"/>
-            </a:solidFill>
-            <a:ln>
-              <a:noFill/>
-            </a:ln>
-          </p:spPr>
-          <p:txBody>
-            <a:bodyPr spcFirstLastPara="1" wrap="square" lIns="91425" tIns="91425" rIns="91425" bIns="91425" anchor="ctr" anchorCtr="0">
-              <a:noAutofit/>
-            </a:bodyPr>
-            <a:lstStyle/>
-            <a:p>
-              <a:pPr marL="0" lvl="0" indent="0" algn="l" rtl="0">
-                <a:spcBef>
-                  <a:spcPts val="0"/>
-                </a:spcBef>
-                <a:spcAft>
-                  <a:spcPts val="0"/>
-                </a:spcAft>
-                <a:buNone/>
-              </a:pPr>
-              <a:endParaRPr/>
-            </a:p>
-          </p:txBody>
-        </p:sp>
-        <p:sp>
-          <p:nvSpPr>
-            <p:cNvPr id="226" name="Google Shape;226;p24"/>
-            <p:cNvSpPr/>
-            <p:nvPr/>
-          </p:nvSpPr>
-          <p:spPr>
-            <a:xfrm>
-              <a:off x="4961567" y="3425482"/>
-              <a:ext cx="304188" cy="26578"/>
-            </a:xfrm>
-            <a:custGeom>
-              <a:avLst/>
-              <a:gdLst/>
-              <a:ahLst/>
-              <a:cxnLst/>
-              <a:rect l="l" t="t" r="r" b="b"/>
-              <a:pathLst>
-                <a:path w="8950" h="782" extrusionOk="0">
-                  <a:moveTo>
-                    <a:pt x="1" y="1"/>
-                  </a:moveTo>
-                  <a:lnTo>
-                    <a:pt x="1" y="782"/>
-                  </a:lnTo>
-                  <a:lnTo>
-                    <a:pt x="8950" y="782"/>
-                  </a:lnTo>
-                  <a:lnTo>
-                    <a:pt x="8950" y="1"/>
-                  </a:lnTo>
-                  <a:close/>
-                </a:path>
-              </a:pathLst>
-            </a:custGeom>
-            <a:solidFill>
-              <a:schemeClr val="accent1"/>
-            </a:solidFill>
-            <a:ln>
-              <a:noFill/>
-            </a:ln>
-          </p:spPr>
-          <p:txBody>
-            <a:bodyPr spcFirstLastPara="1" wrap="square" lIns="91425" tIns="91425" rIns="91425" bIns="91425" anchor="ctr" anchorCtr="0">
-              <a:noAutofit/>
-            </a:bodyPr>
-            <a:lstStyle/>
-            <a:p>
-              <a:pPr marL="0" lvl="0" indent="0" algn="l" rtl="0">
-                <a:spcBef>
-                  <a:spcPts val="0"/>
-                </a:spcBef>
-                <a:spcAft>
-                  <a:spcPts val="0"/>
-                </a:spcAft>
-                <a:buNone/>
-              </a:pPr>
-              <a:endParaRPr/>
-            </a:p>
-          </p:txBody>
-        </p:sp>
-        <p:sp>
-          <p:nvSpPr>
-            <p:cNvPr id="227" name="Google Shape;227;p24"/>
-            <p:cNvSpPr/>
-            <p:nvPr/>
-          </p:nvSpPr>
-          <p:spPr>
-            <a:xfrm>
-              <a:off x="4961567" y="3487748"/>
-              <a:ext cx="304188" cy="26578"/>
-            </a:xfrm>
-            <a:custGeom>
-              <a:avLst/>
-              <a:gdLst/>
-              <a:ahLst/>
-              <a:cxnLst/>
-              <a:rect l="l" t="t" r="r" b="b"/>
-              <a:pathLst>
-                <a:path w="8950" h="782" extrusionOk="0">
-                  <a:moveTo>
-                    <a:pt x="1" y="0"/>
-                  </a:moveTo>
-                  <a:lnTo>
-                    <a:pt x="1" y="782"/>
-                  </a:lnTo>
-                  <a:lnTo>
-                    <a:pt x="8950" y="782"/>
-                  </a:lnTo>
-                  <a:lnTo>
-                    <a:pt x="8950" y="0"/>
-                  </a:lnTo>
-                  <a:close/>
-                </a:path>
-              </a:pathLst>
-            </a:custGeom>
-            <a:solidFill>
-              <a:schemeClr val="accent1"/>
-            </a:solidFill>
-            <a:ln>
-              <a:noFill/>
-            </a:ln>
-          </p:spPr>
-          <p:txBody>
-            <a:bodyPr spcFirstLastPara="1" wrap="square" lIns="91425" tIns="91425" rIns="91425" bIns="91425" anchor="ctr" anchorCtr="0">
-              <a:noAutofit/>
-            </a:bodyPr>
-            <a:lstStyle/>
-            <a:p>
-              <a:pPr marL="0" lvl="0" indent="0" algn="l" rtl="0">
-                <a:spcBef>
-                  <a:spcPts val="0"/>
-                </a:spcBef>
-                <a:spcAft>
-                  <a:spcPts val="0"/>
-                </a:spcAft>
-                <a:buNone/>
-              </a:pPr>
-              <a:endParaRPr/>
-            </a:p>
-          </p:txBody>
-        </p:sp>
-      </p:grpSp>
-      <p:sp>
-        <p:nvSpPr>
-          <p:cNvPr id="228" name="Google Shape;228;p24"/>
-          <p:cNvSpPr txBox="1">
-            <a:spLocks noGrp="1"/>
-          </p:cNvSpPr>
-          <p:nvPr>
-            <p:ph type="title"/>
-          </p:nvPr>
-        </p:nvSpPr>
-        <p:spPr>
-          <a:xfrm>
-            <a:off x="720000" y="331645"/>
-            <a:ext cx="7704000" cy="640200"/>
-          </a:xfrm>
-          <a:prstGeom prst="rect">
-            <a:avLst/>
-          </a:prstGeom>
-        </p:spPr>
-        <p:txBody>
-          <a:bodyPr spcFirstLastPara="1" wrap="square" lIns="91425" tIns="91425" rIns="91425" bIns="91425" anchor="t" anchorCtr="0">
-            <a:noAutofit/>
-          </a:bodyPr>
-          <a:lstStyle/>
-          <a:p>
-            <a:pPr marL="0" lvl="0" indent="0" algn="l" rtl="0">
-              <a:spcBef>
-                <a:spcPts val="0"/>
-              </a:spcBef>
-              <a:spcAft>
-                <a:spcPts val="0"/>
-              </a:spcAft>
-              <a:buNone/>
-            </a:pPr>
-            <a:r>
-              <a:rPr lang="ru-RU" dirty="0"/>
-              <a:t>Результаты</a:t>
-            </a:r>
-            <a:endParaRPr dirty="0"/>
-          </a:p>
-        </p:txBody>
-      </p:sp>
-      <p:sp>
-        <p:nvSpPr>
-          <p:cNvPr id="229" name="Google Shape;229;p24"/>
-          <p:cNvSpPr txBox="1"/>
-          <p:nvPr/>
-        </p:nvSpPr>
-        <p:spPr>
-          <a:xfrm>
-            <a:off x="3852000" y="1378318"/>
-            <a:ext cx="4572000" cy="3109791"/>
-          </a:xfrm>
-          <a:prstGeom prst="rect">
-            <a:avLst/>
-          </a:prstGeom>
-          <a:noFill/>
-          <a:ln>
-            <a:noFill/>
-          </a:ln>
-        </p:spPr>
-        <p:txBody>
-          <a:bodyPr spcFirstLastPara="1" wrap="square" lIns="91425" tIns="91425" rIns="91425" bIns="91425" anchor="t" anchorCtr="0">
-            <a:noAutofit/>
-          </a:bodyPr>
-          <a:lstStyle/>
-          <a:p>
-            <a:pPr marL="285750" indent="-285750">
-              <a:buFont typeface="Arial" panose="020B0604020202020204" pitchFamily="34" charset="0"/>
-              <a:buChar char="•"/>
-            </a:pPr>
-            <a:r>
-              <a:rPr lang="ru-RU" sz="1400" dirty="0">
-                <a:latin typeface="Times New Roman" panose="02020603050405020304" pitchFamily="18" charset="0"/>
-                <a:cs typeface="Times New Roman" panose="02020603050405020304" pitchFamily="18" charset="0"/>
-              </a:rPr>
-              <a:t>Организованна система распараллеливания одной задачи на одном компьютере</a:t>
-            </a:r>
-          </a:p>
-          <a:p>
-            <a:pPr marL="285750" indent="-285750">
-              <a:buFont typeface="Arial" panose="020B0604020202020204" pitchFamily="34" charset="0"/>
-              <a:buChar char="•"/>
-            </a:pPr>
-            <a:r>
-              <a:rPr lang="ru-RU" sz="1400" dirty="0">
-                <a:latin typeface="Times New Roman" panose="02020603050405020304" pitchFamily="18" charset="0"/>
-                <a:cs typeface="Times New Roman" panose="02020603050405020304" pitchFamily="18" charset="0"/>
-              </a:rPr>
-              <a:t>  Организована система обмена данными между компьютерами в локальной сети</a:t>
-            </a:r>
-          </a:p>
-          <a:p>
-            <a:pPr marL="285750" indent="-285750">
-              <a:buFont typeface="Arial" panose="020B0604020202020204" pitchFamily="34" charset="0"/>
-              <a:buChar char="•"/>
-            </a:pPr>
-            <a:r>
-              <a:rPr lang="ru-RU" sz="1400" dirty="0">
-                <a:latin typeface="Times New Roman" panose="02020603050405020304" pitchFamily="18" charset="0"/>
-                <a:cs typeface="Times New Roman" panose="02020603050405020304" pitchFamily="18" charset="0"/>
-              </a:rPr>
-              <a:t>  Организована связь клиентского устройства с головным компьютером в распределенной сети</a:t>
-            </a:r>
-          </a:p>
-          <a:p>
-            <a:pPr marL="285750" indent="-285750">
-              <a:buFont typeface="Arial" panose="020B0604020202020204" pitchFamily="34" charset="0"/>
-              <a:buChar char="•"/>
-            </a:pPr>
-            <a:r>
-              <a:rPr lang="ru-RU" sz="1400" dirty="0">
-                <a:latin typeface="Times New Roman" panose="02020603050405020304" pitchFamily="18" charset="0"/>
-                <a:cs typeface="Times New Roman" panose="02020603050405020304" pitchFamily="18" charset="0"/>
-              </a:rPr>
-              <a:t>  Организована система продолжения выдачи задач в качестве головного компьютера другим компьютерам</a:t>
-            </a:r>
-          </a:p>
-          <a:p>
-            <a:pPr marL="285750" indent="-285750">
-              <a:buFont typeface="Arial" panose="020B0604020202020204" pitchFamily="34" charset="0"/>
-              <a:buChar char="•"/>
-            </a:pPr>
-            <a:r>
-              <a:rPr lang="ru-RU" sz="1400" dirty="0">
-                <a:latin typeface="Times New Roman" panose="02020603050405020304" pitchFamily="18" charset="0"/>
-                <a:cs typeface="Times New Roman" panose="02020603050405020304" pitchFamily="18" charset="0"/>
-              </a:rPr>
-              <a:t>  Организована система постоянного обмена данными между выполняющими компьютерами в сети</a:t>
-            </a:r>
-          </a:p>
-        </p:txBody>
-      </p:sp>
-      <p:grpSp>
-        <p:nvGrpSpPr>
-          <p:cNvPr id="2" name="Группа 1">
-            <a:extLst>
-              <a:ext uri="{FF2B5EF4-FFF2-40B4-BE49-F238E27FC236}">
-                <a16:creationId xmlns:a16="http://schemas.microsoft.com/office/drawing/2014/main" id="{79D468EA-0893-2B14-0A01-E82FA7980A4E}"/>
-              </a:ext>
-            </a:extLst>
-          </p:cNvPr>
-          <p:cNvGrpSpPr/>
-          <p:nvPr/>
-        </p:nvGrpSpPr>
-        <p:grpSpPr>
-          <a:xfrm>
-            <a:off x="720000" y="1397501"/>
-            <a:ext cx="2649553" cy="2807338"/>
-            <a:chOff x="1068130" y="1275070"/>
-            <a:chExt cx="3876165" cy="4106997"/>
-          </a:xfrm>
-        </p:grpSpPr>
-        <p:pic>
-          <p:nvPicPr>
-            <p:cNvPr id="3" name="Picture 2" descr="Изображение выглядит как шаблон, пиксель, дизайн&#10;&#10;Автоматически созданное описание">
-              <a:extLst>
-                <a:ext uri="{FF2B5EF4-FFF2-40B4-BE49-F238E27FC236}">
-                  <a16:creationId xmlns:a16="http://schemas.microsoft.com/office/drawing/2014/main" id="{FD342C20-EB07-7E6C-B0E3-A32C770A7B26}"/>
-                </a:ext>
-              </a:extLst>
-            </p:cNvPr>
-            <p:cNvPicPr>
-              <a:picLocks noChangeAspect="1" noChangeArrowheads="1"/>
-            </p:cNvPicPr>
-            <p:nvPr/>
-          </p:nvPicPr>
-          <p:blipFill>
-            <a:blip r:embed="rId3">
-              <a:extLst>
-                <a:ext uri="{28A0092B-C50C-407E-A947-70E740481C1C}">
-                  <a14:useLocalDpi xmlns:a14="http://schemas.microsoft.com/office/drawing/2010/main" val="0"/>
-                </a:ext>
-              </a:extLst>
-            </a:blip>
-            <a:stretch>
-              <a:fillRect/>
-            </a:stretch>
-          </p:blipFill>
-          <p:spPr bwMode="auto">
-            <a:xfrm>
-              <a:off x="1068130" y="1275070"/>
-              <a:ext cx="3876165" cy="3876165"/>
-            </a:xfrm>
-            <a:prstGeom prst="rect">
-              <a:avLst/>
-            </a:prstGeom>
-            <a:noFill/>
-            <a:extLst>
-              <a:ext uri="{909E8E84-426E-40DD-AFC4-6F175D3DCCD1}">
-                <a14:hiddenFill xmlns:a14="http://schemas.microsoft.com/office/drawing/2010/main">
-                  <a:solidFill>
-                    <a:srgbClr val="FFFFFF"/>
-                  </a:solidFill>
-                </a14:hiddenFill>
-              </a:ext>
-            </a:extLst>
-          </p:spPr>
-        </p:pic>
-        <p:sp>
-          <p:nvSpPr>
-            <p:cNvPr id="4" name="TextBox 3">
-              <a:extLst>
-                <a:ext uri="{FF2B5EF4-FFF2-40B4-BE49-F238E27FC236}">
-                  <a16:creationId xmlns:a16="http://schemas.microsoft.com/office/drawing/2014/main" id="{1F8C7C9E-11BA-EA48-519D-CD5CD03B79C7}"/>
-                </a:ext>
-              </a:extLst>
-            </p:cNvPr>
-            <p:cNvSpPr txBox="1"/>
-            <p:nvPr/>
-          </p:nvSpPr>
-          <p:spPr>
-            <a:xfrm>
-              <a:off x="2464905" y="4920402"/>
-              <a:ext cx="1987826" cy="461665"/>
-            </a:xfrm>
-            <a:prstGeom prst="rect">
-              <a:avLst/>
-            </a:prstGeom>
-            <a:noFill/>
-          </p:spPr>
-          <p:txBody>
-            <a:bodyPr wrap="square" rtlCol="0">
-              <a:spAutoFit/>
-            </a:bodyPr>
-            <a:lstStyle/>
-            <a:p>
-              <a:r>
-                <a:rPr lang="en-US" sz="2400" dirty="0">
-                  <a:latin typeface="Times New Roman" panose="02020603050405020304" pitchFamily="18" charset="0"/>
-                  <a:cs typeface="Times New Roman" panose="02020603050405020304" pitchFamily="18" charset="0"/>
-                </a:rPr>
-                <a:t>GitHub</a:t>
-              </a:r>
-              <a:endParaRPr lang="ru-RU" sz="2400" dirty="0">
-                <a:latin typeface="Times New Roman" panose="02020603050405020304" pitchFamily="18" charset="0"/>
-                <a:cs typeface="Times New Roman" panose="02020603050405020304" pitchFamily="18" charset="0"/>
-              </a:endParaRPr>
-            </a:p>
-          </p:txBody>
-        </p:sp>
-      </p:grpSp>
-    </p:spTree>
-  </p:cSld>
-  <p:clrMapOvr>
-    <a:masterClrMapping/>
-  </p:clrMapOvr>
-</p:sld>
-</file>
-
-<file path=ppt/slides/slide5.xml><?xml version="1.0" encoding="utf-8"?>
-<p:sld xmlns:a="http://schemas.openxmlformats.org/drawingml/2006/main" xmlns:r="http://schemas.openxmlformats.org/officeDocument/2006/relationships" xmlns:p="http://schemas.openxmlformats.org/presentationml/2006/main">
-  <p:cSld>
-    <p:spTree>
-      <p:nvGrpSpPr>
-        <p:cNvPr id="1" name="Shape 237"/>
-        <p:cNvGrpSpPr/>
-        <p:nvPr/>
-      </p:nvGrpSpPr>
-      <p:grpSpPr>
-        <a:xfrm>
-          <a:off x="0" y="0"/>
-          <a:ext cx="0" cy="0"/>
-          <a:chOff x="0" y="0"/>
-          <a:chExt cx="0" cy="0"/>
-        </a:xfrm>
-      </p:grpSpPr>
-      <p:sp>
-        <p:nvSpPr>
-          <p:cNvPr id="238" name="Google Shape;238;p25"/>
-          <p:cNvSpPr txBox="1">
-            <a:spLocks noGrp="1"/>
-          </p:cNvSpPr>
-          <p:nvPr>
-            <p:ph type="title"/>
-          </p:nvPr>
-        </p:nvSpPr>
-        <p:spPr>
-          <a:xfrm>
-            <a:off x="720000" y="331645"/>
-            <a:ext cx="7704000" cy="640200"/>
-          </a:xfrm>
-          <a:prstGeom prst="rect">
-            <a:avLst/>
-          </a:prstGeom>
-        </p:spPr>
-        <p:txBody>
-          <a:bodyPr spcFirstLastPara="1" wrap="square" lIns="91425" tIns="91425" rIns="91425" bIns="91425" anchor="t" anchorCtr="0">
-            <a:noAutofit/>
-          </a:bodyPr>
-          <a:lstStyle/>
-          <a:p>
-            <a:pPr marL="0" lvl="0" indent="0" algn="l" rtl="0">
-              <a:spcBef>
-                <a:spcPts val="0"/>
-              </a:spcBef>
-              <a:spcAft>
-                <a:spcPts val="0"/>
-              </a:spcAft>
-              <a:buNone/>
-            </a:pPr>
-            <a:r>
-              <a:rPr lang="ru-RU" b="1" dirty="0">
-                <a:latin typeface="Times New Roman" panose="02020603050405020304" pitchFamily="18" charset="0"/>
-                <a:cs typeface="Times New Roman" panose="02020603050405020304" pitchFamily="18" charset="0"/>
-              </a:rPr>
-              <a:t>Пример</a:t>
-            </a:r>
-            <a:endParaRPr dirty="0"/>
-          </a:p>
-        </p:txBody>
-      </p:sp>
-      <p:sp>
-        <p:nvSpPr>
-          <p:cNvPr id="239" name="Google Shape;239;p25"/>
-          <p:cNvSpPr txBox="1"/>
-          <p:nvPr/>
-        </p:nvSpPr>
-        <p:spPr>
-          <a:xfrm>
-            <a:off x="635067" y="1196560"/>
-            <a:ext cx="3852075" cy="822900"/>
-          </a:xfrm>
-          <a:prstGeom prst="rect">
-            <a:avLst/>
-          </a:prstGeom>
-          <a:noFill/>
-          <a:ln>
-            <a:noFill/>
-          </a:ln>
-        </p:spPr>
-        <p:txBody>
-          <a:bodyPr spcFirstLastPara="1" wrap="square" lIns="91425" tIns="91425" rIns="91425" bIns="91425" anchor="t" anchorCtr="0">
-            <a:noAutofit/>
-          </a:bodyPr>
-          <a:lstStyle/>
-          <a:p>
-            <a:pPr marL="0" lvl="0" indent="0" algn="ctr" rtl="0">
-              <a:lnSpc>
-                <a:spcPct val="115000"/>
-              </a:lnSpc>
-              <a:spcBef>
-                <a:spcPts val="0"/>
-              </a:spcBef>
-              <a:spcAft>
-                <a:spcPts val="0"/>
-              </a:spcAft>
-              <a:buNone/>
-            </a:pPr>
-            <a:r>
-              <a:rPr lang="ru-RU" sz="1800" b="1" dirty="0">
-                <a:latin typeface="Times New Roman" panose="02020603050405020304" pitchFamily="18" charset="0"/>
-                <a:cs typeface="Times New Roman" panose="02020603050405020304" pitchFamily="18" charset="0"/>
-              </a:rPr>
-              <a:t>Вычисление наиболее эффективного маршрута между точками в пространстве.</a:t>
-            </a:r>
-            <a:endParaRPr sz="1800" b="1" dirty="0">
-              <a:solidFill>
-                <a:schemeClr val="dk1"/>
-              </a:solidFill>
-              <a:latin typeface="Archivo"/>
-              <a:ea typeface="Archivo"/>
-              <a:cs typeface="Archivo"/>
-              <a:sym typeface="Archivo"/>
-            </a:endParaRPr>
-          </a:p>
-        </p:txBody>
-      </p:sp>
-      <p:sp>
-        <p:nvSpPr>
-          <p:cNvPr id="250" name="Google Shape;250;p25"/>
-          <p:cNvSpPr/>
-          <p:nvPr/>
-        </p:nvSpPr>
-        <p:spPr>
-          <a:xfrm>
-            <a:off x="7789350" y="3889975"/>
-            <a:ext cx="719583" cy="713534"/>
-          </a:xfrm>
-          <a:custGeom>
-            <a:avLst/>
-            <a:gdLst/>
-            <a:ahLst/>
-            <a:cxnLst/>
-            <a:rect l="l" t="t" r="r" b="b"/>
-            <a:pathLst>
-              <a:path w="21172" h="20994" extrusionOk="0">
-                <a:moveTo>
-                  <a:pt x="10557" y="5287"/>
-                </a:moveTo>
-                <a:cubicBezTo>
-                  <a:pt x="10729" y="5287"/>
-                  <a:pt x="10902" y="5296"/>
-                  <a:pt x="11076" y="5315"/>
-                </a:cubicBezTo>
-                <a:cubicBezTo>
-                  <a:pt x="14279" y="5662"/>
-                  <a:pt x="16345" y="8822"/>
-                  <a:pt x="15373" y="11877"/>
-                </a:cubicBezTo>
-                <a:cubicBezTo>
-                  <a:pt x="14714" y="13983"/>
-                  <a:pt x="12722" y="15412"/>
-                  <a:pt x="10550" y="15412"/>
-                </a:cubicBezTo>
-                <a:cubicBezTo>
-                  <a:pt x="10376" y="15412"/>
-                  <a:pt x="10201" y="15403"/>
-                  <a:pt x="10026" y="15384"/>
-                </a:cubicBezTo>
-                <a:cubicBezTo>
-                  <a:pt x="6823" y="15037"/>
-                  <a:pt x="4766" y="11877"/>
-                  <a:pt x="5729" y="8822"/>
-                </a:cubicBezTo>
-                <a:cubicBezTo>
-                  <a:pt x="6397" y="6723"/>
-                  <a:pt x="8390" y="5287"/>
-                  <a:pt x="10557" y="5287"/>
-                </a:cubicBezTo>
-                <a:close/>
-                <a:moveTo>
-                  <a:pt x="12003" y="0"/>
-                </a:moveTo>
-                <a:cubicBezTo>
-                  <a:pt x="11564" y="0"/>
-                  <a:pt x="11175" y="302"/>
-                  <a:pt x="11076" y="749"/>
-                </a:cubicBezTo>
-                <a:lnTo>
-                  <a:pt x="10903" y="1582"/>
-                </a:lnTo>
-                <a:cubicBezTo>
-                  <a:pt x="10842" y="1921"/>
-                  <a:pt x="10547" y="2155"/>
-                  <a:pt x="10199" y="2181"/>
-                </a:cubicBezTo>
-                <a:cubicBezTo>
-                  <a:pt x="9366" y="2216"/>
-                  <a:pt x="8542" y="2372"/>
-                  <a:pt x="7769" y="2659"/>
-                </a:cubicBezTo>
-                <a:cubicBezTo>
-                  <a:pt x="7686" y="2690"/>
-                  <a:pt x="7599" y="2705"/>
-                  <a:pt x="7513" y="2705"/>
-                </a:cubicBezTo>
-                <a:cubicBezTo>
-                  <a:pt x="7267" y="2705"/>
-                  <a:pt x="7027" y="2582"/>
-                  <a:pt x="6892" y="2364"/>
-                </a:cubicBezTo>
-                <a:lnTo>
-                  <a:pt x="6450" y="1678"/>
-                </a:lnTo>
-                <a:cubicBezTo>
-                  <a:pt x="6268" y="1403"/>
-                  <a:pt x="5969" y="1257"/>
-                  <a:pt x="5664" y="1257"/>
-                </a:cubicBezTo>
-                <a:cubicBezTo>
-                  <a:pt x="5487" y="1257"/>
-                  <a:pt x="5307" y="1307"/>
-                  <a:pt x="5148" y="1409"/>
-                </a:cubicBezTo>
-                <a:lnTo>
-                  <a:pt x="4323" y="1956"/>
-                </a:lnTo>
-                <a:cubicBezTo>
-                  <a:pt x="3889" y="2233"/>
-                  <a:pt x="3767" y="2824"/>
-                  <a:pt x="4045" y="3258"/>
-                </a:cubicBezTo>
-                <a:lnTo>
-                  <a:pt x="4852" y="4482"/>
-                </a:lnTo>
-                <a:cubicBezTo>
-                  <a:pt x="4132" y="5176"/>
-                  <a:pt x="3542" y="6009"/>
-                  <a:pt x="3116" y="6947"/>
-                </a:cubicBezTo>
-                <a:cubicBezTo>
-                  <a:pt x="2998" y="7213"/>
-                  <a:pt x="2728" y="7379"/>
-                  <a:pt x="2441" y="7379"/>
-                </a:cubicBezTo>
-                <a:cubicBezTo>
-                  <a:pt x="2392" y="7379"/>
-                  <a:pt x="2342" y="7374"/>
-                  <a:pt x="2292" y="7363"/>
-                </a:cubicBezTo>
-                <a:lnTo>
-                  <a:pt x="1432" y="7190"/>
-                </a:lnTo>
-                <a:cubicBezTo>
-                  <a:pt x="1367" y="7177"/>
-                  <a:pt x="1303" y="7170"/>
-                  <a:pt x="1239" y="7170"/>
-                </a:cubicBezTo>
-                <a:cubicBezTo>
-                  <a:pt x="801" y="7170"/>
-                  <a:pt x="411" y="7472"/>
-                  <a:pt x="313" y="7919"/>
-                </a:cubicBezTo>
-                <a:lnTo>
-                  <a:pt x="113" y="8882"/>
-                </a:lnTo>
-                <a:cubicBezTo>
-                  <a:pt x="0" y="9395"/>
-                  <a:pt x="330" y="9898"/>
-                  <a:pt x="833" y="10002"/>
-                </a:cubicBezTo>
-                <a:lnTo>
-                  <a:pt x="1788" y="10202"/>
-                </a:lnTo>
-                <a:cubicBezTo>
-                  <a:pt x="2118" y="10263"/>
-                  <a:pt x="2353" y="10549"/>
-                  <a:pt x="2379" y="10879"/>
-                </a:cubicBezTo>
-                <a:cubicBezTo>
-                  <a:pt x="2431" y="11686"/>
-                  <a:pt x="2604" y="12467"/>
-                  <a:pt x="2873" y="13205"/>
-                </a:cubicBezTo>
-                <a:cubicBezTo>
-                  <a:pt x="2995" y="13526"/>
-                  <a:pt x="2873" y="13900"/>
-                  <a:pt x="2587" y="14091"/>
-                </a:cubicBezTo>
-                <a:lnTo>
-                  <a:pt x="1762" y="14637"/>
-                </a:lnTo>
-                <a:cubicBezTo>
-                  <a:pt x="1328" y="14915"/>
-                  <a:pt x="1207" y="15505"/>
-                  <a:pt x="1484" y="15940"/>
-                </a:cubicBezTo>
-                <a:lnTo>
-                  <a:pt x="2031" y="16764"/>
-                </a:lnTo>
-                <a:cubicBezTo>
-                  <a:pt x="2207" y="17039"/>
-                  <a:pt x="2508" y="17185"/>
-                  <a:pt x="2815" y="17185"/>
-                </a:cubicBezTo>
-                <a:cubicBezTo>
-                  <a:pt x="2993" y="17185"/>
-                  <a:pt x="3174" y="17135"/>
-                  <a:pt x="3333" y="17033"/>
-                </a:cubicBezTo>
-                <a:lnTo>
-                  <a:pt x="4253" y="16426"/>
-                </a:lnTo>
-                <a:cubicBezTo>
-                  <a:pt x="4378" y="16346"/>
-                  <a:pt x="4518" y="16308"/>
-                  <a:pt x="4656" y="16308"/>
-                </a:cubicBezTo>
-                <a:cubicBezTo>
-                  <a:pt x="4836" y="16308"/>
-                  <a:pt x="5014" y="16372"/>
-                  <a:pt x="5156" y="16495"/>
-                </a:cubicBezTo>
-                <a:cubicBezTo>
-                  <a:pt x="5729" y="16990"/>
-                  <a:pt x="6371" y="17415"/>
-                  <a:pt x="7075" y="17745"/>
-                </a:cubicBezTo>
-                <a:cubicBezTo>
-                  <a:pt x="7387" y="17901"/>
-                  <a:pt x="7561" y="18240"/>
-                  <a:pt x="7491" y="18570"/>
-                </a:cubicBezTo>
-                <a:lnTo>
-                  <a:pt x="7257" y="19646"/>
-                </a:lnTo>
-                <a:cubicBezTo>
-                  <a:pt x="7153" y="20158"/>
-                  <a:pt x="7474" y="20653"/>
-                  <a:pt x="7986" y="20766"/>
-                </a:cubicBezTo>
-                <a:lnTo>
-                  <a:pt x="8950" y="20974"/>
-                </a:lnTo>
-                <a:cubicBezTo>
-                  <a:pt x="9014" y="20987"/>
-                  <a:pt x="9079" y="20994"/>
-                  <a:pt x="9143" y="20994"/>
-                </a:cubicBezTo>
-                <a:cubicBezTo>
-                  <a:pt x="9583" y="20994"/>
-                  <a:pt x="9978" y="20692"/>
-                  <a:pt x="10069" y="20245"/>
-                </a:cubicBezTo>
-                <a:lnTo>
-                  <a:pt x="10312" y="19108"/>
-                </a:lnTo>
-                <a:cubicBezTo>
-                  <a:pt x="10373" y="18778"/>
-                  <a:pt x="10660" y="18526"/>
-                  <a:pt x="10989" y="18518"/>
-                </a:cubicBezTo>
-                <a:cubicBezTo>
-                  <a:pt x="11753" y="18474"/>
-                  <a:pt x="12500" y="18327"/>
-                  <a:pt x="13203" y="18075"/>
-                </a:cubicBezTo>
-                <a:cubicBezTo>
-                  <a:pt x="13285" y="18047"/>
-                  <a:pt x="13369" y="18033"/>
-                  <a:pt x="13452" y="18033"/>
-                </a:cubicBezTo>
-                <a:cubicBezTo>
-                  <a:pt x="13700" y="18033"/>
-                  <a:pt x="13934" y="18155"/>
-                  <a:pt x="14071" y="18370"/>
-                </a:cubicBezTo>
-                <a:lnTo>
-                  <a:pt x="14696" y="19325"/>
-                </a:lnTo>
-                <a:cubicBezTo>
-                  <a:pt x="14872" y="19599"/>
-                  <a:pt x="15172" y="19745"/>
-                  <a:pt x="15479" y="19745"/>
-                </a:cubicBezTo>
-                <a:cubicBezTo>
-                  <a:pt x="15658" y="19745"/>
-                  <a:pt x="15838" y="19696"/>
-                  <a:pt x="15998" y="19594"/>
-                </a:cubicBezTo>
-                <a:lnTo>
-                  <a:pt x="16822" y="19047"/>
-                </a:lnTo>
-                <a:cubicBezTo>
-                  <a:pt x="17257" y="18769"/>
-                  <a:pt x="17369" y="18179"/>
-                  <a:pt x="17092" y="17745"/>
-                </a:cubicBezTo>
-                <a:lnTo>
-                  <a:pt x="16458" y="16790"/>
-                </a:lnTo>
-                <a:cubicBezTo>
-                  <a:pt x="16276" y="16512"/>
-                  <a:pt x="16310" y="16130"/>
-                  <a:pt x="16536" y="15879"/>
-                </a:cubicBezTo>
-                <a:cubicBezTo>
-                  <a:pt x="17048" y="15332"/>
-                  <a:pt x="17482" y="14690"/>
-                  <a:pt x="17829" y="13995"/>
-                </a:cubicBezTo>
-                <a:cubicBezTo>
-                  <a:pt x="17954" y="13738"/>
-                  <a:pt x="18216" y="13580"/>
-                  <a:pt x="18494" y="13580"/>
-                </a:cubicBezTo>
-                <a:cubicBezTo>
-                  <a:pt x="18544" y="13580"/>
-                  <a:pt x="18595" y="13585"/>
-                  <a:pt x="18645" y="13596"/>
-                </a:cubicBezTo>
-                <a:lnTo>
-                  <a:pt x="19704" y="13813"/>
-                </a:lnTo>
-                <a:cubicBezTo>
-                  <a:pt x="19770" y="13824"/>
-                  <a:pt x="19835" y="13830"/>
-                  <a:pt x="19899" y="13830"/>
-                </a:cubicBezTo>
-                <a:cubicBezTo>
-                  <a:pt x="20372" y="13830"/>
-                  <a:pt x="20767" y="13527"/>
-                  <a:pt x="20859" y="13075"/>
-                </a:cubicBezTo>
-                <a:lnTo>
-                  <a:pt x="21058" y="12103"/>
-                </a:lnTo>
-                <a:cubicBezTo>
-                  <a:pt x="21171" y="11599"/>
-                  <a:pt x="20841" y="11096"/>
-                  <a:pt x="20338" y="10992"/>
-                </a:cubicBezTo>
-                <a:lnTo>
-                  <a:pt x="19314" y="10775"/>
-                </a:lnTo>
-                <a:cubicBezTo>
-                  <a:pt x="18975" y="10705"/>
-                  <a:pt x="18741" y="10419"/>
-                  <a:pt x="18732" y="10063"/>
-                </a:cubicBezTo>
-                <a:cubicBezTo>
-                  <a:pt x="18706" y="9264"/>
-                  <a:pt x="18559" y="8483"/>
-                  <a:pt x="18307" y="7745"/>
-                </a:cubicBezTo>
-                <a:cubicBezTo>
-                  <a:pt x="18194" y="7424"/>
-                  <a:pt x="18315" y="7068"/>
-                  <a:pt x="18593" y="6886"/>
-                </a:cubicBezTo>
-                <a:lnTo>
-                  <a:pt x="19401" y="6357"/>
-                </a:lnTo>
-                <a:cubicBezTo>
-                  <a:pt x="19835" y="6079"/>
-                  <a:pt x="19956" y="5488"/>
-                  <a:pt x="19670" y="5054"/>
-                </a:cubicBezTo>
-                <a:lnTo>
-                  <a:pt x="19131" y="4230"/>
-                </a:lnTo>
-                <a:cubicBezTo>
-                  <a:pt x="18950" y="3955"/>
-                  <a:pt x="18650" y="3806"/>
-                  <a:pt x="18345" y="3806"/>
-                </a:cubicBezTo>
-                <a:cubicBezTo>
-                  <a:pt x="18168" y="3806"/>
-                  <a:pt x="17989" y="3856"/>
-                  <a:pt x="17829" y="3961"/>
-                </a:cubicBezTo>
-                <a:lnTo>
-                  <a:pt x="17057" y="4473"/>
-                </a:lnTo>
-                <a:cubicBezTo>
-                  <a:pt x="16930" y="4551"/>
-                  <a:pt x="16789" y="4590"/>
-                  <a:pt x="16650" y="4590"/>
-                </a:cubicBezTo>
-                <a:cubicBezTo>
-                  <a:pt x="16467" y="4590"/>
-                  <a:pt x="16285" y="4523"/>
-                  <a:pt x="16137" y="4395"/>
-                </a:cubicBezTo>
-                <a:cubicBezTo>
-                  <a:pt x="15546" y="3839"/>
-                  <a:pt x="14869" y="3370"/>
-                  <a:pt x="14114" y="3006"/>
-                </a:cubicBezTo>
-                <a:cubicBezTo>
-                  <a:pt x="13810" y="2850"/>
-                  <a:pt x="13637" y="2520"/>
-                  <a:pt x="13715" y="2181"/>
-                </a:cubicBezTo>
-                <a:lnTo>
-                  <a:pt x="13889" y="1348"/>
-                </a:lnTo>
-                <a:cubicBezTo>
-                  <a:pt x="14001" y="836"/>
-                  <a:pt x="13672" y="332"/>
-                  <a:pt x="13159" y="228"/>
-                </a:cubicBezTo>
-                <a:lnTo>
-                  <a:pt x="12196" y="20"/>
-                </a:lnTo>
-                <a:cubicBezTo>
-                  <a:pt x="12131" y="7"/>
-                  <a:pt x="12066" y="0"/>
-                  <a:pt x="12003" y="0"/>
-                </a:cubicBezTo>
-                <a:close/>
-              </a:path>
-            </a:pathLst>
-          </a:custGeom>
-          <a:solidFill>
-            <a:schemeClr val="accent3"/>
-          </a:solidFill>
-          <a:ln>
-            <a:noFill/>
-          </a:ln>
-        </p:spPr>
-        <p:txBody>
-          <a:bodyPr spcFirstLastPara="1" wrap="square" lIns="91425" tIns="91425" rIns="91425" bIns="91425" anchor="ctr" anchorCtr="0">
-            <a:noAutofit/>
-          </a:bodyPr>
-          <a:lstStyle/>
-          <a:p>
-            <a:pPr marL="0" lvl="0" indent="0" algn="l" rtl="0">
-              <a:spcBef>
-                <a:spcPts val="0"/>
-              </a:spcBef>
-              <a:spcAft>
-                <a:spcPts val="0"/>
-              </a:spcAft>
-              <a:buNone/>
-            </a:pPr>
-            <a:endParaRPr/>
-          </a:p>
-        </p:txBody>
-      </p:sp>
-      <p:grpSp>
-        <p:nvGrpSpPr>
-          <p:cNvPr id="251" name="Google Shape;251;p25"/>
-          <p:cNvGrpSpPr/>
-          <p:nvPr/>
-        </p:nvGrpSpPr>
-        <p:grpSpPr>
-          <a:xfrm>
-            <a:off x="8151540" y="3488991"/>
-            <a:ext cx="914298" cy="753197"/>
-            <a:chOff x="4810340" y="1026041"/>
-            <a:chExt cx="914298" cy="753197"/>
-          </a:xfrm>
-        </p:grpSpPr>
-        <p:sp>
-          <p:nvSpPr>
-            <p:cNvPr id="252" name="Google Shape;252;p25"/>
-            <p:cNvSpPr/>
-            <p:nvPr/>
-          </p:nvSpPr>
-          <p:spPr>
-            <a:xfrm>
-              <a:off x="4810340" y="1026041"/>
-              <a:ext cx="914298" cy="753197"/>
-            </a:xfrm>
-            <a:custGeom>
-              <a:avLst/>
-              <a:gdLst/>
-              <a:ahLst/>
-              <a:cxnLst/>
-              <a:rect l="l" t="t" r="r" b="b"/>
-              <a:pathLst>
-                <a:path w="26901" h="22161" extrusionOk="0">
-                  <a:moveTo>
-                    <a:pt x="287" y="0"/>
-                  </a:moveTo>
-                  <a:cubicBezTo>
-                    <a:pt x="131" y="0"/>
-                    <a:pt x="0" y="122"/>
-                    <a:pt x="0" y="287"/>
-                  </a:cubicBezTo>
-                  <a:lnTo>
-                    <a:pt x="0" y="21883"/>
-                  </a:lnTo>
-                  <a:cubicBezTo>
-                    <a:pt x="0" y="22031"/>
-                    <a:pt x="122" y="22161"/>
-                    <a:pt x="287" y="22161"/>
-                  </a:cubicBezTo>
-                  <a:lnTo>
-                    <a:pt x="26614" y="22161"/>
-                  </a:lnTo>
-                  <a:cubicBezTo>
-                    <a:pt x="26770" y="22161"/>
-                    <a:pt x="26901" y="22031"/>
-                    <a:pt x="26901" y="21883"/>
-                  </a:cubicBezTo>
-                  <a:lnTo>
-                    <a:pt x="26901" y="287"/>
-                  </a:lnTo>
-                  <a:cubicBezTo>
-                    <a:pt x="26901" y="139"/>
-                    <a:pt x="26779" y="0"/>
-                    <a:pt x="26614" y="0"/>
-                  </a:cubicBezTo>
-                  <a:close/>
-                </a:path>
-              </a:pathLst>
-            </a:custGeom>
-            <a:solidFill>
-              <a:schemeClr val="dk2"/>
-            </a:solidFill>
-            <a:ln>
-              <a:noFill/>
-            </a:ln>
-          </p:spPr>
-          <p:txBody>
-            <a:bodyPr spcFirstLastPara="1" wrap="square" lIns="91425" tIns="91425" rIns="91425" bIns="91425" anchor="ctr" anchorCtr="0">
-              <a:noAutofit/>
-            </a:bodyPr>
-            <a:lstStyle/>
-            <a:p>
-              <a:pPr marL="0" lvl="0" indent="0" algn="l" rtl="0">
-                <a:spcBef>
-                  <a:spcPts val="0"/>
-                </a:spcBef>
-                <a:spcAft>
-                  <a:spcPts val="0"/>
-                </a:spcAft>
-                <a:buNone/>
-              </a:pPr>
-              <a:endParaRPr/>
-            </a:p>
-          </p:txBody>
-        </p:sp>
-        <p:sp>
-          <p:nvSpPr>
-            <p:cNvPr id="253" name="Google Shape;253;p25"/>
-            <p:cNvSpPr/>
-            <p:nvPr/>
-          </p:nvSpPr>
-          <p:spPr>
-            <a:xfrm>
-              <a:off x="4846028" y="1134906"/>
-              <a:ext cx="843196" cy="592436"/>
-            </a:xfrm>
-            <a:custGeom>
-              <a:avLst/>
-              <a:gdLst/>
-              <a:ahLst/>
-              <a:cxnLst/>
-              <a:rect l="l" t="t" r="r" b="b"/>
-              <a:pathLst>
-                <a:path w="24809" h="17431" extrusionOk="0">
-                  <a:moveTo>
-                    <a:pt x="209" y="0"/>
-                  </a:moveTo>
-                  <a:cubicBezTo>
-                    <a:pt x="105" y="0"/>
-                    <a:pt x="1" y="87"/>
-                    <a:pt x="1" y="209"/>
-                  </a:cubicBezTo>
-                  <a:lnTo>
-                    <a:pt x="1" y="17222"/>
-                  </a:lnTo>
-                  <a:cubicBezTo>
-                    <a:pt x="1" y="17335"/>
-                    <a:pt x="88" y="17430"/>
-                    <a:pt x="209" y="17430"/>
-                  </a:cubicBezTo>
-                  <a:lnTo>
-                    <a:pt x="24592" y="17430"/>
-                  </a:lnTo>
-                  <a:cubicBezTo>
-                    <a:pt x="24713" y="17430"/>
-                    <a:pt x="24800" y="17335"/>
-                    <a:pt x="24809" y="17222"/>
-                  </a:cubicBezTo>
-                  <a:lnTo>
-                    <a:pt x="24809" y="209"/>
-                  </a:lnTo>
-                  <a:cubicBezTo>
-                    <a:pt x="24809" y="104"/>
-                    <a:pt x="24722" y="0"/>
-                    <a:pt x="24601" y="0"/>
-                  </a:cubicBezTo>
-                  <a:close/>
-                </a:path>
-              </a:pathLst>
-            </a:custGeom>
-            <a:solidFill>
-              <a:schemeClr val="lt1"/>
-            </a:solidFill>
-            <a:ln>
-              <a:noFill/>
-            </a:ln>
-          </p:spPr>
-          <p:txBody>
-            <a:bodyPr spcFirstLastPara="1" wrap="square" lIns="91425" tIns="91425" rIns="91425" bIns="91425" anchor="ctr" anchorCtr="0">
-              <a:noAutofit/>
-            </a:bodyPr>
-            <a:lstStyle/>
-            <a:p>
-              <a:pPr marL="0" lvl="0" indent="0" algn="l" rtl="0">
-                <a:spcBef>
-                  <a:spcPts val="0"/>
-                </a:spcBef>
-                <a:spcAft>
-                  <a:spcPts val="0"/>
-                </a:spcAft>
-                <a:buNone/>
-              </a:pPr>
-              <a:endParaRPr/>
-            </a:p>
-          </p:txBody>
-        </p:sp>
-        <p:sp>
-          <p:nvSpPr>
-            <p:cNvPr id="254" name="Google Shape;254;p25"/>
-            <p:cNvSpPr/>
-            <p:nvPr/>
-          </p:nvSpPr>
-          <p:spPr>
-            <a:xfrm>
-              <a:off x="4859011" y="1059350"/>
-              <a:ext cx="42212" cy="42246"/>
-            </a:xfrm>
-            <a:custGeom>
-              <a:avLst/>
-              <a:gdLst/>
-              <a:ahLst/>
-              <a:cxnLst/>
-              <a:rect l="l" t="t" r="r" b="b"/>
-              <a:pathLst>
-                <a:path w="1242" h="1243" extrusionOk="0">
-                  <a:moveTo>
-                    <a:pt x="632" y="1"/>
-                  </a:moveTo>
-                  <a:cubicBezTo>
-                    <a:pt x="627" y="1"/>
-                    <a:pt x="622" y="1"/>
-                    <a:pt x="617" y="1"/>
-                  </a:cubicBezTo>
-                  <a:cubicBezTo>
-                    <a:pt x="287" y="1"/>
-                    <a:pt x="1" y="270"/>
-                    <a:pt x="1" y="617"/>
-                  </a:cubicBezTo>
-                  <a:cubicBezTo>
-                    <a:pt x="1" y="956"/>
-                    <a:pt x="270" y="1242"/>
-                    <a:pt x="617" y="1242"/>
-                  </a:cubicBezTo>
-                  <a:cubicBezTo>
-                    <a:pt x="955" y="1242"/>
-                    <a:pt x="1242" y="965"/>
-                    <a:pt x="1242" y="617"/>
-                  </a:cubicBezTo>
-                  <a:cubicBezTo>
-                    <a:pt x="1242" y="276"/>
-                    <a:pt x="964" y="1"/>
-                    <a:pt x="632" y="1"/>
-                  </a:cubicBezTo>
-                  <a:close/>
-                </a:path>
-              </a:pathLst>
-            </a:custGeom>
-            <a:solidFill>
-              <a:schemeClr val="accent3"/>
-            </a:solidFill>
-            <a:ln>
-              <a:noFill/>
-            </a:ln>
-          </p:spPr>
-          <p:txBody>
-            <a:bodyPr spcFirstLastPara="1" wrap="square" lIns="91425" tIns="91425" rIns="91425" bIns="91425" anchor="ctr" anchorCtr="0">
-              <a:noAutofit/>
-            </a:bodyPr>
-            <a:lstStyle/>
-            <a:p>
-              <a:pPr marL="0" lvl="0" indent="0" algn="l" rtl="0">
-                <a:spcBef>
-                  <a:spcPts val="0"/>
-                </a:spcBef>
-                <a:spcAft>
-                  <a:spcPts val="0"/>
-                </a:spcAft>
-                <a:buNone/>
-              </a:pPr>
-              <a:endParaRPr/>
-            </a:p>
-          </p:txBody>
-        </p:sp>
-        <p:sp>
-          <p:nvSpPr>
-            <p:cNvPr id="255" name="Google Shape;255;p25"/>
-            <p:cNvSpPr/>
-            <p:nvPr/>
-          </p:nvSpPr>
-          <p:spPr>
-            <a:xfrm>
-              <a:off x="4930693" y="1059384"/>
-              <a:ext cx="41941" cy="42212"/>
-            </a:xfrm>
-            <a:custGeom>
-              <a:avLst/>
-              <a:gdLst/>
-              <a:ahLst/>
-              <a:cxnLst/>
-              <a:rect l="l" t="t" r="r" b="b"/>
-              <a:pathLst>
-                <a:path w="1234" h="1242" extrusionOk="0">
-                  <a:moveTo>
-                    <a:pt x="617" y="0"/>
-                  </a:moveTo>
-                  <a:cubicBezTo>
-                    <a:pt x="270" y="0"/>
-                    <a:pt x="1" y="278"/>
-                    <a:pt x="1" y="616"/>
-                  </a:cubicBezTo>
-                  <a:cubicBezTo>
-                    <a:pt x="1" y="964"/>
-                    <a:pt x="270" y="1241"/>
-                    <a:pt x="617" y="1241"/>
-                  </a:cubicBezTo>
-                  <a:cubicBezTo>
-                    <a:pt x="956" y="1241"/>
-                    <a:pt x="1234" y="964"/>
-                    <a:pt x="1234" y="616"/>
-                  </a:cubicBezTo>
-                  <a:cubicBezTo>
-                    <a:pt x="1234" y="278"/>
-                    <a:pt x="956" y="0"/>
-                    <a:pt x="617" y="0"/>
-                  </a:cubicBezTo>
-                  <a:close/>
-                </a:path>
-              </a:pathLst>
-            </a:custGeom>
-            <a:solidFill>
-              <a:schemeClr val="accent3"/>
-            </a:solidFill>
-            <a:ln>
-              <a:noFill/>
-            </a:ln>
-          </p:spPr>
-          <p:txBody>
-            <a:bodyPr spcFirstLastPara="1" wrap="square" lIns="91425" tIns="91425" rIns="91425" bIns="91425" anchor="ctr" anchorCtr="0">
-              <a:noAutofit/>
-            </a:bodyPr>
-            <a:lstStyle/>
-            <a:p>
-              <a:pPr marL="0" lvl="0" indent="0" algn="l" rtl="0">
-                <a:spcBef>
-                  <a:spcPts val="0"/>
-                </a:spcBef>
-                <a:spcAft>
-                  <a:spcPts val="0"/>
-                </a:spcAft>
-                <a:buNone/>
-              </a:pPr>
-              <a:endParaRPr/>
-            </a:p>
-          </p:txBody>
-        </p:sp>
-        <p:sp>
-          <p:nvSpPr>
-            <p:cNvPr id="256" name="Google Shape;256;p25"/>
-            <p:cNvSpPr/>
-            <p:nvPr/>
-          </p:nvSpPr>
-          <p:spPr>
-            <a:xfrm>
-              <a:off x="5002408" y="1059384"/>
-              <a:ext cx="42212" cy="42212"/>
-            </a:xfrm>
-            <a:custGeom>
-              <a:avLst/>
-              <a:gdLst/>
-              <a:ahLst/>
-              <a:cxnLst/>
-              <a:rect l="l" t="t" r="r" b="b"/>
-              <a:pathLst>
-                <a:path w="1242" h="1242" extrusionOk="0">
-                  <a:moveTo>
-                    <a:pt x="625" y="0"/>
-                  </a:moveTo>
-                  <a:cubicBezTo>
-                    <a:pt x="278" y="0"/>
-                    <a:pt x="0" y="278"/>
-                    <a:pt x="0" y="616"/>
-                  </a:cubicBezTo>
-                  <a:cubicBezTo>
-                    <a:pt x="0" y="964"/>
-                    <a:pt x="278" y="1241"/>
-                    <a:pt x="625" y="1241"/>
-                  </a:cubicBezTo>
-                  <a:cubicBezTo>
-                    <a:pt x="964" y="1241"/>
-                    <a:pt x="1242" y="964"/>
-                    <a:pt x="1242" y="616"/>
-                  </a:cubicBezTo>
-                  <a:cubicBezTo>
-                    <a:pt x="1242" y="278"/>
-                    <a:pt x="964" y="0"/>
-                    <a:pt x="625" y="0"/>
-                  </a:cubicBezTo>
-                  <a:close/>
-                </a:path>
-              </a:pathLst>
-            </a:custGeom>
-            <a:solidFill>
-              <a:schemeClr val="accent3"/>
-            </a:solidFill>
-            <a:ln>
-              <a:noFill/>
-            </a:ln>
-          </p:spPr>
-          <p:txBody>
-            <a:bodyPr spcFirstLastPara="1" wrap="square" lIns="91425" tIns="91425" rIns="91425" bIns="91425" anchor="ctr" anchorCtr="0">
-              <a:noAutofit/>
-            </a:bodyPr>
-            <a:lstStyle/>
-            <a:p>
-              <a:pPr marL="0" lvl="0" indent="0" algn="l" rtl="0">
-                <a:spcBef>
-                  <a:spcPts val="0"/>
-                </a:spcBef>
-                <a:spcAft>
-                  <a:spcPts val="0"/>
-                </a:spcAft>
-                <a:buNone/>
-              </a:pPr>
-              <a:endParaRPr/>
-            </a:p>
-          </p:txBody>
-        </p:sp>
-      </p:grpSp>
-      <p:pic>
-        <p:nvPicPr>
-          <p:cNvPr id="3" name="Рисунок 2">
-            <a:extLst>
-              <a:ext uri="{FF2B5EF4-FFF2-40B4-BE49-F238E27FC236}">
-                <a16:creationId xmlns:a16="http://schemas.microsoft.com/office/drawing/2014/main" id="{3C415381-16B8-8C78-6CCE-BEA602A7E824}"/>
-              </a:ext>
-            </a:extLst>
-          </p:cNvPr>
-          <p:cNvPicPr>
-            <a:picLocks noChangeAspect="1"/>
-          </p:cNvPicPr>
-          <p:nvPr/>
-        </p:nvPicPr>
-        <p:blipFill>
-          <a:blip r:embed="rId3"/>
-          <a:stretch>
-            <a:fillRect/>
-          </a:stretch>
-        </p:blipFill>
-        <p:spPr>
-          <a:xfrm>
-            <a:off x="635067" y="2425644"/>
-            <a:ext cx="3705749" cy="1816544"/>
-          </a:xfrm>
-          <a:prstGeom prst="rect">
-            <a:avLst/>
-          </a:prstGeom>
-        </p:spPr>
-      </p:pic>
-    </p:spTree>
-  </p:cSld>
-  <p:clrMapOvr>
-    <a:masterClrMapping/>
-  </p:clrMapOvr>
-</p:sld>
-</file>
-
-<file path=ppt/slides/slide6.xml><?xml version="1.0" encoding="utf-8"?>
+<file path=ppt/slides/slide11.xml><?xml version="1.0" encoding="utf-8"?>
 <p:sld xmlns:a="http://schemas.openxmlformats.org/drawingml/2006/main" xmlns:r="http://schemas.openxmlformats.org/officeDocument/2006/relationships" xmlns:p="http://schemas.openxmlformats.org/presentationml/2006/main">
   <p:cSld>
     <p:spTree>
@@ -21944,6 +17914,4395 @@
 </p:sld>
 </file>
 
+<file path=ppt/slides/slide2.xml><?xml version="1.0" encoding="utf-8"?>
+<p:sld xmlns:a="http://schemas.openxmlformats.org/drawingml/2006/main" xmlns:r="http://schemas.openxmlformats.org/officeDocument/2006/relationships" xmlns:p="http://schemas.openxmlformats.org/presentationml/2006/main">
+  <p:cSld>
+    <p:spTree>
+      <p:nvGrpSpPr>
+        <p:cNvPr id="1" name="Shape 161"/>
+        <p:cNvGrpSpPr/>
+        <p:nvPr/>
+      </p:nvGrpSpPr>
+      <p:grpSpPr>
+        <a:xfrm>
+          <a:off x="0" y="0"/>
+          <a:ext cx="0" cy="0"/>
+          <a:chOff x="0" y="0"/>
+          <a:chExt cx="0" cy="0"/>
+        </a:xfrm>
+      </p:grpSpPr>
+      <p:sp>
+        <p:nvSpPr>
+          <p:cNvPr id="162" name="Google Shape;162;p21"/>
+          <p:cNvSpPr txBox="1">
+            <a:spLocks noGrp="1"/>
+          </p:cNvSpPr>
+          <p:nvPr>
+            <p:ph type="title"/>
+          </p:nvPr>
+        </p:nvSpPr>
+        <p:spPr>
+          <a:xfrm>
+            <a:off x="346873" y="1017433"/>
+            <a:ext cx="4397284" cy="1874400"/>
+          </a:xfrm>
+          <a:prstGeom prst="rect">
+            <a:avLst/>
+          </a:prstGeom>
+        </p:spPr>
+        <p:txBody>
+          <a:bodyPr spcFirstLastPara="1" wrap="square" lIns="91425" tIns="91425" rIns="91425" bIns="91425" anchor="t" anchorCtr="0">
+            <a:noAutofit/>
+          </a:bodyPr>
+          <a:lstStyle/>
+          <a:p>
+            <a:pPr marL="0" lvl="0" indent="0" algn="l" rtl="0">
+              <a:spcBef>
+                <a:spcPts val="0"/>
+              </a:spcBef>
+              <a:spcAft>
+                <a:spcPts val="0"/>
+              </a:spcAft>
+              <a:buNone/>
+            </a:pPr>
+            <a:r>
+              <a:rPr lang="ru-RU" sz="4800" b="1" dirty="0">
+                <a:latin typeface="Times New Roman" panose="02020603050405020304" pitchFamily="18" charset="0"/>
+                <a:cs typeface="Times New Roman" panose="02020603050405020304" pitchFamily="18" charset="0"/>
+              </a:rPr>
+              <a:t>Задачи распределения </a:t>
+            </a:r>
+            <a:endParaRPr dirty="0"/>
+          </a:p>
+        </p:txBody>
+      </p:sp>
+      <p:sp>
+        <p:nvSpPr>
+          <p:cNvPr id="163" name="Google Shape;163;p21"/>
+          <p:cNvSpPr txBox="1">
+            <a:spLocks noGrp="1"/>
+          </p:cNvSpPr>
+          <p:nvPr>
+            <p:ph type="subTitle" idx="1"/>
+          </p:nvPr>
+        </p:nvSpPr>
+        <p:spPr>
+          <a:xfrm>
+            <a:off x="4387442" y="1007418"/>
+            <a:ext cx="4078653" cy="3118649"/>
+          </a:xfrm>
+          <a:prstGeom prst="rect">
+            <a:avLst/>
+          </a:prstGeom>
+        </p:spPr>
+        <p:txBody>
+          <a:bodyPr spcFirstLastPara="1" wrap="square" lIns="91425" tIns="91425" rIns="91425" bIns="91425" anchor="t" anchorCtr="0">
+            <a:noAutofit/>
+          </a:bodyPr>
+          <a:lstStyle/>
+          <a:p>
+            <a:pPr>
+              <a:lnSpc>
+                <a:spcPct val="130000"/>
+              </a:lnSpc>
+              <a:buFont typeface="Wingdings" panose="05000000000000000000" pitchFamily="2" charset="2"/>
+              <a:buChar char="§"/>
+            </a:pPr>
+            <a:r>
+              <a:rPr lang="ru-RU" sz="2000" dirty="0">
+                <a:latin typeface="Times New Roman" panose="02020603050405020304" pitchFamily="18" charset="0"/>
+                <a:cs typeface="Times New Roman" panose="02020603050405020304" pitchFamily="18" charset="0"/>
+              </a:rPr>
+              <a:t>Снизить нагрузку на серверные архитектуры</a:t>
+            </a:r>
+          </a:p>
+          <a:p>
+            <a:pPr>
+              <a:lnSpc>
+                <a:spcPct val="130000"/>
+              </a:lnSpc>
+              <a:buFont typeface="Wingdings" panose="05000000000000000000" pitchFamily="2" charset="2"/>
+              <a:buChar char="§"/>
+            </a:pPr>
+            <a:r>
+              <a:rPr lang="ru-RU" sz="2000" dirty="0">
+                <a:latin typeface="Times New Roman" panose="02020603050405020304" pitchFamily="18" charset="0"/>
+                <a:cs typeface="Times New Roman" panose="02020603050405020304" pitchFamily="18" charset="0"/>
+              </a:rPr>
+              <a:t>Увеличить эффективность работы сложных систем</a:t>
+            </a:r>
+          </a:p>
+          <a:p>
+            <a:pPr>
+              <a:lnSpc>
+                <a:spcPct val="130000"/>
+              </a:lnSpc>
+              <a:buFont typeface="Wingdings" panose="05000000000000000000" pitchFamily="2" charset="2"/>
+              <a:buChar char="§"/>
+            </a:pPr>
+            <a:r>
+              <a:rPr lang="ru-RU" sz="2000" dirty="0">
+                <a:latin typeface="Times New Roman" panose="02020603050405020304" pitchFamily="18" charset="0"/>
+                <a:cs typeface="Times New Roman" panose="02020603050405020304" pitchFamily="18" charset="0"/>
+              </a:rPr>
+              <a:t>Уменьшить время выполнения сложных вычислений</a:t>
+            </a:r>
+          </a:p>
+          <a:p>
+            <a:pPr>
+              <a:lnSpc>
+                <a:spcPct val="110000"/>
+              </a:lnSpc>
+              <a:buFont typeface="Wingdings" panose="05000000000000000000" pitchFamily="2" charset="2"/>
+              <a:buChar char="§"/>
+            </a:pPr>
+            <a:r>
+              <a:rPr lang="ru-RU" sz="2000" dirty="0">
+                <a:latin typeface="Times New Roman" panose="02020603050405020304" pitchFamily="18" charset="0"/>
+                <a:cs typeface="Times New Roman" panose="02020603050405020304" pitchFamily="18" charset="0"/>
+              </a:rPr>
+              <a:t>Обеспечить надежное хранение данных во время выполнения задач</a:t>
+            </a:r>
+          </a:p>
+          <a:p>
+            <a:pPr marL="0" lvl="0" indent="0" algn="l" rtl="0">
+              <a:spcBef>
+                <a:spcPts val="0"/>
+              </a:spcBef>
+              <a:spcAft>
+                <a:spcPts val="0"/>
+              </a:spcAft>
+              <a:buNone/>
+            </a:pPr>
+            <a:endParaRPr dirty="0"/>
+          </a:p>
+          <a:p>
+            <a:pPr marL="0" lvl="0" indent="0" algn="l" rtl="0">
+              <a:spcBef>
+                <a:spcPts val="0"/>
+              </a:spcBef>
+              <a:spcAft>
+                <a:spcPts val="0"/>
+              </a:spcAft>
+              <a:buNone/>
+            </a:pPr>
+            <a:endParaRPr dirty="0"/>
+          </a:p>
+        </p:txBody>
+      </p:sp>
+      <p:sp>
+        <p:nvSpPr>
+          <p:cNvPr id="164" name="Google Shape;164;p21"/>
+          <p:cNvSpPr/>
+          <p:nvPr/>
+        </p:nvSpPr>
+        <p:spPr>
+          <a:xfrm>
+            <a:off x="524212" y="3498793"/>
+            <a:ext cx="719583" cy="713534"/>
+          </a:xfrm>
+          <a:custGeom>
+            <a:avLst/>
+            <a:gdLst/>
+            <a:ahLst/>
+            <a:cxnLst/>
+            <a:rect l="l" t="t" r="r" b="b"/>
+            <a:pathLst>
+              <a:path w="21172" h="20994" extrusionOk="0">
+                <a:moveTo>
+                  <a:pt x="10557" y="5287"/>
+                </a:moveTo>
+                <a:cubicBezTo>
+                  <a:pt x="10729" y="5287"/>
+                  <a:pt x="10902" y="5296"/>
+                  <a:pt x="11076" y="5315"/>
+                </a:cubicBezTo>
+                <a:cubicBezTo>
+                  <a:pt x="14279" y="5662"/>
+                  <a:pt x="16345" y="8822"/>
+                  <a:pt x="15373" y="11877"/>
+                </a:cubicBezTo>
+                <a:cubicBezTo>
+                  <a:pt x="14714" y="13983"/>
+                  <a:pt x="12722" y="15412"/>
+                  <a:pt x="10550" y="15412"/>
+                </a:cubicBezTo>
+                <a:cubicBezTo>
+                  <a:pt x="10376" y="15412"/>
+                  <a:pt x="10201" y="15403"/>
+                  <a:pt x="10026" y="15384"/>
+                </a:cubicBezTo>
+                <a:cubicBezTo>
+                  <a:pt x="6823" y="15037"/>
+                  <a:pt x="4766" y="11877"/>
+                  <a:pt x="5729" y="8822"/>
+                </a:cubicBezTo>
+                <a:cubicBezTo>
+                  <a:pt x="6397" y="6723"/>
+                  <a:pt x="8390" y="5287"/>
+                  <a:pt x="10557" y="5287"/>
+                </a:cubicBezTo>
+                <a:close/>
+                <a:moveTo>
+                  <a:pt x="12003" y="0"/>
+                </a:moveTo>
+                <a:cubicBezTo>
+                  <a:pt x="11564" y="0"/>
+                  <a:pt x="11175" y="302"/>
+                  <a:pt x="11076" y="749"/>
+                </a:cubicBezTo>
+                <a:lnTo>
+                  <a:pt x="10903" y="1582"/>
+                </a:lnTo>
+                <a:cubicBezTo>
+                  <a:pt x="10842" y="1921"/>
+                  <a:pt x="10547" y="2155"/>
+                  <a:pt x="10199" y="2181"/>
+                </a:cubicBezTo>
+                <a:cubicBezTo>
+                  <a:pt x="9366" y="2216"/>
+                  <a:pt x="8542" y="2372"/>
+                  <a:pt x="7769" y="2659"/>
+                </a:cubicBezTo>
+                <a:cubicBezTo>
+                  <a:pt x="7686" y="2690"/>
+                  <a:pt x="7599" y="2705"/>
+                  <a:pt x="7513" y="2705"/>
+                </a:cubicBezTo>
+                <a:cubicBezTo>
+                  <a:pt x="7267" y="2705"/>
+                  <a:pt x="7027" y="2582"/>
+                  <a:pt x="6892" y="2364"/>
+                </a:cubicBezTo>
+                <a:lnTo>
+                  <a:pt x="6450" y="1678"/>
+                </a:lnTo>
+                <a:cubicBezTo>
+                  <a:pt x="6268" y="1403"/>
+                  <a:pt x="5969" y="1257"/>
+                  <a:pt x="5664" y="1257"/>
+                </a:cubicBezTo>
+                <a:cubicBezTo>
+                  <a:pt x="5487" y="1257"/>
+                  <a:pt x="5307" y="1307"/>
+                  <a:pt x="5148" y="1409"/>
+                </a:cubicBezTo>
+                <a:lnTo>
+                  <a:pt x="4323" y="1956"/>
+                </a:lnTo>
+                <a:cubicBezTo>
+                  <a:pt x="3889" y="2233"/>
+                  <a:pt x="3767" y="2824"/>
+                  <a:pt x="4045" y="3258"/>
+                </a:cubicBezTo>
+                <a:lnTo>
+                  <a:pt x="4852" y="4482"/>
+                </a:lnTo>
+                <a:cubicBezTo>
+                  <a:pt x="4132" y="5176"/>
+                  <a:pt x="3542" y="6009"/>
+                  <a:pt x="3116" y="6947"/>
+                </a:cubicBezTo>
+                <a:cubicBezTo>
+                  <a:pt x="2998" y="7213"/>
+                  <a:pt x="2728" y="7379"/>
+                  <a:pt x="2441" y="7379"/>
+                </a:cubicBezTo>
+                <a:cubicBezTo>
+                  <a:pt x="2392" y="7379"/>
+                  <a:pt x="2342" y="7374"/>
+                  <a:pt x="2292" y="7363"/>
+                </a:cubicBezTo>
+                <a:lnTo>
+                  <a:pt x="1432" y="7190"/>
+                </a:lnTo>
+                <a:cubicBezTo>
+                  <a:pt x="1367" y="7177"/>
+                  <a:pt x="1303" y="7170"/>
+                  <a:pt x="1239" y="7170"/>
+                </a:cubicBezTo>
+                <a:cubicBezTo>
+                  <a:pt x="801" y="7170"/>
+                  <a:pt x="411" y="7472"/>
+                  <a:pt x="313" y="7919"/>
+                </a:cubicBezTo>
+                <a:lnTo>
+                  <a:pt x="113" y="8882"/>
+                </a:lnTo>
+                <a:cubicBezTo>
+                  <a:pt x="0" y="9395"/>
+                  <a:pt x="330" y="9898"/>
+                  <a:pt x="833" y="10002"/>
+                </a:cubicBezTo>
+                <a:lnTo>
+                  <a:pt x="1788" y="10202"/>
+                </a:lnTo>
+                <a:cubicBezTo>
+                  <a:pt x="2118" y="10263"/>
+                  <a:pt x="2353" y="10549"/>
+                  <a:pt x="2379" y="10879"/>
+                </a:cubicBezTo>
+                <a:cubicBezTo>
+                  <a:pt x="2431" y="11686"/>
+                  <a:pt x="2604" y="12467"/>
+                  <a:pt x="2873" y="13205"/>
+                </a:cubicBezTo>
+                <a:cubicBezTo>
+                  <a:pt x="2995" y="13526"/>
+                  <a:pt x="2873" y="13900"/>
+                  <a:pt x="2587" y="14091"/>
+                </a:cubicBezTo>
+                <a:lnTo>
+                  <a:pt x="1762" y="14637"/>
+                </a:lnTo>
+                <a:cubicBezTo>
+                  <a:pt x="1328" y="14915"/>
+                  <a:pt x="1207" y="15505"/>
+                  <a:pt x="1484" y="15940"/>
+                </a:cubicBezTo>
+                <a:lnTo>
+                  <a:pt x="2031" y="16764"/>
+                </a:lnTo>
+                <a:cubicBezTo>
+                  <a:pt x="2207" y="17039"/>
+                  <a:pt x="2508" y="17185"/>
+                  <a:pt x="2815" y="17185"/>
+                </a:cubicBezTo>
+                <a:cubicBezTo>
+                  <a:pt x="2993" y="17185"/>
+                  <a:pt x="3174" y="17135"/>
+                  <a:pt x="3333" y="17033"/>
+                </a:cubicBezTo>
+                <a:lnTo>
+                  <a:pt x="4253" y="16426"/>
+                </a:lnTo>
+                <a:cubicBezTo>
+                  <a:pt x="4378" y="16346"/>
+                  <a:pt x="4518" y="16308"/>
+                  <a:pt x="4656" y="16308"/>
+                </a:cubicBezTo>
+                <a:cubicBezTo>
+                  <a:pt x="4836" y="16308"/>
+                  <a:pt x="5014" y="16372"/>
+                  <a:pt x="5156" y="16495"/>
+                </a:cubicBezTo>
+                <a:cubicBezTo>
+                  <a:pt x="5729" y="16990"/>
+                  <a:pt x="6371" y="17415"/>
+                  <a:pt x="7075" y="17745"/>
+                </a:cubicBezTo>
+                <a:cubicBezTo>
+                  <a:pt x="7387" y="17901"/>
+                  <a:pt x="7561" y="18240"/>
+                  <a:pt x="7491" y="18570"/>
+                </a:cubicBezTo>
+                <a:lnTo>
+                  <a:pt x="7257" y="19646"/>
+                </a:lnTo>
+                <a:cubicBezTo>
+                  <a:pt x="7153" y="20158"/>
+                  <a:pt x="7474" y="20653"/>
+                  <a:pt x="7986" y="20766"/>
+                </a:cubicBezTo>
+                <a:lnTo>
+                  <a:pt x="8950" y="20974"/>
+                </a:lnTo>
+                <a:cubicBezTo>
+                  <a:pt x="9014" y="20987"/>
+                  <a:pt x="9079" y="20994"/>
+                  <a:pt x="9143" y="20994"/>
+                </a:cubicBezTo>
+                <a:cubicBezTo>
+                  <a:pt x="9583" y="20994"/>
+                  <a:pt x="9978" y="20692"/>
+                  <a:pt x="10069" y="20245"/>
+                </a:cubicBezTo>
+                <a:lnTo>
+                  <a:pt x="10312" y="19108"/>
+                </a:lnTo>
+                <a:cubicBezTo>
+                  <a:pt x="10373" y="18778"/>
+                  <a:pt x="10660" y="18526"/>
+                  <a:pt x="10989" y="18518"/>
+                </a:cubicBezTo>
+                <a:cubicBezTo>
+                  <a:pt x="11753" y="18474"/>
+                  <a:pt x="12500" y="18327"/>
+                  <a:pt x="13203" y="18075"/>
+                </a:cubicBezTo>
+                <a:cubicBezTo>
+                  <a:pt x="13285" y="18047"/>
+                  <a:pt x="13369" y="18033"/>
+                  <a:pt x="13452" y="18033"/>
+                </a:cubicBezTo>
+                <a:cubicBezTo>
+                  <a:pt x="13700" y="18033"/>
+                  <a:pt x="13934" y="18155"/>
+                  <a:pt x="14071" y="18370"/>
+                </a:cubicBezTo>
+                <a:lnTo>
+                  <a:pt x="14696" y="19325"/>
+                </a:lnTo>
+                <a:cubicBezTo>
+                  <a:pt x="14872" y="19599"/>
+                  <a:pt x="15172" y="19745"/>
+                  <a:pt x="15479" y="19745"/>
+                </a:cubicBezTo>
+                <a:cubicBezTo>
+                  <a:pt x="15658" y="19745"/>
+                  <a:pt x="15838" y="19696"/>
+                  <a:pt x="15998" y="19594"/>
+                </a:cubicBezTo>
+                <a:lnTo>
+                  <a:pt x="16822" y="19047"/>
+                </a:lnTo>
+                <a:cubicBezTo>
+                  <a:pt x="17257" y="18769"/>
+                  <a:pt x="17369" y="18179"/>
+                  <a:pt x="17092" y="17745"/>
+                </a:cubicBezTo>
+                <a:lnTo>
+                  <a:pt x="16458" y="16790"/>
+                </a:lnTo>
+                <a:cubicBezTo>
+                  <a:pt x="16276" y="16512"/>
+                  <a:pt x="16310" y="16130"/>
+                  <a:pt x="16536" y="15879"/>
+                </a:cubicBezTo>
+                <a:cubicBezTo>
+                  <a:pt x="17048" y="15332"/>
+                  <a:pt x="17482" y="14690"/>
+                  <a:pt x="17829" y="13995"/>
+                </a:cubicBezTo>
+                <a:cubicBezTo>
+                  <a:pt x="17954" y="13738"/>
+                  <a:pt x="18216" y="13580"/>
+                  <a:pt x="18494" y="13580"/>
+                </a:cubicBezTo>
+                <a:cubicBezTo>
+                  <a:pt x="18544" y="13580"/>
+                  <a:pt x="18595" y="13585"/>
+                  <a:pt x="18645" y="13596"/>
+                </a:cubicBezTo>
+                <a:lnTo>
+                  <a:pt x="19704" y="13813"/>
+                </a:lnTo>
+                <a:cubicBezTo>
+                  <a:pt x="19770" y="13824"/>
+                  <a:pt x="19835" y="13830"/>
+                  <a:pt x="19899" y="13830"/>
+                </a:cubicBezTo>
+                <a:cubicBezTo>
+                  <a:pt x="20372" y="13830"/>
+                  <a:pt x="20767" y="13527"/>
+                  <a:pt x="20859" y="13075"/>
+                </a:cubicBezTo>
+                <a:lnTo>
+                  <a:pt x="21058" y="12103"/>
+                </a:lnTo>
+                <a:cubicBezTo>
+                  <a:pt x="21171" y="11599"/>
+                  <a:pt x="20841" y="11096"/>
+                  <a:pt x="20338" y="10992"/>
+                </a:cubicBezTo>
+                <a:lnTo>
+                  <a:pt x="19314" y="10775"/>
+                </a:lnTo>
+                <a:cubicBezTo>
+                  <a:pt x="18975" y="10705"/>
+                  <a:pt x="18741" y="10419"/>
+                  <a:pt x="18732" y="10063"/>
+                </a:cubicBezTo>
+                <a:cubicBezTo>
+                  <a:pt x="18706" y="9264"/>
+                  <a:pt x="18559" y="8483"/>
+                  <a:pt x="18307" y="7745"/>
+                </a:cubicBezTo>
+                <a:cubicBezTo>
+                  <a:pt x="18194" y="7424"/>
+                  <a:pt x="18315" y="7068"/>
+                  <a:pt x="18593" y="6886"/>
+                </a:cubicBezTo>
+                <a:lnTo>
+                  <a:pt x="19401" y="6357"/>
+                </a:lnTo>
+                <a:cubicBezTo>
+                  <a:pt x="19835" y="6079"/>
+                  <a:pt x="19956" y="5488"/>
+                  <a:pt x="19670" y="5054"/>
+                </a:cubicBezTo>
+                <a:lnTo>
+                  <a:pt x="19131" y="4230"/>
+                </a:lnTo>
+                <a:cubicBezTo>
+                  <a:pt x="18950" y="3955"/>
+                  <a:pt x="18650" y="3806"/>
+                  <a:pt x="18345" y="3806"/>
+                </a:cubicBezTo>
+                <a:cubicBezTo>
+                  <a:pt x="18168" y="3806"/>
+                  <a:pt x="17989" y="3856"/>
+                  <a:pt x="17829" y="3961"/>
+                </a:cubicBezTo>
+                <a:lnTo>
+                  <a:pt x="17057" y="4473"/>
+                </a:lnTo>
+                <a:cubicBezTo>
+                  <a:pt x="16930" y="4551"/>
+                  <a:pt x="16789" y="4590"/>
+                  <a:pt x="16650" y="4590"/>
+                </a:cubicBezTo>
+                <a:cubicBezTo>
+                  <a:pt x="16467" y="4590"/>
+                  <a:pt x="16285" y="4523"/>
+                  <a:pt x="16137" y="4395"/>
+                </a:cubicBezTo>
+                <a:cubicBezTo>
+                  <a:pt x="15546" y="3839"/>
+                  <a:pt x="14869" y="3370"/>
+                  <a:pt x="14114" y="3006"/>
+                </a:cubicBezTo>
+                <a:cubicBezTo>
+                  <a:pt x="13810" y="2850"/>
+                  <a:pt x="13637" y="2520"/>
+                  <a:pt x="13715" y="2181"/>
+                </a:cubicBezTo>
+                <a:lnTo>
+                  <a:pt x="13889" y="1348"/>
+                </a:lnTo>
+                <a:cubicBezTo>
+                  <a:pt x="14001" y="836"/>
+                  <a:pt x="13672" y="332"/>
+                  <a:pt x="13159" y="228"/>
+                </a:cubicBezTo>
+                <a:lnTo>
+                  <a:pt x="12196" y="20"/>
+                </a:lnTo>
+                <a:cubicBezTo>
+                  <a:pt x="12131" y="7"/>
+                  <a:pt x="12066" y="0"/>
+                  <a:pt x="12003" y="0"/>
+                </a:cubicBezTo>
+                <a:close/>
+              </a:path>
+            </a:pathLst>
+          </a:custGeom>
+          <a:solidFill>
+            <a:schemeClr val="dk2"/>
+          </a:solidFill>
+          <a:ln>
+            <a:noFill/>
+          </a:ln>
+        </p:spPr>
+        <p:txBody>
+          <a:bodyPr spcFirstLastPara="1" wrap="square" lIns="91425" tIns="91425" rIns="91425" bIns="91425" anchor="ctr" anchorCtr="0">
+            <a:noAutofit/>
+          </a:bodyPr>
+          <a:lstStyle/>
+          <a:p>
+            <a:pPr marL="0" lvl="0" indent="0" algn="l" rtl="0">
+              <a:spcBef>
+                <a:spcPts val="0"/>
+              </a:spcBef>
+              <a:spcAft>
+                <a:spcPts val="0"/>
+              </a:spcAft>
+              <a:buNone/>
+            </a:pPr>
+            <a:endParaRPr/>
+          </a:p>
+        </p:txBody>
+      </p:sp>
+      <p:grpSp>
+        <p:nvGrpSpPr>
+          <p:cNvPr id="165" name="Google Shape;165;p21"/>
+          <p:cNvGrpSpPr/>
+          <p:nvPr/>
+        </p:nvGrpSpPr>
+        <p:grpSpPr>
+          <a:xfrm>
+            <a:off x="79562" y="3850293"/>
+            <a:ext cx="811927" cy="753197"/>
+            <a:chOff x="4932662" y="2251593"/>
+            <a:chExt cx="811927" cy="753197"/>
+          </a:xfrm>
+        </p:grpSpPr>
+        <p:sp>
+          <p:nvSpPr>
+            <p:cNvPr id="166" name="Google Shape;166;p21"/>
+            <p:cNvSpPr/>
+            <p:nvPr/>
+          </p:nvSpPr>
+          <p:spPr>
+            <a:xfrm>
+              <a:off x="4932662" y="2251593"/>
+              <a:ext cx="811927" cy="753197"/>
+            </a:xfrm>
+            <a:custGeom>
+              <a:avLst/>
+              <a:gdLst/>
+              <a:ahLst/>
+              <a:cxnLst/>
+              <a:rect l="l" t="t" r="r" b="b"/>
+              <a:pathLst>
+                <a:path w="23889" h="22161" extrusionOk="0">
+                  <a:moveTo>
+                    <a:pt x="278" y="0"/>
+                  </a:moveTo>
+                  <a:cubicBezTo>
+                    <a:pt x="130" y="0"/>
+                    <a:pt x="0" y="122"/>
+                    <a:pt x="0" y="286"/>
+                  </a:cubicBezTo>
+                  <a:lnTo>
+                    <a:pt x="0" y="21874"/>
+                  </a:lnTo>
+                  <a:cubicBezTo>
+                    <a:pt x="0" y="22031"/>
+                    <a:pt x="122" y="22161"/>
+                    <a:pt x="278" y="22161"/>
+                  </a:cubicBezTo>
+                  <a:lnTo>
+                    <a:pt x="23610" y="22161"/>
+                  </a:lnTo>
+                  <a:cubicBezTo>
+                    <a:pt x="23758" y="22161"/>
+                    <a:pt x="23888" y="22031"/>
+                    <a:pt x="23888" y="21874"/>
+                  </a:cubicBezTo>
+                  <a:lnTo>
+                    <a:pt x="23888" y="286"/>
+                  </a:lnTo>
+                  <a:cubicBezTo>
+                    <a:pt x="23888" y="130"/>
+                    <a:pt x="23775" y="0"/>
+                    <a:pt x="23610" y="0"/>
+                  </a:cubicBezTo>
+                  <a:close/>
+                </a:path>
+              </a:pathLst>
+            </a:custGeom>
+            <a:solidFill>
+              <a:schemeClr val="lt2"/>
+            </a:solidFill>
+            <a:ln>
+              <a:noFill/>
+            </a:ln>
+          </p:spPr>
+          <p:txBody>
+            <a:bodyPr spcFirstLastPara="1" wrap="square" lIns="91425" tIns="91425" rIns="91425" bIns="91425" anchor="ctr" anchorCtr="0">
+              <a:noAutofit/>
+            </a:bodyPr>
+            <a:lstStyle/>
+            <a:p>
+              <a:pPr marL="0" lvl="0" indent="0" algn="l" rtl="0">
+                <a:spcBef>
+                  <a:spcPts val="0"/>
+                </a:spcBef>
+                <a:spcAft>
+                  <a:spcPts val="0"/>
+                </a:spcAft>
+                <a:buNone/>
+              </a:pPr>
+              <a:endParaRPr/>
+            </a:p>
+          </p:txBody>
+        </p:sp>
+        <p:sp>
+          <p:nvSpPr>
+            <p:cNvPr id="167" name="Google Shape;167;p21"/>
+            <p:cNvSpPr/>
+            <p:nvPr/>
+          </p:nvSpPr>
+          <p:spPr>
+            <a:xfrm>
+              <a:off x="4968044" y="2360729"/>
+              <a:ext cx="740826" cy="592436"/>
+            </a:xfrm>
+            <a:custGeom>
+              <a:avLst/>
+              <a:gdLst/>
+              <a:ahLst/>
+              <a:cxnLst/>
+              <a:rect l="l" t="t" r="r" b="b"/>
+              <a:pathLst>
+                <a:path w="21797" h="17431" extrusionOk="0">
+                  <a:moveTo>
+                    <a:pt x="209" y="1"/>
+                  </a:moveTo>
+                  <a:cubicBezTo>
+                    <a:pt x="96" y="1"/>
+                    <a:pt x="1" y="88"/>
+                    <a:pt x="1" y="209"/>
+                  </a:cubicBezTo>
+                  <a:lnTo>
+                    <a:pt x="1" y="17222"/>
+                  </a:lnTo>
+                  <a:cubicBezTo>
+                    <a:pt x="1" y="17335"/>
+                    <a:pt x="88" y="17431"/>
+                    <a:pt x="209" y="17431"/>
+                  </a:cubicBezTo>
+                  <a:lnTo>
+                    <a:pt x="21588" y="17431"/>
+                  </a:lnTo>
+                  <a:cubicBezTo>
+                    <a:pt x="21710" y="17431"/>
+                    <a:pt x="21797" y="17335"/>
+                    <a:pt x="21797" y="17222"/>
+                  </a:cubicBezTo>
+                  <a:lnTo>
+                    <a:pt x="21797" y="209"/>
+                  </a:lnTo>
+                  <a:cubicBezTo>
+                    <a:pt x="21797" y="105"/>
+                    <a:pt x="21710" y="1"/>
+                    <a:pt x="21588" y="1"/>
+                  </a:cubicBezTo>
+                  <a:close/>
+                </a:path>
+              </a:pathLst>
+            </a:custGeom>
+            <a:solidFill>
+              <a:schemeClr val="lt1"/>
+            </a:solidFill>
+            <a:ln>
+              <a:noFill/>
+            </a:ln>
+          </p:spPr>
+          <p:txBody>
+            <a:bodyPr spcFirstLastPara="1" wrap="square" lIns="91425" tIns="91425" rIns="91425" bIns="91425" anchor="ctr" anchorCtr="0">
+              <a:noAutofit/>
+            </a:bodyPr>
+            <a:lstStyle/>
+            <a:p>
+              <a:pPr marL="0" lvl="0" indent="0" algn="l" rtl="0">
+                <a:spcBef>
+                  <a:spcPts val="0"/>
+                </a:spcBef>
+                <a:spcAft>
+                  <a:spcPts val="0"/>
+                </a:spcAft>
+                <a:buNone/>
+              </a:pPr>
+              <a:endParaRPr/>
+            </a:p>
+          </p:txBody>
+        </p:sp>
+        <p:sp>
+          <p:nvSpPr>
+            <p:cNvPr id="168" name="Google Shape;168;p21"/>
+            <p:cNvSpPr/>
+            <p:nvPr/>
+          </p:nvSpPr>
+          <p:spPr>
+            <a:xfrm>
+              <a:off x="4981334" y="2284901"/>
+              <a:ext cx="41907" cy="41941"/>
+            </a:xfrm>
+            <a:custGeom>
+              <a:avLst/>
+              <a:gdLst/>
+              <a:ahLst/>
+              <a:cxnLst/>
+              <a:rect l="l" t="t" r="r" b="b"/>
+              <a:pathLst>
+                <a:path w="1233" h="1234" extrusionOk="0">
+                  <a:moveTo>
+                    <a:pt x="617" y="1"/>
+                  </a:moveTo>
+                  <a:cubicBezTo>
+                    <a:pt x="278" y="1"/>
+                    <a:pt x="0" y="270"/>
+                    <a:pt x="0" y="617"/>
+                  </a:cubicBezTo>
+                  <a:cubicBezTo>
+                    <a:pt x="0" y="956"/>
+                    <a:pt x="269" y="1234"/>
+                    <a:pt x="617" y="1234"/>
+                  </a:cubicBezTo>
+                  <a:cubicBezTo>
+                    <a:pt x="955" y="1234"/>
+                    <a:pt x="1233" y="964"/>
+                    <a:pt x="1233" y="617"/>
+                  </a:cubicBezTo>
+                  <a:cubicBezTo>
+                    <a:pt x="1233" y="279"/>
+                    <a:pt x="955" y="1"/>
+                    <a:pt x="617" y="1"/>
+                  </a:cubicBezTo>
+                  <a:close/>
+                </a:path>
+              </a:pathLst>
+            </a:custGeom>
+            <a:solidFill>
+              <a:schemeClr val="accent1"/>
+            </a:solidFill>
+            <a:ln>
+              <a:noFill/>
+            </a:ln>
+          </p:spPr>
+          <p:txBody>
+            <a:bodyPr spcFirstLastPara="1" wrap="square" lIns="91425" tIns="91425" rIns="91425" bIns="91425" anchor="ctr" anchorCtr="0">
+              <a:noAutofit/>
+            </a:bodyPr>
+            <a:lstStyle/>
+            <a:p>
+              <a:pPr marL="0" lvl="0" indent="0" algn="l" rtl="0">
+                <a:spcBef>
+                  <a:spcPts val="0"/>
+                </a:spcBef>
+                <a:spcAft>
+                  <a:spcPts val="0"/>
+                </a:spcAft>
+                <a:buNone/>
+              </a:pPr>
+              <a:endParaRPr/>
+            </a:p>
+          </p:txBody>
+        </p:sp>
+        <p:sp>
+          <p:nvSpPr>
+            <p:cNvPr id="169" name="Google Shape;169;p21"/>
+            <p:cNvSpPr/>
+            <p:nvPr/>
+          </p:nvSpPr>
+          <p:spPr>
+            <a:xfrm>
+              <a:off x="5052709" y="2284901"/>
+              <a:ext cx="42246" cy="41941"/>
+            </a:xfrm>
+            <a:custGeom>
+              <a:avLst/>
+              <a:gdLst/>
+              <a:ahLst/>
+              <a:cxnLst/>
+              <a:rect l="l" t="t" r="r" b="b"/>
+              <a:pathLst>
+                <a:path w="1243" h="1234" extrusionOk="0">
+                  <a:moveTo>
+                    <a:pt x="617" y="1"/>
+                  </a:moveTo>
+                  <a:cubicBezTo>
+                    <a:pt x="279" y="1"/>
+                    <a:pt x="1" y="279"/>
+                    <a:pt x="1" y="617"/>
+                  </a:cubicBezTo>
+                  <a:cubicBezTo>
+                    <a:pt x="1" y="956"/>
+                    <a:pt x="279" y="1234"/>
+                    <a:pt x="617" y="1234"/>
+                  </a:cubicBezTo>
+                  <a:cubicBezTo>
+                    <a:pt x="964" y="1234"/>
+                    <a:pt x="1242" y="956"/>
+                    <a:pt x="1242" y="617"/>
+                  </a:cubicBezTo>
+                  <a:cubicBezTo>
+                    <a:pt x="1242" y="279"/>
+                    <a:pt x="964" y="1"/>
+                    <a:pt x="617" y="1"/>
+                  </a:cubicBezTo>
+                  <a:close/>
+                </a:path>
+              </a:pathLst>
+            </a:custGeom>
+            <a:solidFill>
+              <a:schemeClr val="accent1"/>
+            </a:solidFill>
+            <a:ln>
+              <a:noFill/>
+            </a:ln>
+          </p:spPr>
+          <p:txBody>
+            <a:bodyPr spcFirstLastPara="1" wrap="square" lIns="91425" tIns="91425" rIns="91425" bIns="91425" anchor="ctr" anchorCtr="0">
+              <a:noAutofit/>
+            </a:bodyPr>
+            <a:lstStyle/>
+            <a:p>
+              <a:pPr marL="0" lvl="0" indent="0" algn="l" rtl="0">
+                <a:spcBef>
+                  <a:spcPts val="0"/>
+                </a:spcBef>
+                <a:spcAft>
+                  <a:spcPts val="0"/>
+                </a:spcAft>
+                <a:buNone/>
+              </a:pPr>
+              <a:endParaRPr/>
+            </a:p>
+          </p:txBody>
+        </p:sp>
+        <p:sp>
+          <p:nvSpPr>
+            <p:cNvPr id="170" name="Google Shape;170;p21"/>
+            <p:cNvSpPr/>
+            <p:nvPr/>
+          </p:nvSpPr>
+          <p:spPr>
+            <a:xfrm>
+              <a:off x="5124425" y="2284901"/>
+              <a:ext cx="41907" cy="41941"/>
+            </a:xfrm>
+            <a:custGeom>
+              <a:avLst/>
+              <a:gdLst/>
+              <a:ahLst/>
+              <a:cxnLst/>
+              <a:rect l="l" t="t" r="r" b="b"/>
+              <a:pathLst>
+                <a:path w="1233" h="1234" extrusionOk="0">
+                  <a:moveTo>
+                    <a:pt x="617" y="1"/>
+                  </a:moveTo>
+                  <a:cubicBezTo>
+                    <a:pt x="278" y="1"/>
+                    <a:pt x="0" y="279"/>
+                    <a:pt x="0" y="617"/>
+                  </a:cubicBezTo>
+                  <a:cubicBezTo>
+                    <a:pt x="0" y="956"/>
+                    <a:pt x="278" y="1234"/>
+                    <a:pt x="617" y="1234"/>
+                  </a:cubicBezTo>
+                  <a:cubicBezTo>
+                    <a:pt x="955" y="1234"/>
+                    <a:pt x="1233" y="956"/>
+                    <a:pt x="1233" y="617"/>
+                  </a:cubicBezTo>
+                  <a:cubicBezTo>
+                    <a:pt x="1233" y="279"/>
+                    <a:pt x="955" y="1"/>
+                    <a:pt x="617" y="1"/>
+                  </a:cubicBezTo>
+                  <a:close/>
+                </a:path>
+              </a:pathLst>
+            </a:custGeom>
+            <a:solidFill>
+              <a:schemeClr val="accent1"/>
+            </a:solidFill>
+            <a:ln>
+              <a:noFill/>
+            </a:ln>
+          </p:spPr>
+          <p:txBody>
+            <a:bodyPr spcFirstLastPara="1" wrap="square" lIns="91425" tIns="91425" rIns="91425" bIns="91425" anchor="ctr" anchorCtr="0">
+              <a:noAutofit/>
+            </a:bodyPr>
+            <a:lstStyle/>
+            <a:p>
+              <a:pPr marL="0" lvl="0" indent="0" algn="l" rtl="0">
+                <a:spcBef>
+                  <a:spcPts val="0"/>
+                </a:spcBef>
+                <a:spcAft>
+                  <a:spcPts val="0"/>
+                </a:spcAft>
+                <a:buNone/>
+              </a:pPr>
+              <a:endParaRPr/>
+            </a:p>
+          </p:txBody>
+        </p:sp>
+      </p:grpSp>
+    </p:spTree>
+  </p:cSld>
+  <p:clrMapOvr>
+    <a:masterClrMapping/>
+  </p:clrMapOvr>
+</p:sld>
+</file>
+
+<file path=ppt/slides/slide3.xml><?xml version="1.0" encoding="utf-8"?>
+<p:sld xmlns:a="http://schemas.openxmlformats.org/drawingml/2006/main" xmlns:r="http://schemas.openxmlformats.org/officeDocument/2006/relationships" xmlns:p="http://schemas.openxmlformats.org/presentationml/2006/main">
+  <p:cSld>
+    <p:spTree>
+      <p:nvGrpSpPr>
+        <p:cNvPr id="1" name="Shape 203"/>
+        <p:cNvGrpSpPr/>
+        <p:nvPr/>
+      </p:nvGrpSpPr>
+      <p:grpSpPr>
+        <a:xfrm>
+          <a:off x="0" y="0"/>
+          <a:ext cx="0" cy="0"/>
+          <a:chOff x="0" y="0"/>
+          <a:chExt cx="0" cy="0"/>
+        </a:xfrm>
+      </p:grpSpPr>
+      <p:sp>
+        <p:nvSpPr>
+          <p:cNvPr id="204" name="Google Shape;204;p23"/>
+          <p:cNvSpPr txBox="1">
+            <a:spLocks noGrp="1"/>
+          </p:cNvSpPr>
+          <p:nvPr>
+            <p:ph type="title"/>
+          </p:nvPr>
+        </p:nvSpPr>
+        <p:spPr>
+          <a:xfrm>
+            <a:off x="720000" y="331645"/>
+            <a:ext cx="7704000" cy="640200"/>
+          </a:xfrm>
+          <a:prstGeom prst="rect">
+            <a:avLst/>
+          </a:prstGeom>
+        </p:spPr>
+        <p:txBody>
+          <a:bodyPr spcFirstLastPara="1" wrap="square" lIns="91425" tIns="91425" rIns="91425" bIns="91425" anchor="t" anchorCtr="0">
+            <a:noAutofit/>
+          </a:bodyPr>
+          <a:lstStyle/>
+          <a:p>
+            <a:pPr marL="0" lvl="0" indent="0" algn="l" rtl="0">
+              <a:spcBef>
+                <a:spcPts val="0"/>
+              </a:spcBef>
+              <a:spcAft>
+                <a:spcPts val="0"/>
+              </a:spcAft>
+              <a:buNone/>
+            </a:pPr>
+            <a:r>
+              <a:rPr lang="ru-RU" b="1" dirty="0">
+                <a:latin typeface="Times New Roman" panose="02020603050405020304" pitchFamily="18" charset="0"/>
+                <a:cs typeface="Times New Roman" panose="02020603050405020304" pitchFamily="18" charset="0"/>
+              </a:rPr>
+              <a:t>Варианты решения</a:t>
+            </a:r>
+            <a:endParaRPr dirty="0"/>
+          </a:p>
+        </p:txBody>
+      </p:sp>
+      <p:sp>
+        <p:nvSpPr>
+          <p:cNvPr id="205" name="Google Shape;205;p23"/>
+          <p:cNvSpPr txBox="1"/>
+          <p:nvPr/>
+        </p:nvSpPr>
+        <p:spPr>
+          <a:xfrm>
+            <a:off x="578076" y="1005732"/>
+            <a:ext cx="7987847" cy="2743200"/>
+          </a:xfrm>
+          <a:prstGeom prst="rect">
+            <a:avLst/>
+          </a:prstGeom>
+          <a:noFill/>
+          <a:ln>
+            <a:noFill/>
+          </a:ln>
+        </p:spPr>
+        <p:txBody>
+          <a:bodyPr spcFirstLastPara="1" wrap="square" lIns="91425" tIns="91425" rIns="91425" bIns="91425" anchor="t" anchorCtr="0">
+            <a:noAutofit/>
+          </a:bodyPr>
+          <a:lstStyle/>
+          <a:p>
+            <a:pPr>
+              <a:buFont typeface="Wingdings" panose="05000000000000000000" pitchFamily="2" charset="2"/>
+              <a:buChar char="§"/>
+            </a:pPr>
+            <a:r>
+              <a:rPr lang="ru-RU" sz="2400" dirty="0">
+                <a:latin typeface="Times New Roman" panose="02020603050405020304" pitchFamily="18" charset="0"/>
+                <a:cs typeface="Times New Roman" panose="02020603050405020304" pitchFamily="18" charset="0"/>
+              </a:rPr>
+              <a:t>Распределение задачи по ядрам и потокам одного процессора</a:t>
+            </a:r>
+          </a:p>
+          <a:p>
+            <a:pPr>
+              <a:buFont typeface="Wingdings" panose="05000000000000000000" pitchFamily="2" charset="2"/>
+              <a:buChar char="§"/>
+            </a:pPr>
+            <a:r>
+              <a:rPr lang="ru-RU" sz="2400" dirty="0">
+                <a:latin typeface="Times New Roman" panose="02020603050405020304" pitchFamily="18" charset="0"/>
+                <a:cs typeface="Times New Roman" panose="02020603050405020304" pitchFamily="18" charset="0"/>
+              </a:rPr>
+              <a:t>Распределение путем отправки задачи на другой компьютер</a:t>
+            </a:r>
+          </a:p>
+          <a:p>
+            <a:pPr>
+              <a:buFont typeface="Wingdings" panose="05000000000000000000" pitchFamily="2" charset="2"/>
+              <a:buChar char="§"/>
+            </a:pPr>
+            <a:r>
+              <a:rPr lang="ru-RU" sz="2400" dirty="0">
+                <a:latin typeface="Times New Roman" panose="02020603050405020304" pitchFamily="18" charset="0"/>
+                <a:cs typeface="Times New Roman" panose="02020603050405020304" pitchFamily="18" charset="0"/>
+              </a:rPr>
+              <a:t>Распределение путем отправки задачи на несколько компьютеров</a:t>
+            </a:r>
+          </a:p>
+          <a:p>
+            <a:pPr>
+              <a:buFont typeface="Wingdings" panose="05000000000000000000" pitchFamily="2" charset="2"/>
+              <a:buChar char="§"/>
+            </a:pPr>
+            <a:r>
+              <a:rPr lang="ru-RU" sz="2400" dirty="0">
+                <a:latin typeface="Times New Roman" panose="02020603050405020304" pitchFamily="18" charset="0"/>
+                <a:cs typeface="Times New Roman" panose="02020603050405020304" pitchFamily="18" charset="0"/>
+              </a:rPr>
+              <a:t>Распределение путем ветвления задач между несколькими компьютерами</a:t>
+            </a:r>
+          </a:p>
+        </p:txBody>
+      </p:sp>
+      <p:sp>
+        <p:nvSpPr>
+          <p:cNvPr id="206" name="Google Shape;206;p23"/>
+          <p:cNvSpPr/>
+          <p:nvPr/>
+        </p:nvSpPr>
+        <p:spPr>
+          <a:xfrm>
+            <a:off x="7889799" y="4014123"/>
+            <a:ext cx="719583" cy="713534"/>
+          </a:xfrm>
+          <a:custGeom>
+            <a:avLst/>
+            <a:gdLst/>
+            <a:ahLst/>
+            <a:cxnLst/>
+            <a:rect l="l" t="t" r="r" b="b"/>
+            <a:pathLst>
+              <a:path w="21172" h="20994" extrusionOk="0">
+                <a:moveTo>
+                  <a:pt x="10557" y="5287"/>
+                </a:moveTo>
+                <a:cubicBezTo>
+                  <a:pt x="10729" y="5287"/>
+                  <a:pt x="10902" y="5296"/>
+                  <a:pt x="11076" y="5315"/>
+                </a:cubicBezTo>
+                <a:cubicBezTo>
+                  <a:pt x="14279" y="5662"/>
+                  <a:pt x="16345" y="8822"/>
+                  <a:pt x="15373" y="11877"/>
+                </a:cubicBezTo>
+                <a:cubicBezTo>
+                  <a:pt x="14714" y="13983"/>
+                  <a:pt x="12722" y="15412"/>
+                  <a:pt x="10550" y="15412"/>
+                </a:cubicBezTo>
+                <a:cubicBezTo>
+                  <a:pt x="10376" y="15412"/>
+                  <a:pt x="10201" y="15403"/>
+                  <a:pt x="10026" y="15384"/>
+                </a:cubicBezTo>
+                <a:cubicBezTo>
+                  <a:pt x="6823" y="15037"/>
+                  <a:pt x="4766" y="11877"/>
+                  <a:pt x="5729" y="8822"/>
+                </a:cubicBezTo>
+                <a:cubicBezTo>
+                  <a:pt x="6397" y="6723"/>
+                  <a:pt x="8390" y="5287"/>
+                  <a:pt x="10557" y="5287"/>
+                </a:cubicBezTo>
+                <a:close/>
+                <a:moveTo>
+                  <a:pt x="12003" y="0"/>
+                </a:moveTo>
+                <a:cubicBezTo>
+                  <a:pt x="11564" y="0"/>
+                  <a:pt x="11175" y="302"/>
+                  <a:pt x="11076" y="749"/>
+                </a:cubicBezTo>
+                <a:lnTo>
+                  <a:pt x="10903" y="1582"/>
+                </a:lnTo>
+                <a:cubicBezTo>
+                  <a:pt x="10842" y="1921"/>
+                  <a:pt x="10547" y="2155"/>
+                  <a:pt x="10199" y="2181"/>
+                </a:cubicBezTo>
+                <a:cubicBezTo>
+                  <a:pt x="9366" y="2216"/>
+                  <a:pt x="8542" y="2372"/>
+                  <a:pt x="7769" y="2659"/>
+                </a:cubicBezTo>
+                <a:cubicBezTo>
+                  <a:pt x="7686" y="2690"/>
+                  <a:pt x="7599" y="2705"/>
+                  <a:pt x="7513" y="2705"/>
+                </a:cubicBezTo>
+                <a:cubicBezTo>
+                  <a:pt x="7267" y="2705"/>
+                  <a:pt x="7027" y="2582"/>
+                  <a:pt x="6892" y="2364"/>
+                </a:cubicBezTo>
+                <a:lnTo>
+                  <a:pt x="6450" y="1678"/>
+                </a:lnTo>
+                <a:cubicBezTo>
+                  <a:pt x="6268" y="1403"/>
+                  <a:pt x="5969" y="1257"/>
+                  <a:pt x="5664" y="1257"/>
+                </a:cubicBezTo>
+                <a:cubicBezTo>
+                  <a:pt x="5487" y="1257"/>
+                  <a:pt x="5307" y="1307"/>
+                  <a:pt x="5148" y="1409"/>
+                </a:cubicBezTo>
+                <a:lnTo>
+                  <a:pt x="4323" y="1956"/>
+                </a:lnTo>
+                <a:cubicBezTo>
+                  <a:pt x="3889" y="2233"/>
+                  <a:pt x="3767" y="2824"/>
+                  <a:pt x="4045" y="3258"/>
+                </a:cubicBezTo>
+                <a:lnTo>
+                  <a:pt x="4852" y="4482"/>
+                </a:lnTo>
+                <a:cubicBezTo>
+                  <a:pt x="4132" y="5176"/>
+                  <a:pt x="3542" y="6009"/>
+                  <a:pt x="3116" y="6947"/>
+                </a:cubicBezTo>
+                <a:cubicBezTo>
+                  <a:pt x="2998" y="7213"/>
+                  <a:pt x="2728" y="7379"/>
+                  <a:pt x="2441" y="7379"/>
+                </a:cubicBezTo>
+                <a:cubicBezTo>
+                  <a:pt x="2392" y="7379"/>
+                  <a:pt x="2342" y="7374"/>
+                  <a:pt x="2292" y="7363"/>
+                </a:cubicBezTo>
+                <a:lnTo>
+                  <a:pt x="1432" y="7190"/>
+                </a:lnTo>
+                <a:cubicBezTo>
+                  <a:pt x="1367" y="7177"/>
+                  <a:pt x="1303" y="7170"/>
+                  <a:pt x="1239" y="7170"/>
+                </a:cubicBezTo>
+                <a:cubicBezTo>
+                  <a:pt x="801" y="7170"/>
+                  <a:pt x="411" y="7472"/>
+                  <a:pt x="313" y="7919"/>
+                </a:cubicBezTo>
+                <a:lnTo>
+                  <a:pt x="113" y="8882"/>
+                </a:lnTo>
+                <a:cubicBezTo>
+                  <a:pt x="0" y="9395"/>
+                  <a:pt x="330" y="9898"/>
+                  <a:pt x="833" y="10002"/>
+                </a:cubicBezTo>
+                <a:lnTo>
+                  <a:pt x="1788" y="10202"/>
+                </a:lnTo>
+                <a:cubicBezTo>
+                  <a:pt x="2118" y="10263"/>
+                  <a:pt x="2353" y="10549"/>
+                  <a:pt x="2379" y="10879"/>
+                </a:cubicBezTo>
+                <a:cubicBezTo>
+                  <a:pt x="2431" y="11686"/>
+                  <a:pt x="2604" y="12467"/>
+                  <a:pt x="2873" y="13205"/>
+                </a:cubicBezTo>
+                <a:cubicBezTo>
+                  <a:pt x="2995" y="13526"/>
+                  <a:pt x="2873" y="13900"/>
+                  <a:pt x="2587" y="14091"/>
+                </a:cubicBezTo>
+                <a:lnTo>
+                  <a:pt x="1762" y="14637"/>
+                </a:lnTo>
+                <a:cubicBezTo>
+                  <a:pt x="1328" y="14915"/>
+                  <a:pt x="1207" y="15505"/>
+                  <a:pt x="1484" y="15940"/>
+                </a:cubicBezTo>
+                <a:lnTo>
+                  <a:pt x="2031" y="16764"/>
+                </a:lnTo>
+                <a:cubicBezTo>
+                  <a:pt x="2207" y="17039"/>
+                  <a:pt x="2508" y="17185"/>
+                  <a:pt x="2815" y="17185"/>
+                </a:cubicBezTo>
+                <a:cubicBezTo>
+                  <a:pt x="2993" y="17185"/>
+                  <a:pt x="3174" y="17135"/>
+                  <a:pt x="3333" y="17033"/>
+                </a:cubicBezTo>
+                <a:lnTo>
+                  <a:pt x="4253" y="16426"/>
+                </a:lnTo>
+                <a:cubicBezTo>
+                  <a:pt x="4378" y="16346"/>
+                  <a:pt x="4518" y="16308"/>
+                  <a:pt x="4656" y="16308"/>
+                </a:cubicBezTo>
+                <a:cubicBezTo>
+                  <a:pt x="4836" y="16308"/>
+                  <a:pt x="5014" y="16372"/>
+                  <a:pt x="5156" y="16495"/>
+                </a:cubicBezTo>
+                <a:cubicBezTo>
+                  <a:pt x="5729" y="16990"/>
+                  <a:pt x="6371" y="17415"/>
+                  <a:pt x="7075" y="17745"/>
+                </a:cubicBezTo>
+                <a:cubicBezTo>
+                  <a:pt x="7387" y="17901"/>
+                  <a:pt x="7561" y="18240"/>
+                  <a:pt x="7491" y="18570"/>
+                </a:cubicBezTo>
+                <a:lnTo>
+                  <a:pt x="7257" y="19646"/>
+                </a:lnTo>
+                <a:cubicBezTo>
+                  <a:pt x="7153" y="20158"/>
+                  <a:pt x="7474" y="20653"/>
+                  <a:pt x="7986" y="20766"/>
+                </a:cubicBezTo>
+                <a:lnTo>
+                  <a:pt x="8950" y="20974"/>
+                </a:lnTo>
+                <a:cubicBezTo>
+                  <a:pt x="9014" y="20987"/>
+                  <a:pt x="9079" y="20994"/>
+                  <a:pt x="9143" y="20994"/>
+                </a:cubicBezTo>
+                <a:cubicBezTo>
+                  <a:pt x="9583" y="20994"/>
+                  <a:pt x="9978" y="20692"/>
+                  <a:pt x="10069" y="20245"/>
+                </a:cubicBezTo>
+                <a:lnTo>
+                  <a:pt x="10312" y="19108"/>
+                </a:lnTo>
+                <a:cubicBezTo>
+                  <a:pt x="10373" y="18778"/>
+                  <a:pt x="10660" y="18526"/>
+                  <a:pt x="10989" y="18518"/>
+                </a:cubicBezTo>
+                <a:cubicBezTo>
+                  <a:pt x="11753" y="18474"/>
+                  <a:pt x="12500" y="18327"/>
+                  <a:pt x="13203" y="18075"/>
+                </a:cubicBezTo>
+                <a:cubicBezTo>
+                  <a:pt x="13285" y="18047"/>
+                  <a:pt x="13369" y="18033"/>
+                  <a:pt x="13452" y="18033"/>
+                </a:cubicBezTo>
+                <a:cubicBezTo>
+                  <a:pt x="13700" y="18033"/>
+                  <a:pt x="13934" y="18155"/>
+                  <a:pt x="14071" y="18370"/>
+                </a:cubicBezTo>
+                <a:lnTo>
+                  <a:pt x="14696" y="19325"/>
+                </a:lnTo>
+                <a:cubicBezTo>
+                  <a:pt x="14872" y="19599"/>
+                  <a:pt x="15172" y="19745"/>
+                  <a:pt x="15479" y="19745"/>
+                </a:cubicBezTo>
+                <a:cubicBezTo>
+                  <a:pt x="15658" y="19745"/>
+                  <a:pt x="15838" y="19696"/>
+                  <a:pt x="15998" y="19594"/>
+                </a:cubicBezTo>
+                <a:lnTo>
+                  <a:pt x="16822" y="19047"/>
+                </a:lnTo>
+                <a:cubicBezTo>
+                  <a:pt x="17257" y="18769"/>
+                  <a:pt x="17369" y="18179"/>
+                  <a:pt x="17092" y="17745"/>
+                </a:cubicBezTo>
+                <a:lnTo>
+                  <a:pt x="16458" y="16790"/>
+                </a:lnTo>
+                <a:cubicBezTo>
+                  <a:pt x="16276" y="16512"/>
+                  <a:pt x="16310" y="16130"/>
+                  <a:pt x="16536" y="15879"/>
+                </a:cubicBezTo>
+                <a:cubicBezTo>
+                  <a:pt x="17048" y="15332"/>
+                  <a:pt x="17482" y="14690"/>
+                  <a:pt x="17829" y="13995"/>
+                </a:cubicBezTo>
+                <a:cubicBezTo>
+                  <a:pt x="17954" y="13738"/>
+                  <a:pt x="18216" y="13580"/>
+                  <a:pt x="18494" y="13580"/>
+                </a:cubicBezTo>
+                <a:cubicBezTo>
+                  <a:pt x="18544" y="13580"/>
+                  <a:pt x="18595" y="13585"/>
+                  <a:pt x="18645" y="13596"/>
+                </a:cubicBezTo>
+                <a:lnTo>
+                  <a:pt x="19704" y="13813"/>
+                </a:lnTo>
+                <a:cubicBezTo>
+                  <a:pt x="19770" y="13824"/>
+                  <a:pt x="19835" y="13830"/>
+                  <a:pt x="19899" y="13830"/>
+                </a:cubicBezTo>
+                <a:cubicBezTo>
+                  <a:pt x="20372" y="13830"/>
+                  <a:pt x="20767" y="13527"/>
+                  <a:pt x="20859" y="13075"/>
+                </a:cubicBezTo>
+                <a:lnTo>
+                  <a:pt x="21058" y="12103"/>
+                </a:lnTo>
+                <a:cubicBezTo>
+                  <a:pt x="21171" y="11599"/>
+                  <a:pt x="20841" y="11096"/>
+                  <a:pt x="20338" y="10992"/>
+                </a:cubicBezTo>
+                <a:lnTo>
+                  <a:pt x="19314" y="10775"/>
+                </a:lnTo>
+                <a:cubicBezTo>
+                  <a:pt x="18975" y="10705"/>
+                  <a:pt x="18741" y="10419"/>
+                  <a:pt x="18732" y="10063"/>
+                </a:cubicBezTo>
+                <a:cubicBezTo>
+                  <a:pt x="18706" y="9264"/>
+                  <a:pt x="18559" y="8483"/>
+                  <a:pt x="18307" y="7745"/>
+                </a:cubicBezTo>
+                <a:cubicBezTo>
+                  <a:pt x="18194" y="7424"/>
+                  <a:pt x="18315" y="7068"/>
+                  <a:pt x="18593" y="6886"/>
+                </a:cubicBezTo>
+                <a:lnTo>
+                  <a:pt x="19401" y="6357"/>
+                </a:lnTo>
+                <a:cubicBezTo>
+                  <a:pt x="19835" y="6079"/>
+                  <a:pt x="19956" y="5488"/>
+                  <a:pt x="19670" y="5054"/>
+                </a:cubicBezTo>
+                <a:lnTo>
+                  <a:pt x="19131" y="4230"/>
+                </a:lnTo>
+                <a:cubicBezTo>
+                  <a:pt x="18950" y="3955"/>
+                  <a:pt x="18650" y="3806"/>
+                  <a:pt x="18345" y="3806"/>
+                </a:cubicBezTo>
+                <a:cubicBezTo>
+                  <a:pt x="18168" y="3806"/>
+                  <a:pt x="17989" y="3856"/>
+                  <a:pt x="17829" y="3961"/>
+                </a:cubicBezTo>
+                <a:lnTo>
+                  <a:pt x="17057" y="4473"/>
+                </a:lnTo>
+                <a:cubicBezTo>
+                  <a:pt x="16930" y="4551"/>
+                  <a:pt x="16789" y="4590"/>
+                  <a:pt x="16650" y="4590"/>
+                </a:cubicBezTo>
+                <a:cubicBezTo>
+                  <a:pt x="16467" y="4590"/>
+                  <a:pt x="16285" y="4523"/>
+                  <a:pt x="16137" y="4395"/>
+                </a:cubicBezTo>
+                <a:cubicBezTo>
+                  <a:pt x="15546" y="3839"/>
+                  <a:pt x="14869" y="3370"/>
+                  <a:pt x="14114" y="3006"/>
+                </a:cubicBezTo>
+                <a:cubicBezTo>
+                  <a:pt x="13810" y="2850"/>
+                  <a:pt x="13637" y="2520"/>
+                  <a:pt x="13715" y="2181"/>
+                </a:cubicBezTo>
+                <a:lnTo>
+                  <a:pt x="13889" y="1348"/>
+                </a:lnTo>
+                <a:cubicBezTo>
+                  <a:pt x="14001" y="836"/>
+                  <a:pt x="13672" y="332"/>
+                  <a:pt x="13159" y="228"/>
+                </a:cubicBezTo>
+                <a:lnTo>
+                  <a:pt x="12196" y="20"/>
+                </a:lnTo>
+                <a:cubicBezTo>
+                  <a:pt x="12131" y="7"/>
+                  <a:pt x="12066" y="0"/>
+                  <a:pt x="12003" y="0"/>
+                </a:cubicBezTo>
+                <a:close/>
+              </a:path>
+            </a:pathLst>
+          </a:custGeom>
+          <a:solidFill>
+            <a:schemeClr val="dk2"/>
+          </a:solidFill>
+          <a:ln>
+            <a:noFill/>
+          </a:ln>
+        </p:spPr>
+        <p:txBody>
+          <a:bodyPr spcFirstLastPara="1" wrap="square" lIns="91425" tIns="91425" rIns="91425" bIns="91425" anchor="ctr" anchorCtr="0">
+            <a:noAutofit/>
+          </a:bodyPr>
+          <a:lstStyle/>
+          <a:p>
+            <a:pPr marL="0" lvl="0" indent="0" algn="l" rtl="0">
+              <a:spcBef>
+                <a:spcPts val="0"/>
+              </a:spcBef>
+              <a:spcAft>
+                <a:spcPts val="0"/>
+              </a:spcAft>
+              <a:buNone/>
+            </a:pPr>
+            <a:endParaRPr/>
+          </a:p>
+        </p:txBody>
+      </p:sp>
+      <p:grpSp>
+        <p:nvGrpSpPr>
+          <p:cNvPr id="207" name="Google Shape;207;p23"/>
+          <p:cNvGrpSpPr/>
+          <p:nvPr/>
+        </p:nvGrpSpPr>
+        <p:grpSpPr>
+          <a:xfrm>
+            <a:off x="8246637" y="3622693"/>
+            <a:ext cx="811927" cy="753197"/>
+            <a:chOff x="4932662" y="2251593"/>
+            <a:chExt cx="811927" cy="753197"/>
+          </a:xfrm>
+        </p:grpSpPr>
+        <p:sp>
+          <p:nvSpPr>
+            <p:cNvPr id="208" name="Google Shape;208;p23"/>
+            <p:cNvSpPr/>
+            <p:nvPr/>
+          </p:nvSpPr>
+          <p:spPr>
+            <a:xfrm>
+              <a:off x="4932662" y="2251593"/>
+              <a:ext cx="811927" cy="753197"/>
+            </a:xfrm>
+            <a:custGeom>
+              <a:avLst/>
+              <a:gdLst/>
+              <a:ahLst/>
+              <a:cxnLst/>
+              <a:rect l="l" t="t" r="r" b="b"/>
+              <a:pathLst>
+                <a:path w="23889" h="22161" extrusionOk="0">
+                  <a:moveTo>
+                    <a:pt x="278" y="0"/>
+                  </a:moveTo>
+                  <a:cubicBezTo>
+                    <a:pt x="130" y="0"/>
+                    <a:pt x="0" y="122"/>
+                    <a:pt x="0" y="286"/>
+                  </a:cubicBezTo>
+                  <a:lnTo>
+                    <a:pt x="0" y="21874"/>
+                  </a:lnTo>
+                  <a:cubicBezTo>
+                    <a:pt x="0" y="22031"/>
+                    <a:pt x="122" y="22161"/>
+                    <a:pt x="278" y="22161"/>
+                  </a:cubicBezTo>
+                  <a:lnTo>
+                    <a:pt x="23610" y="22161"/>
+                  </a:lnTo>
+                  <a:cubicBezTo>
+                    <a:pt x="23758" y="22161"/>
+                    <a:pt x="23888" y="22031"/>
+                    <a:pt x="23888" y="21874"/>
+                  </a:cubicBezTo>
+                  <a:lnTo>
+                    <a:pt x="23888" y="286"/>
+                  </a:lnTo>
+                  <a:cubicBezTo>
+                    <a:pt x="23888" y="130"/>
+                    <a:pt x="23775" y="0"/>
+                    <a:pt x="23610" y="0"/>
+                  </a:cubicBezTo>
+                  <a:close/>
+                </a:path>
+              </a:pathLst>
+            </a:custGeom>
+            <a:solidFill>
+              <a:schemeClr val="lt2"/>
+            </a:solidFill>
+            <a:ln>
+              <a:noFill/>
+            </a:ln>
+          </p:spPr>
+          <p:txBody>
+            <a:bodyPr spcFirstLastPara="1" wrap="square" lIns="91425" tIns="91425" rIns="91425" bIns="91425" anchor="ctr" anchorCtr="0">
+              <a:noAutofit/>
+            </a:bodyPr>
+            <a:lstStyle/>
+            <a:p>
+              <a:pPr marL="0" lvl="0" indent="0" algn="l" rtl="0">
+                <a:spcBef>
+                  <a:spcPts val="0"/>
+                </a:spcBef>
+                <a:spcAft>
+                  <a:spcPts val="0"/>
+                </a:spcAft>
+                <a:buNone/>
+              </a:pPr>
+              <a:endParaRPr/>
+            </a:p>
+          </p:txBody>
+        </p:sp>
+        <p:sp>
+          <p:nvSpPr>
+            <p:cNvPr id="209" name="Google Shape;209;p23"/>
+            <p:cNvSpPr/>
+            <p:nvPr/>
+          </p:nvSpPr>
+          <p:spPr>
+            <a:xfrm>
+              <a:off x="4968044" y="2360729"/>
+              <a:ext cx="740826" cy="592436"/>
+            </a:xfrm>
+            <a:custGeom>
+              <a:avLst/>
+              <a:gdLst/>
+              <a:ahLst/>
+              <a:cxnLst/>
+              <a:rect l="l" t="t" r="r" b="b"/>
+              <a:pathLst>
+                <a:path w="21797" h="17431" extrusionOk="0">
+                  <a:moveTo>
+                    <a:pt x="209" y="1"/>
+                  </a:moveTo>
+                  <a:cubicBezTo>
+                    <a:pt x="96" y="1"/>
+                    <a:pt x="1" y="88"/>
+                    <a:pt x="1" y="209"/>
+                  </a:cubicBezTo>
+                  <a:lnTo>
+                    <a:pt x="1" y="17222"/>
+                  </a:lnTo>
+                  <a:cubicBezTo>
+                    <a:pt x="1" y="17335"/>
+                    <a:pt x="88" y="17431"/>
+                    <a:pt x="209" y="17431"/>
+                  </a:cubicBezTo>
+                  <a:lnTo>
+                    <a:pt x="21588" y="17431"/>
+                  </a:lnTo>
+                  <a:cubicBezTo>
+                    <a:pt x="21710" y="17431"/>
+                    <a:pt x="21797" y="17335"/>
+                    <a:pt x="21797" y="17222"/>
+                  </a:cubicBezTo>
+                  <a:lnTo>
+                    <a:pt x="21797" y="209"/>
+                  </a:lnTo>
+                  <a:cubicBezTo>
+                    <a:pt x="21797" y="105"/>
+                    <a:pt x="21710" y="1"/>
+                    <a:pt x="21588" y="1"/>
+                  </a:cubicBezTo>
+                  <a:close/>
+                </a:path>
+              </a:pathLst>
+            </a:custGeom>
+            <a:solidFill>
+              <a:schemeClr val="lt1"/>
+            </a:solidFill>
+            <a:ln>
+              <a:noFill/>
+            </a:ln>
+          </p:spPr>
+          <p:txBody>
+            <a:bodyPr spcFirstLastPara="1" wrap="square" lIns="91425" tIns="91425" rIns="91425" bIns="91425" anchor="ctr" anchorCtr="0">
+              <a:noAutofit/>
+            </a:bodyPr>
+            <a:lstStyle/>
+            <a:p>
+              <a:pPr marL="0" lvl="0" indent="0" algn="l" rtl="0">
+                <a:spcBef>
+                  <a:spcPts val="0"/>
+                </a:spcBef>
+                <a:spcAft>
+                  <a:spcPts val="0"/>
+                </a:spcAft>
+                <a:buNone/>
+              </a:pPr>
+              <a:endParaRPr/>
+            </a:p>
+          </p:txBody>
+        </p:sp>
+        <p:sp>
+          <p:nvSpPr>
+            <p:cNvPr id="210" name="Google Shape;210;p23"/>
+            <p:cNvSpPr/>
+            <p:nvPr/>
+          </p:nvSpPr>
+          <p:spPr>
+            <a:xfrm>
+              <a:off x="4981334" y="2284901"/>
+              <a:ext cx="41907" cy="41941"/>
+            </a:xfrm>
+            <a:custGeom>
+              <a:avLst/>
+              <a:gdLst/>
+              <a:ahLst/>
+              <a:cxnLst/>
+              <a:rect l="l" t="t" r="r" b="b"/>
+              <a:pathLst>
+                <a:path w="1233" h="1234" extrusionOk="0">
+                  <a:moveTo>
+                    <a:pt x="617" y="1"/>
+                  </a:moveTo>
+                  <a:cubicBezTo>
+                    <a:pt x="278" y="1"/>
+                    <a:pt x="0" y="270"/>
+                    <a:pt x="0" y="617"/>
+                  </a:cubicBezTo>
+                  <a:cubicBezTo>
+                    <a:pt x="0" y="956"/>
+                    <a:pt x="269" y="1234"/>
+                    <a:pt x="617" y="1234"/>
+                  </a:cubicBezTo>
+                  <a:cubicBezTo>
+                    <a:pt x="955" y="1234"/>
+                    <a:pt x="1233" y="964"/>
+                    <a:pt x="1233" y="617"/>
+                  </a:cubicBezTo>
+                  <a:cubicBezTo>
+                    <a:pt x="1233" y="279"/>
+                    <a:pt x="955" y="1"/>
+                    <a:pt x="617" y="1"/>
+                  </a:cubicBezTo>
+                  <a:close/>
+                </a:path>
+              </a:pathLst>
+            </a:custGeom>
+            <a:solidFill>
+              <a:schemeClr val="accent1"/>
+            </a:solidFill>
+            <a:ln>
+              <a:noFill/>
+            </a:ln>
+          </p:spPr>
+          <p:txBody>
+            <a:bodyPr spcFirstLastPara="1" wrap="square" lIns="91425" tIns="91425" rIns="91425" bIns="91425" anchor="ctr" anchorCtr="0">
+              <a:noAutofit/>
+            </a:bodyPr>
+            <a:lstStyle/>
+            <a:p>
+              <a:pPr marL="0" lvl="0" indent="0" algn="l" rtl="0">
+                <a:spcBef>
+                  <a:spcPts val="0"/>
+                </a:spcBef>
+                <a:spcAft>
+                  <a:spcPts val="0"/>
+                </a:spcAft>
+                <a:buNone/>
+              </a:pPr>
+              <a:endParaRPr/>
+            </a:p>
+          </p:txBody>
+        </p:sp>
+        <p:sp>
+          <p:nvSpPr>
+            <p:cNvPr id="211" name="Google Shape;211;p23"/>
+            <p:cNvSpPr/>
+            <p:nvPr/>
+          </p:nvSpPr>
+          <p:spPr>
+            <a:xfrm>
+              <a:off x="5052709" y="2284901"/>
+              <a:ext cx="42246" cy="41941"/>
+            </a:xfrm>
+            <a:custGeom>
+              <a:avLst/>
+              <a:gdLst/>
+              <a:ahLst/>
+              <a:cxnLst/>
+              <a:rect l="l" t="t" r="r" b="b"/>
+              <a:pathLst>
+                <a:path w="1243" h="1234" extrusionOk="0">
+                  <a:moveTo>
+                    <a:pt x="617" y="1"/>
+                  </a:moveTo>
+                  <a:cubicBezTo>
+                    <a:pt x="279" y="1"/>
+                    <a:pt x="1" y="279"/>
+                    <a:pt x="1" y="617"/>
+                  </a:cubicBezTo>
+                  <a:cubicBezTo>
+                    <a:pt x="1" y="956"/>
+                    <a:pt x="279" y="1234"/>
+                    <a:pt x="617" y="1234"/>
+                  </a:cubicBezTo>
+                  <a:cubicBezTo>
+                    <a:pt x="964" y="1234"/>
+                    <a:pt x="1242" y="956"/>
+                    <a:pt x="1242" y="617"/>
+                  </a:cubicBezTo>
+                  <a:cubicBezTo>
+                    <a:pt x="1242" y="279"/>
+                    <a:pt x="964" y="1"/>
+                    <a:pt x="617" y="1"/>
+                  </a:cubicBezTo>
+                  <a:close/>
+                </a:path>
+              </a:pathLst>
+            </a:custGeom>
+            <a:solidFill>
+              <a:schemeClr val="accent1"/>
+            </a:solidFill>
+            <a:ln>
+              <a:noFill/>
+            </a:ln>
+          </p:spPr>
+          <p:txBody>
+            <a:bodyPr spcFirstLastPara="1" wrap="square" lIns="91425" tIns="91425" rIns="91425" bIns="91425" anchor="ctr" anchorCtr="0">
+              <a:noAutofit/>
+            </a:bodyPr>
+            <a:lstStyle/>
+            <a:p>
+              <a:pPr marL="0" lvl="0" indent="0" algn="l" rtl="0">
+                <a:spcBef>
+                  <a:spcPts val="0"/>
+                </a:spcBef>
+                <a:spcAft>
+                  <a:spcPts val="0"/>
+                </a:spcAft>
+                <a:buNone/>
+              </a:pPr>
+              <a:endParaRPr/>
+            </a:p>
+          </p:txBody>
+        </p:sp>
+        <p:sp>
+          <p:nvSpPr>
+            <p:cNvPr id="212" name="Google Shape;212;p23"/>
+            <p:cNvSpPr/>
+            <p:nvPr/>
+          </p:nvSpPr>
+          <p:spPr>
+            <a:xfrm>
+              <a:off x="5124425" y="2284901"/>
+              <a:ext cx="41907" cy="41941"/>
+            </a:xfrm>
+            <a:custGeom>
+              <a:avLst/>
+              <a:gdLst/>
+              <a:ahLst/>
+              <a:cxnLst/>
+              <a:rect l="l" t="t" r="r" b="b"/>
+              <a:pathLst>
+                <a:path w="1233" h="1234" extrusionOk="0">
+                  <a:moveTo>
+                    <a:pt x="617" y="1"/>
+                  </a:moveTo>
+                  <a:cubicBezTo>
+                    <a:pt x="278" y="1"/>
+                    <a:pt x="0" y="279"/>
+                    <a:pt x="0" y="617"/>
+                  </a:cubicBezTo>
+                  <a:cubicBezTo>
+                    <a:pt x="0" y="956"/>
+                    <a:pt x="278" y="1234"/>
+                    <a:pt x="617" y="1234"/>
+                  </a:cubicBezTo>
+                  <a:cubicBezTo>
+                    <a:pt x="955" y="1234"/>
+                    <a:pt x="1233" y="956"/>
+                    <a:pt x="1233" y="617"/>
+                  </a:cubicBezTo>
+                  <a:cubicBezTo>
+                    <a:pt x="1233" y="279"/>
+                    <a:pt x="955" y="1"/>
+                    <a:pt x="617" y="1"/>
+                  </a:cubicBezTo>
+                  <a:close/>
+                </a:path>
+              </a:pathLst>
+            </a:custGeom>
+            <a:solidFill>
+              <a:schemeClr val="accent1"/>
+            </a:solidFill>
+            <a:ln>
+              <a:noFill/>
+            </a:ln>
+          </p:spPr>
+          <p:txBody>
+            <a:bodyPr spcFirstLastPara="1" wrap="square" lIns="91425" tIns="91425" rIns="91425" bIns="91425" anchor="ctr" anchorCtr="0">
+              <a:noAutofit/>
+            </a:bodyPr>
+            <a:lstStyle/>
+            <a:p>
+              <a:pPr marL="0" lvl="0" indent="0" algn="l" rtl="0">
+                <a:spcBef>
+                  <a:spcPts val="0"/>
+                </a:spcBef>
+                <a:spcAft>
+                  <a:spcPts val="0"/>
+                </a:spcAft>
+                <a:buNone/>
+              </a:pPr>
+              <a:endParaRPr/>
+            </a:p>
+          </p:txBody>
+        </p:sp>
+      </p:grpSp>
+    </p:spTree>
+  </p:cSld>
+  <p:clrMapOvr>
+    <a:masterClrMapping/>
+  </p:clrMapOvr>
+</p:sld>
+</file>
+
+<file path=ppt/slides/slide4.xml><?xml version="1.0" encoding="utf-8"?>
+<p:sld xmlns:a="http://schemas.openxmlformats.org/drawingml/2006/main" xmlns:r="http://schemas.openxmlformats.org/officeDocument/2006/relationships" xmlns:p="http://schemas.openxmlformats.org/presentationml/2006/main">
+  <p:cSld>
+    <p:spTree>
+      <p:nvGrpSpPr>
+        <p:cNvPr id="1" name=""/>
+        <p:cNvGrpSpPr/>
+        <p:nvPr/>
+      </p:nvGrpSpPr>
+      <p:grpSpPr>
+        <a:xfrm>
+          <a:off x="0" y="0"/>
+          <a:ext cx="0" cy="0"/>
+          <a:chOff x="0" y="0"/>
+          <a:chExt cx="0" cy="0"/>
+        </a:xfrm>
+      </p:grpSpPr>
+      <p:sp>
+        <p:nvSpPr>
+          <p:cNvPr id="2" name="Заголовок 1">
+            <a:extLst>
+              <a:ext uri="{FF2B5EF4-FFF2-40B4-BE49-F238E27FC236}">
+                <a16:creationId xmlns:a16="http://schemas.microsoft.com/office/drawing/2014/main" id="{592B691E-E843-3755-B243-F52092AE250D}"/>
+              </a:ext>
+            </a:extLst>
+          </p:cNvPr>
+          <p:cNvSpPr>
+            <a:spLocks noGrp="1"/>
+          </p:cNvSpPr>
+          <p:nvPr>
+            <p:ph type="title"/>
+          </p:nvPr>
+        </p:nvSpPr>
+        <p:spPr/>
+        <p:txBody>
+          <a:bodyPr/>
+          <a:lstStyle/>
+          <a:p>
+            <a:r>
+              <a:rPr lang="ru-RU" dirty="0"/>
+              <a:t>Организованная сеть</a:t>
+            </a:r>
+          </a:p>
+        </p:txBody>
+      </p:sp>
+      <p:pic>
+        <p:nvPicPr>
+          <p:cNvPr id="4" name="Рисунок 3" descr="Изображение выглядит как снимок экрана, синий, вода, дизайн&#10;&#10;Автоматически созданное описание">
+            <a:extLst>
+              <a:ext uri="{FF2B5EF4-FFF2-40B4-BE49-F238E27FC236}">
+                <a16:creationId xmlns:a16="http://schemas.microsoft.com/office/drawing/2014/main" id="{B54CD3A3-A662-19F7-596D-68F73B2F7CD5}"/>
+              </a:ext>
+            </a:extLst>
+          </p:cNvPr>
+          <p:cNvPicPr>
+            <a:picLocks noChangeAspect="1"/>
+          </p:cNvPicPr>
+          <p:nvPr/>
+        </p:nvPicPr>
+        <p:blipFill>
+          <a:blip r:embed="rId2"/>
+          <a:stretch>
+            <a:fillRect/>
+          </a:stretch>
+        </p:blipFill>
+        <p:spPr>
+          <a:xfrm>
+            <a:off x="1835735" y="971845"/>
+            <a:ext cx="4883846" cy="3537138"/>
+          </a:xfrm>
+          <a:prstGeom prst="rect">
+            <a:avLst/>
+          </a:prstGeom>
+        </p:spPr>
+      </p:pic>
+    </p:spTree>
+    <p:extLst>
+      <p:ext uri="{BB962C8B-B14F-4D97-AF65-F5344CB8AC3E}">
+        <p14:creationId xmlns:p14="http://schemas.microsoft.com/office/powerpoint/2010/main" val="3559211021"/>
+      </p:ext>
+    </p:extLst>
+  </p:cSld>
+  <p:clrMapOvr>
+    <a:masterClrMapping/>
+  </p:clrMapOvr>
+</p:sld>
+</file>
+
+<file path=ppt/slides/slide5.xml><?xml version="1.0" encoding="utf-8"?>
+<p:sld xmlns:a="http://schemas.openxmlformats.org/drawingml/2006/main" xmlns:r="http://schemas.openxmlformats.org/officeDocument/2006/relationships" xmlns:p="http://schemas.openxmlformats.org/presentationml/2006/main">
+  <p:cSld>
+    <p:spTree>
+      <p:nvGrpSpPr>
+        <p:cNvPr id="1" name="Shape 218"/>
+        <p:cNvGrpSpPr/>
+        <p:nvPr/>
+      </p:nvGrpSpPr>
+      <p:grpSpPr>
+        <a:xfrm>
+          <a:off x="0" y="0"/>
+          <a:ext cx="0" cy="0"/>
+          <a:chOff x="0" y="0"/>
+          <a:chExt cx="0" cy="0"/>
+        </a:xfrm>
+      </p:grpSpPr>
+      <p:sp>
+        <p:nvSpPr>
+          <p:cNvPr id="219" name="Google Shape;219;p24"/>
+          <p:cNvSpPr/>
+          <p:nvPr/>
+        </p:nvSpPr>
+        <p:spPr>
+          <a:xfrm>
+            <a:off x="8253375" y="428100"/>
+            <a:ext cx="601973" cy="596912"/>
+          </a:xfrm>
+          <a:custGeom>
+            <a:avLst/>
+            <a:gdLst/>
+            <a:ahLst/>
+            <a:cxnLst/>
+            <a:rect l="l" t="t" r="r" b="b"/>
+            <a:pathLst>
+              <a:path w="21172" h="20994" extrusionOk="0">
+                <a:moveTo>
+                  <a:pt x="10557" y="5287"/>
+                </a:moveTo>
+                <a:cubicBezTo>
+                  <a:pt x="10729" y="5287"/>
+                  <a:pt x="10902" y="5296"/>
+                  <a:pt x="11076" y="5315"/>
+                </a:cubicBezTo>
+                <a:cubicBezTo>
+                  <a:pt x="14279" y="5662"/>
+                  <a:pt x="16345" y="8822"/>
+                  <a:pt x="15373" y="11877"/>
+                </a:cubicBezTo>
+                <a:cubicBezTo>
+                  <a:pt x="14714" y="13983"/>
+                  <a:pt x="12722" y="15412"/>
+                  <a:pt x="10550" y="15412"/>
+                </a:cubicBezTo>
+                <a:cubicBezTo>
+                  <a:pt x="10376" y="15412"/>
+                  <a:pt x="10201" y="15403"/>
+                  <a:pt x="10026" y="15384"/>
+                </a:cubicBezTo>
+                <a:cubicBezTo>
+                  <a:pt x="6823" y="15037"/>
+                  <a:pt x="4766" y="11877"/>
+                  <a:pt x="5729" y="8822"/>
+                </a:cubicBezTo>
+                <a:cubicBezTo>
+                  <a:pt x="6397" y="6723"/>
+                  <a:pt x="8390" y="5287"/>
+                  <a:pt x="10557" y="5287"/>
+                </a:cubicBezTo>
+                <a:close/>
+                <a:moveTo>
+                  <a:pt x="12003" y="0"/>
+                </a:moveTo>
+                <a:cubicBezTo>
+                  <a:pt x="11564" y="0"/>
+                  <a:pt x="11175" y="302"/>
+                  <a:pt x="11076" y="749"/>
+                </a:cubicBezTo>
+                <a:lnTo>
+                  <a:pt x="10903" y="1582"/>
+                </a:lnTo>
+                <a:cubicBezTo>
+                  <a:pt x="10842" y="1921"/>
+                  <a:pt x="10547" y="2155"/>
+                  <a:pt x="10199" y="2181"/>
+                </a:cubicBezTo>
+                <a:cubicBezTo>
+                  <a:pt x="9366" y="2216"/>
+                  <a:pt x="8542" y="2372"/>
+                  <a:pt x="7769" y="2659"/>
+                </a:cubicBezTo>
+                <a:cubicBezTo>
+                  <a:pt x="7686" y="2690"/>
+                  <a:pt x="7599" y="2705"/>
+                  <a:pt x="7513" y="2705"/>
+                </a:cubicBezTo>
+                <a:cubicBezTo>
+                  <a:pt x="7267" y="2705"/>
+                  <a:pt x="7027" y="2582"/>
+                  <a:pt x="6892" y="2364"/>
+                </a:cubicBezTo>
+                <a:lnTo>
+                  <a:pt x="6450" y="1678"/>
+                </a:lnTo>
+                <a:cubicBezTo>
+                  <a:pt x="6268" y="1403"/>
+                  <a:pt x="5969" y="1257"/>
+                  <a:pt x="5664" y="1257"/>
+                </a:cubicBezTo>
+                <a:cubicBezTo>
+                  <a:pt x="5487" y="1257"/>
+                  <a:pt x="5307" y="1307"/>
+                  <a:pt x="5148" y="1409"/>
+                </a:cubicBezTo>
+                <a:lnTo>
+                  <a:pt x="4323" y="1956"/>
+                </a:lnTo>
+                <a:cubicBezTo>
+                  <a:pt x="3889" y="2233"/>
+                  <a:pt x="3767" y="2824"/>
+                  <a:pt x="4045" y="3258"/>
+                </a:cubicBezTo>
+                <a:lnTo>
+                  <a:pt x="4852" y="4482"/>
+                </a:lnTo>
+                <a:cubicBezTo>
+                  <a:pt x="4132" y="5176"/>
+                  <a:pt x="3542" y="6009"/>
+                  <a:pt x="3116" y="6947"/>
+                </a:cubicBezTo>
+                <a:cubicBezTo>
+                  <a:pt x="2998" y="7213"/>
+                  <a:pt x="2728" y="7379"/>
+                  <a:pt x="2441" y="7379"/>
+                </a:cubicBezTo>
+                <a:cubicBezTo>
+                  <a:pt x="2392" y="7379"/>
+                  <a:pt x="2342" y="7374"/>
+                  <a:pt x="2292" y="7363"/>
+                </a:cubicBezTo>
+                <a:lnTo>
+                  <a:pt x="1432" y="7190"/>
+                </a:lnTo>
+                <a:cubicBezTo>
+                  <a:pt x="1367" y="7177"/>
+                  <a:pt x="1303" y="7170"/>
+                  <a:pt x="1239" y="7170"/>
+                </a:cubicBezTo>
+                <a:cubicBezTo>
+                  <a:pt x="801" y="7170"/>
+                  <a:pt x="411" y="7472"/>
+                  <a:pt x="313" y="7919"/>
+                </a:cubicBezTo>
+                <a:lnTo>
+                  <a:pt x="113" y="8882"/>
+                </a:lnTo>
+                <a:cubicBezTo>
+                  <a:pt x="0" y="9395"/>
+                  <a:pt x="330" y="9898"/>
+                  <a:pt x="833" y="10002"/>
+                </a:cubicBezTo>
+                <a:lnTo>
+                  <a:pt x="1788" y="10202"/>
+                </a:lnTo>
+                <a:cubicBezTo>
+                  <a:pt x="2118" y="10263"/>
+                  <a:pt x="2353" y="10549"/>
+                  <a:pt x="2379" y="10879"/>
+                </a:cubicBezTo>
+                <a:cubicBezTo>
+                  <a:pt x="2431" y="11686"/>
+                  <a:pt x="2604" y="12467"/>
+                  <a:pt x="2873" y="13205"/>
+                </a:cubicBezTo>
+                <a:cubicBezTo>
+                  <a:pt x="2995" y="13526"/>
+                  <a:pt x="2873" y="13900"/>
+                  <a:pt x="2587" y="14091"/>
+                </a:cubicBezTo>
+                <a:lnTo>
+                  <a:pt x="1762" y="14637"/>
+                </a:lnTo>
+                <a:cubicBezTo>
+                  <a:pt x="1328" y="14915"/>
+                  <a:pt x="1207" y="15505"/>
+                  <a:pt x="1484" y="15940"/>
+                </a:cubicBezTo>
+                <a:lnTo>
+                  <a:pt x="2031" y="16764"/>
+                </a:lnTo>
+                <a:cubicBezTo>
+                  <a:pt x="2207" y="17039"/>
+                  <a:pt x="2508" y="17185"/>
+                  <a:pt x="2815" y="17185"/>
+                </a:cubicBezTo>
+                <a:cubicBezTo>
+                  <a:pt x="2993" y="17185"/>
+                  <a:pt x="3174" y="17135"/>
+                  <a:pt x="3333" y="17033"/>
+                </a:cubicBezTo>
+                <a:lnTo>
+                  <a:pt x="4253" y="16426"/>
+                </a:lnTo>
+                <a:cubicBezTo>
+                  <a:pt x="4378" y="16346"/>
+                  <a:pt x="4518" y="16308"/>
+                  <a:pt x="4656" y="16308"/>
+                </a:cubicBezTo>
+                <a:cubicBezTo>
+                  <a:pt x="4836" y="16308"/>
+                  <a:pt x="5014" y="16372"/>
+                  <a:pt x="5156" y="16495"/>
+                </a:cubicBezTo>
+                <a:cubicBezTo>
+                  <a:pt x="5729" y="16990"/>
+                  <a:pt x="6371" y="17415"/>
+                  <a:pt x="7075" y="17745"/>
+                </a:cubicBezTo>
+                <a:cubicBezTo>
+                  <a:pt x="7387" y="17901"/>
+                  <a:pt x="7561" y="18240"/>
+                  <a:pt x="7491" y="18570"/>
+                </a:cubicBezTo>
+                <a:lnTo>
+                  <a:pt x="7257" y="19646"/>
+                </a:lnTo>
+                <a:cubicBezTo>
+                  <a:pt x="7153" y="20158"/>
+                  <a:pt x="7474" y="20653"/>
+                  <a:pt x="7986" y="20766"/>
+                </a:cubicBezTo>
+                <a:lnTo>
+                  <a:pt x="8950" y="20974"/>
+                </a:lnTo>
+                <a:cubicBezTo>
+                  <a:pt x="9014" y="20987"/>
+                  <a:pt x="9079" y="20994"/>
+                  <a:pt x="9143" y="20994"/>
+                </a:cubicBezTo>
+                <a:cubicBezTo>
+                  <a:pt x="9583" y="20994"/>
+                  <a:pt x="9978" y="20692"/>
+                  <a:pt x="10069" y="20245"/>
+                </a:cubicBezTo>
+                <a:lnTo>
+                  <a:pt x="10312" y="19108"/>
+                </a:lnTo>
+                <a:cubicBezTo>
+                  <a:pt x="10373" y="18778"/>
+                  <a:pt x="10660" y="18526"/>
+                  <a:pt x="10989" y="18518"/>
+                </a:cubicBezTo>
+                <a:cubicBezTo>
+                  <a:pt x="11753" y="18474"/>
+                  <a:pt x="12500" y="18327"/>
+                  <a:pt x="13203" y="18075"/>
+                </a:cubicBezTo>
+                <a:cubicBezTo>
+                  <a:pt x="13285" y="18047"/>
+                  <a:pt x="13369" y="18033"/>
+                  <a:pt x="13452" y="18033"/>
+                </a:cubicBezTo>
+                <a:cubicBezTo>
+                  <a:pt x="13700" y="18033"/>
+                  <a:pt x="13934" y="18155"/>
+                  <a:pt x="14071" y="18370"/>
+                </a:cubicBezTo>
+                <a:lnTo>
+                  <a:pt x="14696" y="19325"/>
+                </a:lnTo>
+                <a:cubicBezTo>
+                  <a:pt x="14872" y="19599"/>
+                  <a:pt x="15172" y="19745"/>
+                  <a:pt x="15479" y="19745"/>
+                </a:cubicBezTo>
+                <a:cubicBezTo>
+                  <a:pt x="15658" y="19745"/>
+                  <a:pt x="15838" y="19696"/>
+                  <a:pt x="15998" y="19594"/>
+                </a:cubicBezTo>
+                <a:lnTo>
+                  <a:pt x="16822" y="19047"/>
+                </a:lnTo>
+                <a:cubicBezTo>
+                  <a:pt x="17257" y="18769"/>
+                  <a:pt x="17369" y="18179"/>
+                  <a:pt x="17092" y="17745"/>
+                </a:cubicBezTo>
+                <a:lnTo>
+                  <a:pt x="16458" y="16790"/>
+                </a:lnTo>
+                <a:cubicBezTo>
+                  <a:pt x="16276" y="16512"/>
+                  <a:pt x="16310" y="16130"/>
+                  <a:pt x="16536" y="15879"/>
+                </a:cubicBezTo>
+                <a:cubicBezTo>
+                  <a:pt x="17048" y="15332"/>
+                  <a:pt x="17482" y="14690"/>
+                  <a:pt x="17829" y="13995"/>
+                </a:cubicBezTo>
+                <a:cubicBezTo>
+                  <a:pt x="17954" y="13738"/>
+                  <a:pt x="18216" y="13580"/>
+                  <a:pt x="18494" y="13580"/>
+                </a:cubicBezTo>
+                <a:cubicBezTo>
+                  <a:pt x="18544" y="13580"/>
+                  <a:pt x="18595" y="13585"/>
+                  <a:pt x="18645" y="13596"/>
+                </a:cubicBezTo>
+                <a:lnTo>
+                  <a:pt x="19704" y="13813"/>
+                </a:lnTo>
+                <a:cubicBezTo>
+                  <a:pt x="19770" y="13824"/>
+                  <a:pt x="19835" y="13830"/>
+                  <a:pt x="19899" y="13830"/>
+                </a:cubicBezTo>
+                <a:cubicBezTo>
+                  <a:pt x="20372" y="13830"/>
+                  <a:pt x="20767" y="13527"/>
+                  <a:pt x="20859" y="13075"/>
+                </a:cubicBezTo>
+                <a:lnTo>
+                  <a:pt x="21058" y="12103"/>
+                </a:lnTo>
+                <a:cubicBezTo>
+                  <a:pt x="21171" y="11599"/>
+                  <a:pt x="20841" y="11096"/>
+                  <a:pt x="20338" y="10992"/>
+                </a:cubicBezTo>
+                <a:lnTo>
+                  <a:pt x="19314" y="10775"/>
+                </a:lnTo>
+                <a:cubicBezTo>
+                  <a:pt x="18975" y="10705"/>
+                  <a:pt x="18741" y="10419"/>
+                  <a:pt x="18732" y="10063"/>
+                </a:cubicBezTo>
+                <a:cubicBezTo>
+                  <a:pt x="18706" y="9264"/>
+                  <a:pt x="18559" y="8483"/>
+                  <a:pt x="18307" y="7745"/>
+                </a:cubicBezTo>
+                <a:cubicBezTo>
+                  <a:pt x="18194" y="7424"/>
+                  <a:pt x="18315" y="7068"/>
+                  <a:pt x="18593" y="6886"/>
+                </a:cubicBezTo>
+                <a:lnTo>
+                  <a:pt x="19401" y="6357"/>
+                </a:lnTo>
+                <a:cubicBezTo>
+                  <a:pt x="19835" y="6079"/>
+                  <a:pt x="19956" y="5488"/>
+                  <a:pt x="19670" y="5054"/>
+                </a:cubicBezTo>
+                <a:lnTo>
+                  <a:pt x="19131" y="4230"/>
+                </a:lnTo>
+                <a:cubicBezTo>
+                  <a:pt x="18950" y="3955"/>
+                  <a:pt x="18650" y="3806"/>
+                  <a:pt x="18345" y="3806"/>
+                </a:cubicBezTo>
+                <a:cubicBezTo>
+                  <a:pt x="18168" y="3806"/>
+                  <a:pt x="17989" y="3856"/>
+                  <a:pt x="17829" y="3961"/>
+                </a:cubicBezTo>
+                <a:lnTo>
+                  <a:pt x="17057" y="4473"/>
+                </a:lnTo>
+                <a:cubicBezTo>
+                  <a:pt x="16930" y="4551"/>
+                  <a:pt x="16789" y="4590"/>
+                  <a:pt x="16650" y="4590"/>
+                </a:cubicBezTo>
+                <a:cubicBezTo>
+                  <a:pt x="16467" y="4590"/>
+                  <a:pt x="16285" y="4523"/>
+                  <a:pt x="16137" y="4395"/>
+                </a:cubicBezTo>
+                <a:cubicBezTo>
+                  <a:pt x="15546" y="3839"/>
+                  <a:pt x="14869" y="3370"/>
+                  <a:pt x="14114" y="3006"/>
+                </a:cubicBezTo>
+                <a:cubicBezTo>
+                  <a:pt x="13810" y="2850"/>
+                  <a:pt x="13637" y="2520"/>
+                  <a:pt x="13715" y="2181"/>
+                </a:cubicBezTo>
+                <a:lnTo>
+                  <a:pt x="13889" y="1348"/>
+                </a:lnTo>
+                <a:cubicBezTo>
+                  <a:pt x="14001" y="836"/>
+                  <a:pt x="13672" y="332"/>
+                  <a:pt x="13159" y="228"/>
+                </a:cubicBezTo>
+                <a:lnTo>
+                  <a:pt x="12196" y="20"/>
+                </a:lnTo>
+                <a:cubicBezTo>
+                  <a:pt x="12131" y="7"/>
+                  <a:pt x="12066" y="0"/>
+                  <a:pt x="12003" y="0"/>
+                </a:cubicBezTo>
+                <a:close/>
+              </a:path>
+            </a:pathLst>
+          </a:custGeom>
+          <a:solidFill>
+            <a:schemeClr val="dk2"/>
+          </a:solidFill>
+          <a:ln>
+            <a:noFill/>
+          </a:ln>
+        </p:spPr>
+        <p:txBody>
+          <a:bodyPr spcFirstLastPara="1" wrap="square" lIns="91425" tIns="91425" rIns="91425" bIns="91425" anchor="ctr" anchorCtr="0">
+            <a:noAutofit/>
+          </a:bodyPr>
+          <a:lstStyle/>
+          <a:p>
+            <a:pPr marL="0" lvl="0" indent="0" algn="l" rtl="0">
+              <a:spcBef>
+                <a:spcPts val="0"/>
+              </a:spcBef>
+              <a:spcAft>
+                <a:spcPts val="0"/>
+              </a:spcAft>
+              <a:buNone/>
+            </a:pPr>
+            <a:endParaRPr/>
+          </a:p>
+        </p:txBody>
+      </p:sp>
+      <p:grpSp>
+        <p:nvGrpSpPr>
+          <p:cNvPr id="220" name="Google Shape;220;p24"/>
+          <p:cNvGrpSpPr/>
+          <p:nvPr/>
+        </p:nvGrpSpPr>
+        <p:grpSpPr>
+          <a:xfrm flipH="1">
+            <a:off x="8553471" y="74793"/>
+            <a:ext cx="508385" cy="644675"/>
+            <a:chOff x="4859771" y="3053445"/>
+            <a:chExt cx="508385" cy="644675"/>
+          </a:xfrm>
+        </p:grpSpPr>
+        <p:sp>
+          <p:nvSpPr>
+            <p:cNvPr id="221" name="Google Shape;221;p24"/>
+            <p:cNvSpPr/>
+            <p:nvPr/>
+          </p:nvSpPr>
+          <p:spPr>
+            <a:xfrm>
+              <a:off x="4859771" y="3053445"/>
+              <a:ext cx="508385" cy="644675"/>
+            </a:xfrm>
+            <a:custGeom>
+              <a:avLst/>
+              <a:gdLst/>
+              <a:ahLst/>
+              <a:cxnLst/>
+              <a:rect l="l" t="t" r="r" b="b"/>
+              <a:pathLst>
+                <a:path w="14958" h="18968" extrusionOk="0">
+                  <a:moveTo>
+                    <a:pt x="1216" y="1"/>
+                  </a:moveTo>
+                  <a:cubicBezTo>
+                    <a:pt x="548" y="1"/>
+                    <a:pt x="1" y="609"/>
+                    <a:pt x="1" y="1346"/>
+                  </a:cubicBezTo>
+                  <a:lnTo>
+                    <a:pt x="1" y="17622"/>
+                  </a:lnTo>
+                  <a:cubicBezTo>
+                    <a:pt x="1" y="18368"/>
+                    <a:pt x="548" y="18967"/>
+                    <a:pt x="1216" y="18967"/>
+                  </a:cubicBezTo>
+                  <a:lnTo>
+                    <a:pt x="13742" y="18967"/>
+                  </a:lnTo>
+                  <a:cubicBezTo>
+                    <a:pt x="14410" y="18967"/>
+                    <a:pt x="14957" y="18368"/>
+                    <a:pt x="14957" y="17622"/>
+                  </a:cubicBezTo>
+                  <a:lnTo>
+                    <a:pt x="14957" y="3820"/>
+                  </a:lnTo>
+                  <a:lnTo>
+                    <a:pt x="11945" y="1"/>
+                  </a:lnTo>
+                  <a:close/>
+                </a:path>
+              </a:pathLst>
+            </a:custGeom>
+            <a:solidFill>
+              <a:schemeClr val="accent3"/>
+            </a:solidFill>
+            <a:ln>
+              <a:noFill/>
+            </a:ln>
+          </p:spPr>
+          <p:txBody>
+            <a:bodyPr spcFirstLastPara="1" wrap="square" lIns="91425" tIns="91425" rIns="91425" bIns="91425" anchor="ctr" anchorCtr="0">
+              <a:noAutofit/>
+            </a:bodyPr>
+            <a:lstStyle/>
+            <a:p>
+              <a:pPr marL="0" lvl="0" indent="0" algn="l" rtl="0">
+                <a:spcBef>
+                  <a:spcPts val="0"/>
+                </a:spcBef>
+                <a:spcAft>
+                  <a:spcPts val="0"/>
+                </a:spcAft>
+                <a:buNone/>
+              </a:pPr>
+              <a:endParaRPr/>
+            </a:p>
+          </p:txBody>
+        </p:sp>
+        <p:sp>
+          <p:nvSpPr>
+            <p:cNvPr id="222" name="Google Shape;222;p24"/>
+            <p:cNvSpPr/>
+            <p:nvPr/>
+          </p:nvSpPr>
+          <p:spPr>
+            <a:xfrm>
+              <a:off x="5265729" y="3053751"/>
+              <a:ext cx="101827" cy="130444"/>
+            </a:xfrm>
+            <a:custGeom>
+              <a:avLst/>
+              <a:gdLst/>
+              <a:ahLst/>
+              <a:cxnLst/>
+              <a:rect l="l" t="t" r="r" b="b"/>
+              <a:pathLst>
+                <a:path w="2996" h="3838" extrusionOk="0">
+                  <a:moveTo>
+                    <a:pt x="1" y="1"/>
+                  </a:moveTo>
+                  <a:lnTo>
+                    <a:pt x="1" y="2856"/>
+                  </a:lnTo>
+                  <a:cubicBezTo>
+                    <a:pt x="1" y="3395"/>
+                    <a:pt x="409" y="3837"/>
+                    <a:pt x="895" y="3837"/>
+                  </a:cubicBezTo>
+                  <a:lnTo>
+                    <a:pt x="2996" y="3820"/>
+                  </a:lnTo>
+                  <a:lnTo>
+                    <a:pt x="1" y="1"/>
+                  </a:lnTo>
+                  <a:close/>
+                </a:path>
+              </a:pathLst>
+            </a:custGeom>
+            <a:solidFill>
+              <a:schemeClr val="lt2"/>
+            </a:solidFill>
+            <a:ln>
+              <a:noFill/>
+            </a:ln>
+          </p:spPr>
+          <p:txBody>
+            <a:bodyPr spcFirstLastPara="1" wrap="square" lIns="91425" tIns="91425" rIns="91425" bIns="91425" anchor="ctr" anchorCtr="0">
+              <a:noAutofit/>
+            </a:bodyPr>
+            <a:lstStyle/>
+            <a:p>
+              <a:pPr marL="0" lvl="0" indent="0" algn="l" rtl="0">
+                <a:spcBef>
+                  <a:spcPts val="0"/>
+                </a:spcBef>
+                <a:spcAft>
+                  <a:spcPts val="0"/>
+                </a:spcAft>
+                <a:buNone/>
+              </a:pPr>
+              <a:endParaRPr/>
+            </a:p>
+          </p:txBody>
+        </p:sp>
+        <p:sp>
+          <p:nvSpPr>
+            <p:cNvPr id="223" name="Google Shape;223;p24"/>
+            <p:cNvSpPr/>
+            <p:nvPr/>
+          </p:nvSpPr>
+          <p:spPr>
+            <a:xfrm>
+              <a:off x="4961567" y="3237560"/>
+              <a:ext cx="304188" cy="26578"/>
+            </a:xfrm>
+            <a:custGeom>
+              <a:avLst/>
+              <a:gdLst/>
+              <a:ahLst/>
+              <a:cxnLst/>
+              <a:rect l="l" t="t" r="r" b="b"/>
+              <a:pathLst>
+                <a:path w="8950" h="782" extrusionOk="0">
+                  <a:moveTo>
+                    <a:pt x="1" y="0"/>
+                  </a:moveTo>
+                  <a:lnTo>
+                    <a:pt x="1" y="782"/>
+                  </a:lnTo>
+                  <a:lnTo>
+                    <a:pt x="8950" y="782"/>
+                  </a:lnTo>
+                  <a:lnTo>
+                    <a:pt x="8950" y="0"/>
+                  </a:lnTo>
+                  <a:close/>
+                </a:path>
+              </a:pathLst>
+            </a:custGeom>
+            <a:solidFill>
+              <a:schemeClr val="accent1"/>
+            </a:solidFill>
+            <a:ln>
+              <a:noFill/>
+            </a:ln>
+          </p:spPr>
+          <p:txBody>
+            <a:bodyPr spcFirstLastPara="1" wrap="square" lIns="91425" tIns="91425" rIns="91425" bIns="91425" anchor="ctr" anchorCtr="0">
+              <a:noAutofit/>
+            </a:bodyPr>
+            <a:lstStyle/>
+            <a:p>
+              <a:pPr marL="0" lvl="0" indent="0" algn="l" rtl="0">
+                <a:spcBef>
+                  <a:spcPts val="0"/>
+                </a:spcBef>
+                <a:spcAft>
+                  <a:spcPts val="0"/>
+                </a:spcAft>
+                <a:buNone/>
+              </a:pPr>
+              <a:endParaRPr/>
+            </a:p>
+          </p:txBody>
+        </p:sp>
+        <p:sp>
+          <p:nvSpPr>
+            <p:cNvPr id="224" name="Google Shape;224;p24"/>
+            <p:cNvSpPr/>
+            <p:nvPr/>
+          </p:nvSpPr>
+          <p:spPr>
+            <a:xfrm>
+              <a:off x="4961567" y="3300099"/>
+              <a:ext cx="304188" cy="26578"/>
+            </a:xfrm>
+            <a:custGeom>
+              <a:avLst/>
+              <a:gdLst/>
+              <a:ahLst/>
+              <a:cxnLst/>
+              <a:rect l="l" t="t" r="r" b="b"/>
+              <a:pathLst>
+                <a:path w="8950" h="782" extrusionOk="0">
+                  <a:moveTo>
+                    <a:pt x="1" y="1"/>
+                  </a:moveTo>
+                  <a:lnTo>
+                    <a:pt x="1" y="782"/>
+                  </a:lnTo>
+                  <a:lnTo>
+                    <a:pt x="8950" y="782"/>
+                  </a:lnTo>
+                  <a:lnTo>
+                    <a:pt x="8950" y="1"/>
+                  </a:lnTo>
+                  <a:close/>
+                </a:path>
+              </a:pathLst>
+            </a:custGeom>
+            <a:solidFill>
+              <a:schemeClr val="accent1"/>
+            </a:solidFill>
+            <a:ln>
+              <a:noFill/>
+            </a:ln>
+          </p:spPr>
+          <p:txBody>
+            <a:bodyPr spcFirstLastPara="1" wrap="square" lIns="91425" tIns="91425" rIns="91425" bIns="91425" anchor="ctr" anchorCtr="0">
+              <a:noAutofit/>
+            </a:bodyPr>
+            <a:lstStyle/>
+            <a:p>
+              <a:pPr marL="0" lvl="0" indent="0" algn="l" rtl="0">
+                <a:spcBef>
+                  <a:spcPts val="0"/>
+                </a:spcBef>
+                <a:spcAft>
+                  <a:spcPts val="0"/>
+                </a:spcAft>
+                <a:buNone/>
+              </a:pPr>
+              <a:endParaRPr/>
+            </a:p>
+          </p:txBody>
+        </p:sp>
+        <p:sp>
+          <p:nvSpPr>
+            <p:cNvPr id="225" name="Google Shape;225;p24"/>
+            <p:cNvSpPr/>
+            <p:nvPr/>
+          </p:nvSpPr>
+          <p:spPr>
+            <a:xfrm>
+              <a:off x="4961567" y="3362943"/>
+              <a:ext cx="304188" cy="26578"/>
+            </a:xfrm>
+            <a:custGeom>
+              <a:avLst/>
+              <a:gdLst/>
+              <a:ahLst/>
+              <a:cxnLst/>
+              <a:rect l="l" t="t" r="r" b="b"/>
+              <a:pathLst>
+                <a:path w="8950" h="782" extrusionOk="0">
+                  <a:moveTo>
+                    <a:pt x="1" y="1"/>
+                  </a:moveTo>
+                  <a:lnTo>
+                    <a:pt x="1" y="782"/>
+                  </a:lnTo>
+                  <a:lnTo>
+                    <a:pt x="8950" y="782"/>
+                  </a:lnTo>
+                  <a:lnTo>
+                    <a:pt x="8950" y="1"/>
+                  </a:lnTo>
+                  <a:close/>
+                </a:path>
+              </a:pathLst>
+            </a:custGeom>
+            <a:solidFill>
+              <a:schemeClr val="accent1"/>
+            </a:solidFill>
+            <a:ln>
+              <a:noFill/>
+            </a:ln>
+          </p:spPr>
+          <p:txBody>
+            <a:bodyPr spcFirstLastPara="1" wrap="square" lIns="91425" tIns="91425" rIns="91425" bIns="91425" anchor="ctr" anchorCtr="0">
+              <a:noAutofit/>
+            </a:bodyPr>
+            <a:lstStyle/>
+            <a:p>
+              <a:pPr marL="0" lvl="0" indent="0" algn="l" rtl="0">
+                <a:spcBef>
+                  <a:spcPts val="0"/>
+                </a:spcBef>
+                <a:spcAft>
+                  <a:spcPts val="0"/>
+                </a:spcAft>
+                <a:buNone/>
+              </a:pPr>
+              <a:endParaRPr/>
+            </a:p>
+          </p:txBody>
+        </p:sp>
+        <p:sp>
+          <p:nvSpPr>
+            <p:cNvPr id="226" name="Google Shape;226;p24"/>
+            <p:cNvSpPr/>
+            <p:nvPr/>
+          </p:nvSpPr>
+          <p:spPr>
+            <a:xfrm>
+              <a:off x="4961567" y="3425482"/>
+              <a:ext cx="304188" cy="26578"/>
+            </a:xfrm>
+            <a:custGeom>
+              <a:avLst/>
+              <a:gdLst/>
+              <a:ahLst/>
+              <a:cxnLst/>
+              <a:rect l="l" t="t" r="r" b="b"/>
+              <a:pathLst>
+                <a:path w="8950" h="782" extrusionOk="0">
+                  <a:moveTo>
+                    <a:pt x="1" y="1"/>
+                  </a:moveTo>
+                  <a:lnTo>
+                    <a:pt x="1" y="782"/>
+                  </a:lnTo>
+                  <a:lnTo>
+                    <a:pt x="8950" y="782"/>
+                  </a:lnTo>
+                  <a:lnTo>
+                    <a:pt x="8950" y="1"/>
+                  </a:lnTo>
+                  <a:close/>
+                </a:path>
+              </a:pathLst>
+            </a:custGeom>
+            <a:solidFill>
+              <a:schemeClr val="accent1"/>
+            </a:solidFill>
+            <a:ln>
+              <a:noFill/>
+            </a:ln>
+          </p:spPr>
+          <p:txBody>
+            <a:bodyPr spcFirstLastPara="1" wrap="square" lIns="91425" tIns="91425" rIns="91425" bIns="91425" anchor="ctr" anchorCtr="0">
+              <a:noAutofit/>
+            </a:bodyPr>
+            <a:lstStyle/>
+            <a:p>
+              <a:pPr marL="0" lvl="0" indent="0" algn="l" rtl="0">
+                <a:spcBef>
+                  <a:spcPts val="0"/>
+                </a:spcBef>
+                <a:spcAft>
+                  <a:spcPts val="0"/>
+                </a:spcAft>
+                <a:buNone/>
+              </a:pPr>
+              <a:endParaRPr/>
+            </a:p>
+          </p:txBody>
+        </p:sp>
+        <p:sp>
+          <p:nvSpPr>
+            <p:cNvPr id="227" name="Google Shape;227;p24"/>
+            <p:cNvSpPr/>
+            <p:nvPr/>
+          </p:nvSpPr>
+          <p:spPr>
+            <a:xfrm>
+              <a:off x="4961567" y="3487748"/>
+              <a:ext cx="304188" cy="26578"/>
+            </a:xfrm>
+            <a:custGeom>
+              <a:avLst/>
+              <a:gdLst/>
+              <a:ahLst/>
+              <a:cxnLst/>
+              <a:rect l="l" t="t" r="r" b="b"/>
+              <a:pathLst>
+                <a:path w="8950" h="782" extrusionOk="0">
+                  <a:moveTo>
+                    <a:pt x="1" y="0"/>
+                  </a:moveTo>
+                  <a:lnTo>
+                    <a:pt x="1" y="782"/>
+                  </a:lnTo>
+                  <a:lnTo>
+                    <a:pt x="8950" y="782"/>
+                  </a:lnTo>
+                  <a:lnTo>
+                    <a:pt x="8950" y="0"/>
+                  </a:lnTo>
+                  <a:close/>
+                </a:path>
+              </a:pathLst>
+            </a:custGeom>
+            <a:solidFill>
+              <a:schemeClr val="accent1"/>
+            </a:solidFill>
+            <a:ln>
+              <a:noFill/>
+            </a:ln>
+          </p:spPr>
+          <p:txBody>
+            <a:bodyPr spcFirstLastPara="1" wrap="square" lIns="91425" tIns="91425" rIns="91425" bIns="91425" anchor="ctr" anchorCtr="0">
+              <a:noAutofit/>
+            </a:bodyPr>
+            <a:lstStyle/>
+            <a:p>
+              <a:pPr marL="0" lvl="0" indent="0" algn="l" rtl="0">
+                <a:spcBef>
+                  <a:spcPts val="0"/>
+                </a:spcBef>
+                <a:spcAft>
+                  <a:spcPts val="0"/>
+                </a:spcAft>
+                <a:buNone/>
+              </a:pPr>
+              <a:endParaRPr/>
+            </a:p>
+          </p:txBody>
+        </p:sp>
+      </p:grpSp>
+      <p:sp>
+        <p:nvSpPr>
+          <p:cNvPr id="228" name="Google Shape;228;p24"/>
+          <p:cNvSpPr txBox="1">
+            <a:spLocks noGrp="1"/>
+          </p:cNvSpPr>
+          <p:nvPr>
+            <p:ph type="title"/>
+          </p:nvPr>
+        </p:nvSpPr>
+        <p:spPr>
+          <a:xfrm>
+            <a:off x="720000" y="331645"/>
+            <a:ext cx="7704000" cy="640200"/>
+          </a:xfrm>
+          <a:prstGeom prst="rect">
+            <a:avLst/>
+          </a:prstGeom>
+        </p:spPr>
+        <p:txBody>
+          <a:bodyPr spcFirstLastPara="1" wrap="square" lIns="91425" tIns="91425" rIns="91425" bIns="91425" anchor="t" anchorCtr="0">
+            <a:noAutofit/>
+          </a:bodyPr>
+          <a:lstStyle/>
+          <a:p>
+            <a:pPr marL="0" lvl="0" indent="0" algn="l" rtl="0">
+              <a:spcBef>
+                <a:spcPts val="0"/>
+              </a:spcBef>
+              <a:spcAft>
+                <a:spcPts val="0"/>
+              </a:spcAft>
+              <a:buNone/>
+            </a:pPr>
+            <a:r>
+              <a:rPr lang="ru-RU" dirty="0"/>
+              <a:t>Результаты</a:t>
+            </a:r>
+            <a:endParaRPr dirty="0"/>
+          </a:p>
+        </p:txBody>
+      </p:sp>
+      <p:sp>
+        <p:nvSpPr>
+          <p:cNvPr id="229" name="Google Shape;229;p24"/>
+          <p:cNvSpPr txBox="1"/>
+          <p:nvPr/>
+        </p:nvSpPr>
+        <p:spPr>
+          <a:xfrm>
+            <a:off x="3852000" y="1378318"/>
+            <a:ext cx="4572000" cy="3109791"/>
+          </a:xfrm>
+          <a:prstGeom prst="rect">
+            <a:avLst/>
+          </a:prstGeom>
+          <a:noFill/>
+          <a:ln>
+            <a:noFill/>
+          </a:ln>
+        </p:spPr>
+        <p:txBody>
+          <a:bodyPr spcFirstLastPara="1" wrap="square" lIns="91425" tIns="91425" rIns="91425" bIns="91425" anchor="t" anchorCtr="0">
+            <a:noAutofit/>
+          </a:bodyPr>
+          <a:lstStyle/>
+          <a:p>
+            <a:pPr marL="285750" indent="-285750">
+              <a:buFont typeface="Arial" panose="020B0604020202020204" pitchFamily="34" charset="0"/>
+              <a:buChar char="•"/>
+            </a:pPr>
+            <a:r>
+              <a:rPr lang="ru-RU" sz="1400" dirty="0">
+                <a:latin typeface="Times New Roman" panose="02020603050405020304" pitchFamily="18" charset="0"/>
+                <a:cs typeface="Times New Roman" panose="02020603050405020304" pitchFamily="18" charset="0"/>
+              </a:rPr>
+              <a:t>Организованна система распараллеливания одной задачи на одном компьютере</a:t>
+            </a:r>
+          </a:p>
+          <a:p>
+            <a:pPr marL="285750" indent="-285750">
+              <a:buFont typeface="Arial" panose="020B0604020202020204" pitchFamily="34" charset="0"/>
+              <a:buChar char="•"/>
+            </a:pPr>
+            <a:r>
+              <a:rPr lang="ru-RU" sz="1400" dirty="0">
+                <a:latin typeface="Times New Roman" panose="02020603050405020304" pitchFamily="18" charset="0"/>
+                <a:cs typeface="Times New Roman" panose="02020603050405020304" pitchFamily="18" charset="0"/>
+              </a:rPr>
+              <a:t>  Организована система обмена данными между компьютерами в локальной сети</a:t>
+            </a:r>
+          </a:p>
+          <a:p>
+            <a:pPr marL="285750" indent="-285750">
+              <a:buFont typeface="Arial" panose="020B0604020202020204" pitchFamily="34" charset="0"/>
+              <a:buChar char="•"/>
+            </a:pPr>
+            <a:r>
+              <a:rPr lang="ru-RU" sz="1400" dirty="0">
+                <a:latin typeface="Times New Roman" panose="02020603050405020304" pitchFamily="18" charset="0"/>
+                <a:cs typeface="Times New Roman" panose="02020603050405020304" pitchFamily="18" charset="0"/>
+              </a:rPr>
+              <a:t>  Организована связь клиентского устройства с головным компьютером в распределенной сети</a:t>
+            </a:r>
+          </a:p>
+          <a:p>
+            <a:pPr marL="285750" indent="-285750">
+              <a:buFont typeface="Arial" panose="020B0604020202020204" pitchFamily="34" charset="0"/>
+              <a:buChar char="•"/>
+            </a:pPr>
+            <a:r>
+              <a:rPr lang="ru-RU" sz="1400" dirty="0">
+                <a:latin typeface="Times New Roman" panose="02020603050405020304" pitchFamily="18" charset="0"/>
+                <a:cs typeface="Times New Roman" panose="02020603050405020304" pitchFamily="18" charset="0"/>
+              </a:rPr>
+              <a:t>  Организована система продолжения выдачи задач в качестве головного компьютера другим компьютерам</a:t>
+            </a:r>
+          </a:p>
+          <a:p>
+            <a:pPr marL="285750" indent="-285750">
+              <a:buFont typeface="Arial" panose="020B0604020202020204" pitchFamily="34" charset="0"/>
+              <a:buChar char="•"/>
+            </a:pPr>
+            <a:r>
+              <a:rPr lang="ru-RU" sz="1400" dirty="0">
+                <a:latin typeface="Times New Roman" panose="02020603050405020304" pitchFamily="18" charset="0"/>
+                <a:cs typeface="Times New Roman" panose="02020603050405020304" pitchFamily="18" charset="0"/>
+              </a:rPr>
+              <a:t>  Организована система постоянного обмена данными между выполняющими компьютерами в сети</a:t>
+            </a:r>
+          </a:p>
+        </p:txBody>
+      </p:sp>
+      <p:grpSp>
+        <p:nvGrpSpPr>
+          <p:cNvPr id="2" name="Группа 1">
+            <a:extLst>
+              <a:ext uri="{FF2B5EF4-FFF2-40B4-BE49-F238E27FC236}">
+                <a16:creationId xmlns:a16="http://schemas.microsoft.com/office/drawing/2014/main" id="{79D468EA-0893-2B14-0A01-E82FA7980A4E}"/>
+              </a:ext>
+            </a:extLst>
+          </p:cNvPr>
+          <p:cNvGrpSpPr/>
+          <p:nvPr/>
+        </p:nvGrpSpPr>
+        <p:grpSpPr>
+          <a:xfrm>
+            <a:off x="720000" y="1397501"/>
+            <a:ext cx="2649553" cy="2807338"/>
+            <a:chOff x="1068130" y="1275070"/>
+            <a:chExt cx="3876165" cy="4106997"/>
+          </a:xfrm>
+        </p:grpSpPr>
+        <p:pic>
+          <p:nvPicPr>
+            <p:cNvPr id="3" name="Picture 2" descr="Изображение выглядит как шаблон, пиксель, дизайн&#10;&#10;Автоматически созданное описание">
+              <a:extLst>
+                <a:ext uri="{FF2B5EF4-FFF2-40B4-BE49-F238E27FC236}">
+                  <a16:creationId xmlns:a16="http://schemas.microsoft.com/office/drawing/2014/main" id="{FD342C20-EB07-7E6C-B0E3-A32C770A7B26}"/>
+                </a:ext>
+              </a:extLst>
+            </p:cNvPr>
+            <p:cNvPicPr>
+              <a:picLocks noChangeAspect="1" noChangeArrowheads="1"/>
+            </p:cNvPicPr>
+            <p:nvPr/>
+          </p:nvPicPr>
+          <p:blipFill>
+            <a:blip r:embed="rId3">
+              <a:extLst>
+                <a:ext uri="{28A0092B-C50C-407E-A947-70E740481C1C}">
+                  <a14:useLocalDpi xmlns:a14="http://schemas.microsoft.com/office/drawing/2010/main" val="0"/>
+                </a:ext>
+              </a:extLst>
+            </a:blip>
+            <a:stretch>
+              <a:fillRect/>
+            </a:stretch>
+          </p:blipFill>
+          <p:spPr bwMode="auto">
+            <a:xfrm>
+              <a:off x="1068130" y="1275070"/>
+              <a:ext cx="3876165" cy="3876165"/>
+            </a:xfrm>
+            <a:prstGeom prst="rect">
+              <a:avLst/>
+            </a:prstGeom>
+            <a:noFill/>
+            <a:extLst>
+              <a:ext uri="{909E8E84-426E-40DD-AFC4-6F175D3DCCD1}">
+                <a14:hiddenFill xmlns:a14="http://schemas.microsoft.com/office/drawing/2010/main">
+                  <a:solidFill>
+                    <a:srgbClr val="FFFFFF"/>
+                  </a:solidFill>
+                </a14:hiddenFill>
+              </a:ext>
+            </a:extLst>
+          </p:spPr>
+        </p:pic>
+        <p:sp>
+          <p:nvSpPr>
+            <p:cNvPr id="4" name="TextBox 3">
+              <a:extLst>
+                <a:ext uri="{FF2B5EF4-FFF2-40B4-BE49-F238E27FC236}">
+                  <a16:creationId xmlns:a16="http://schemas.microsoft.com/office/drawing/2014/main" id="{1F8C7C9E-11BA-EA48-519D-CD5CD03B79C7}"/>
+                </a:ext>
+              </a:extLst>
+            </p:cNvPr>
+            <p:cNvSpPr txBox="1"/>
+            <p:nvPr/>
+          </p:nvSpPr>
+          <p:spPr>
+            <a:xfrm>
+              <a:off x="2315453" y="4920402"/>
+              <a:ext cx="1987826" cy="461665"/>
+            </a:xfrm>
+            <a:prstGeom prst="rect">
+              <a:avLst/>
+            </a:prstGeom>
+            <a:noFill/>
+          </p:spPr>
+          <p:txBody>
+            <a:bodyPr wrap="square" rtlCol="0">
+              <a:spAutoFit/>
+            </a:bodyPr>
+            <a:lstStyle/>
+            <a:p>
+              <a:r>
+                <a:rPr lang="en-US" sz="2400" dirty="0">
+                  <a:latin typeface="Times New Roman" panose="02020603050405020304" pitchFamily="18" charset="0"/>
+                  <a:cs typeface="Times New Roman" panose="02020603050405020304" pitchFamily="18" charset="0"/>
+                </a:rPr>
+                <a:t>GitHub</a:t>
+              </a:r>
+              <a:endParaRPr lang="ru-RU" sz="2400" dirty="0">
+                <a:latin typeface="Times New Roman" panose="02020603050405020304" pitchFamily="18" charset="0"/>
+                <a:cs typeface="Times New Roman" panose="02020603050405020304" pitchFamily="18" charset="0"/>
+              </a:endParaRPr>
+            </a:p>
+          </p:txBody>
+        </p:sp>
+      </p:grpSp>
+    </p:spTree>
+  </p:cSld>
+  <p:clrMapOvr>
+    <a:masterClrMapping/>
+  </p:clrMapOvr>
+</p:sld>
+</file>
+
+<file path=ppt/slides/slide6.xml><?xml version="1.0" encoding="utf-8"?>
+<p:sld xmlns:a="http://schemas.openxmlformats.org/drawingml/2006/main" xmlns:r="http://schemas.openxmlformats.org/officeDocument/2006/relationships" xmlns:p="http://schemas.openxmlformats.org/presentationml/2006/main">
+  <p:cSld>
+    <p:spTree>
+      <p:nvGrpSpPr>
+        <p:cNvPr id="1" name=""/>
+        <p:cNvGrpSpPr/>
+        <p:nvPr/>
+      </p:nvGrpSpPr>
+      <p:grpSpPr>
+        <a:xfrm>
+          <a:off x="0" y="0"/>
+          <a:ext cx="0" cy="0"/>
+          <a:chOff x="0" y="0"/>
+          <a:chExt cx="0" cy="0"/>
+        </a:xfrm>
+      </p:grpSpPr>
+      <p:pic>
+        <p:nvPicPr>
+          <p:cNvPr id="5" name="Рисунок 4" descr="Изображение выглядит как текст, снимок экрана, дисплей, программное обеспечение&#10;&#10;Автоматически созданное описание">
+            <a:extLst>
+              <a:ext uri="{FF2B5EF4-FFF2-40B4-BE49-F238E27FC236}">
+                <a16:creationId xmlns:a16="http://schemas.microsoft.com/office/drawing/2014/main" id="{76BF1E3B-6B9C-6156-BB67-B250A3837FF2}"/>
+              </a:ext>
+            </a:extLst>
+          </p:cNvPr>
+          <p:cNvPicPr>
+            <a:picLocks noChangeAspect="1"/>
+          </p:cNvPicPr>
+          <p:nvPr/>
+        </p:nvPicPr>
+        <p:blipFill rotWithShape="1">
+          <a:blip r:embed="rId2"/>
+          <a:srcRect l="3258" t="4404" r="3122" b="4098"/>
+          <a:stretch/>
+        </p:blipFill>
+        <p:spPr>
+          <a:xfrm>
+            <a:off x="226503" y="244292"/>
+            <a:ext cx="5803090" cy="4738769"/>
+          </a:xfrm>
+          <a:prstGeom prst="rect">
+            <a:avLst/>
+          </a:prstGeom>
+        </p:spPr>
+      </p:pic>
+    </p:spTree>
+    <p:extLst>
+      <p:ext uri="{BB962C8B-B14F-4D97-AF65-F5344CB8AC3E}">
+        <p14:creationId xmlns:p14="http://schemas.microsoft.com/office/powerpoint/2010/main" val="206794113"/>
+      </p:ext>
+    </p:extLst>
+  </p:cSld>
+  <p:clrMapOvr>
+    <a:masterClrMapping/>
+  </p:clrMapOvr>
+</p:sld>
+</file>
+
+<file path=ppt/slides/slide7.xml><?xml version="1.0" encoding="utf-8"?>
+<p:sld xmlns:a="http://schemas.openxmlformats.org/drawingml/2006/main" xmlns:r="http://schemas.openxmlformats.org/officeDocument/2006/relationships" xmlns:p="http://schemas.openxmlformats.org/presentationml/2006/main">
+  <p:cSld>
+    <p:spTree>
+      <p:nvGrpSpPr>
+        <p:cNvPr id="1" name=""/>
+        <p:cNvGrpSpPr/>
+        <p:nvPr/>
+      </p:nvGrpSpPr>
+      <p:grpSpPr>
+        <a:xfrm>
+          <a:off x="0" y="0"/>
+          <a:ext cx="0" cy="0"/>
+          <a:chOff x="0" y="0"/>
+          <a:chExt cx="0" cy="0"/>
+        </a:xfrm>
+      </p:grpSpPr>
+      <p:pic>
+        <p:nvPicPr>
+          <p:cNvPr id="3" name="Рисунок 2" descr="Изображение выглядит как текст, снимок экрана, мультимедиа, программное обеспечение&#10;&#10;Автоматически созданное описание">
+            <a:extLst>
+              <a:ext uri="{FF2B5EF4-FFF2-40B4-BE49-F238E27FC236}">
+                <a16:creationId xmlns:a16="http://schemas.microsoft.com/office/drawing/2014/main" id="{881C2B8A-35E9-E3D2-4F07-3E312781EC30}"/>
+              </a:ext>
+            </a:extLst>
+          </p:cNvPr>
+          <p:cNvPicPr>
+            <a:picLocks noChangeAspect="1"/>
+          </p:cNvPicPr>
+          <p:nvPr/>
+        </p:nvPicPr>
+        <p:blipFill rotWithShape="1">
+          <a:blip r:embed="rId2"/>
+          <a:srcRect l="4404" t="10935" r="4861" b="10199"/>
+          <a:stretch/>
+        </p:blipFill>
+        <p:spPr>
+          <a:xfrm>
+            <a:off x="213918" y="158241"/>
+            <a:ext cx="5599653" cy="2349703"/>
+          </a:xfrm>
+          <a:prstGeom prst="rect">
+            <a:avLst/>
+          </a:prstGeom>
+        </p:spPr>
+      </p:pic>
+      <p:pic>
+        <p:nvPicPr>
+          <p:cNvPr id="4" name="Рисунок 3" descr="Изображение выглядит как текст, снимок экрана, Шрифт, дисплей&#10;&#10;Автоматически созданное описание">
+            <a:extLst>
+              <a:ext uri="{FF2B5EF4-FFF2-40B4-BE49-F238E27FC236}">
+                <a16:creationId xmlns:a16="http://schemas.microsoft.com/office/drawing/2014/main" id="{CBF9D540-132D-CA33-3833-2407ACB1FA88}"/>
+              </a:ext>
+            </a:extLst>
+          </p:cNvPr>
+          <p:cNvPicPr>
+            <a:picLocks noChangeAspect="1"/>
+          </p:cNvPicPr>
+          <p:nvPr/>
+        </p:nvPicPr>
+        <p:blipFill rotWithShape="1">
+          <a:blip r:embed="rId3"/>
+          <a:srcRect l="5137" t="11581" r="6331" b="11411"/>
+          <a:stretch/>
+        </p:blipFill>
+        <p:spPr>
+          <a:xfrm>
+            <a:off x="3246538" y="2650921"/>
+            <a:ext cx="5704515" cy="2364565"/>
+          </a:xfrm>
+          <a:prstGeom prst="rect">
+            <a:avLst/>
+          </a:prstGeom>
+        </p:spPr>
+      </p:pic>
+      <p:sp>
+        <p:nvSpPr>
+          <p:cNvPr id="5" name="TextBox 4">
+            <a:extLst>
+              <a:ext uri="{FF2B5EF4-FFF2-40B4-BE49-F238E27FC236}">
+                <a16:creationId xmlns:a16="http://schemas.microsoft.com/office/drawing/2014/main" id="{F8E3A78A-A9F1-0872-5AF8-0CDBC21A81A4}"/>
+              </a:ext>
+            </a:extLst>
+          </p:cNvPr>
+          <p:cNvSpPr txBox="1"/>
+          <p:nvPr/>
+        </p:nvSpPr>
+        <p:spPr>
+          <a:xfrm>
+            <a:off x="6342077" y="600904"/>
+            <a:ext cx="2608976" cy="523220"/>
+          </a:xfrm>
+          <a:prstGeom prst="rect">
+            <a:avLst/>
+          </a:prstGeom>
+          <a:noFill/>
+        </p:spPr>
+        <p:txBody>
+          <a:bodyPr wrap="square" rtlCol="0">
+            <a:spAutoFit/>
+          </a:bodyPr>
+          <a:lstStyle/>
+          <a:p>
+            <a:r>
+              <a:rPr lang="ru-RU" b="1" dirty="0">
+                <a:latin typeface="Times New Roman" panose="02020603050405020304" pitchFamily="18" charset="0"/>
+                <a:cs typeface="Times New Roman" panose="02020603050405020304" pitchFamily="18" charset="0"/>
+              </a:rPr>
+              <a:t>Класс для сохранения временных данных</a:t>
+            </a:r>
+          </a:p>
+        </p:txBody>
+      </p:sp>
+      <p:cxnSp>
+        <p:nvCxnSpPr>
+          <p:cNvPr id="8" name="Соединитель: изогнутый 7">
+            <a:extLst>
+              <a:ext uri="{FF2B5EF4-FFF2-40B4-BE49-F238E27FC236}">
+                <a16:creationId xmlns:a16="http://schemas.microsoft.com/office/drawing/2014/main" id="{9726977A-ABC7-8F95-3261-66F2C290530B}"/>
+              </a:ext>
+            </a:extLst>
+          </p:cNvPr>
+          <p:cNvCxnSpPr>
+            <a:cxnSpLocks/>
+          </p:cNvCxnSpPr>
+          <p:nvPr/>
+        </p:nvCxnSpPr>
+        <p:spPr>
+          <a:xfrm rot="10800000" flipV="1">
+            <a:off x="6031685" y="1124124"/>
+            <a:ext cx="1371599" cy="939567"/>
+          </a:xfrm>
+          <a:prstGeom prst="curvedConnector3">
+            <a:avLst>
+              <a:gd name="adj1" fmla="val 50000"/>
+            </a:avLst>
+          </a:prstGeom>
+          <a:ln w="28575">
+            <a:solidFill>
+              <a:schemeClr val="accent3">
+                <a:lumMod val="50000"/>
+              </a:schemeClr>
+            </a:solidFill>
+            <a:tailEnd type="triangle"/>
+          </a:ln>
+        </p:spPr>
+        <p:style>
+          <a:lnRef idx="1">
+            <a:schemeClr val="dk1"/>
+          </a:lnRef>
+          <a:fillRef idx="0">
+            <a:schemeClr val="dk1"/>
+          </a:fillRef>
+          <a:effectRef idx="0">
+            <a:schemeClr val="dk1"/>
+          </a:effectRef>
+          <a:fontRef idx="minor">
+            <a:schemeClr val="tx1"/>
+          </a:fontRef>
+        </p:style>
+      </p:cxnSp>
+      <p:sp>
+        <p:nvSpPr>
+          <p:cNvPr id="10" name="TextBox 9">
+            <a:extLst>
+              <a:ext uri="{FF2B5EF4-FFF2-40B4-BE49-F238E27FC236}">
+                <a16:creationId xmlns:a16="http://schemas.microsoft.com/office/drawing/2014/main" id="{396A0F3C-0BCB-DB10-B81C-4293E1AB359C}"/>
+              </a:ext>
+            </a:extLst>
+          </p:cNvPr>
+          <p:cNvSpPr txBox="1"/>
+          <p:nvPr/>
+        </p:nvSpPr>
+        <p:spPr>
+          <a:xfrm>
+            <a:off x="461396" y="3194500"/>
+            <a:ext cx="2608976" cy="523220"/>
+          </a:xfrm>
+          <a:prstGeom prst="rect">
+            <a:avLst/>
+          </a:prstGeom>
+          <a:noFill/>
+        </p:spPr>
+        <p:txBody>
+          <a:bodyPr wrap="square" rtlCol="0">
+            <a:spAutoFit/>
+          </a:bodyPr>
+          <a:lstStyle/>
+          <a:p>
+            <a:r>
+              <a:rPr lang="ru-RU" b="1" dirty="0">
+                <a:latin typeface="Times New Roman" panose="02020603050405020304" pitchFamily="18" charset="0"/>
+                <a:cs typeface="Times New Roman" panose="02020603050405020304" pitchFamily="18" charset="0"/>
+              </a:rPr>
+              <a:t>Функция проверки на повтороную запись трека</a:t>
+            </a:r>
+          </a:p>
+        </p:txBody>
+      </p:sp>
+      <p:cxnSp>
+        <p:nvCxnSpPr>
+          <p:cNvPr id="13" name="Соединитель: изогнутый 12">
+            <a:extLst>
+              <a:ext uri="{FF2B5EF4-FFF2-40B4-BE49-F238E27FC236}">
+                <a16:creationId xmlns:a16="http://schemas.microsoft.com/office/drawing/2014/main" id="{B09A3577-9C1A-FD82-F15A-5B09B1182190}"/>
+              </a:ext>
+            </a:extLst>
+          </p:cNvPr>
+          <p:cNvCxnSpPr>
+            <a:cxnSpLocks/>
+          </p:cNvCxnSpPr>
+          <p:nvPr/>
+        </p:nvCxnSpPr>
+        <p:spPr>
+          <a:xfrm>
+            <a:off x="335558" y="3674377"/>
+            <a:ext cx="2432810" cy="713065"/>
+          </a:xfrm>
+          <a:prstGeom prst="curvedConnector3">
+            <a:avLst/>
+          </a:prstGeom>
+          <a:ln w="28575">
+            <a:solidFill>
+              <a:schemeClr val="accent3">
+                <a:lumMod val="50000"/>
+              </a:schemeClr>
+            </a:solidFill>
+            <a:tailEnd type="triangle"/>
+          </a:ln>
+        </p:spPr>
+        <p:style>
+          <a:lnRef idx="1">
+            <a:schemeClr val="dk1"/>
+          </a:lnRef>
+          <a:fillRef idx="0">
+            <a:schemeClr val="dk1"/>
+          </a:fillRef>
+          <a:effectRef idx="0">
+            <a:schemeClr val="dk1"/>
+          </a:effectRef>
+          <a:fontRef idx="minor">
+            <a:schemeClr val="tx1"/>
+          </a:fontRef>
+        </p:style>
+      </p:cxnSp>
+    </p:spTree>
+    <p:extLst>
+      <p:ext uri="{BB962C8B-B14F-4D97-AF65-F5344CB8AC3E}">
+        <p14:creationId xmlns:p14="http://schemas.microsoft.com/office/powerpoint/2010/main" val="3695377053"/>
+      </p:ext>
+    </p:extLst>
+  </p:cSld>
+  <p:clrMapOvr>
+    <a:masterClrMapping/>
+  </p:clrMapOvr>
+</p:sld>
+</file>
+
+<file path=ppt/slides/slide8.xml><?xml version="1.0" encoding="utf-8"?>
+<p:sld xmlns:a="http://schemas.openxmlformats.org/drawingml/2006/main" xmlns:r="http://schemas.openxmlformats.org/officeDocument/2006/relationships" xmlns:p="http://schemas.openxmlformats.org/presentationml/2006/main">
+  <p:cSld>
+    <p:spTree>
+      <p:nvGrpSpPr>
+        <p:cNvPr id="1" name=""/>
+        <p:cNvGrpSpPr/>
+        <p:nvPr/>
+      </p:nvGrpSpPr>
+      <p:grpSpPr>
+        <a:xfrm>
+          <a:off x="0" y="0"/>
+          <a:ext cx="0" cy="0"/>
+          <a:chOff x="0" y="0"/>
+          <a:chExt cx="0" cy="0"/>
+        </a:xfrm>
+      </p:grpSpPr>
+      <p:sp>
+        <p:nvSpPr>
+          <p:cNvPr id="2" name="Заголовок 1">
+            <a:extLst>
+              <a:ext uri="{FF2B5EF4-FFF2-40B4-BE49-F238E27FC236}">
+                <a16:creationId xmlns:a16="http://schemas.microsoft.com/office/drawing/2014/main" id="{0CD58085-1FAE-31A1-E138-191D000890A3}"/>
+              </a:ext>
+            </a:extLst>
+          </p:cNvPr>
+          <p:cNvSpPr>
+            <a:spLocks noGrp="1"/>
+          </p:cNvSpPr>
+          <p:nvPr>
+            <p:ph type="title"/>
+          </p:nvPr>
+        </p:nvSpPr>
+        <p:spPr/>
+        <p:txBody>
+          <a:bodyPr/>
+          <a:lstStyle/>
+          <a:p>
+            <a:r>
+              <a:rPr lang="ru-RU" dirty="0"/>
+              <a:t>Тестирование</a:t>
+            </a:r>
+          </a:p>
+        </p:txBody>
+      </p:sp>
+    </p:spTree>
+    <p:extLst>
+      <p:ext uri="{BB962C8B-B14F-4D97-AF65-F5344CB8AC3E}">
+        <p14:creationId xmlns:p14="http://schemas.microsoft.com/office/powerpoint/2010/main" val="3491237966"/>
+      </p:ext>
+    </p:extLst>
+  </p:cSld>
+  <p:clrMapOvr>
+    <a:masterClrMapping/>
+  </p:clrMapOvr>
+</p:sld>
+</file>
+
+<file path=ppt/slides/slide9.xml><?xml version="1.0" encoding="utf-8"?>
+<p:sld xmlns:a="http://schemas.openxmlformats.org/drawingml/2006/main" xmlns:r="http://schemas.openxmlformats.org/officeDocument/2006/relationships" xmlns:p="http://schemas.openxmlformats.org/presentationml/2006/main">
+  <p:cSld>
+    <p:spTree>
+      <p:nvGrpSpPr>
+        <p:cNvPr id="1" name="Shape 237"/>
+        <p:cNvGrpSpPr/>
+        <p:nvPr/>
+      </p:nvGrpSpPr>
+      <p:grpSpPr>
+        <a:xfrm>
+          <a:off x="0" y="0"/>
+          <a:ext cx="0" cy="0"/>
+          <a:chOff x="0" y="0"/>
+          <a:chExt cx="0" cy="0"/>
+        </a:xfrm>
+      </p:grpSpPr>
+      <p:sp>
+        <p:nvSpPr>
+          <p:cNvPr id="238" name="Google Shape;238;p25"/>
+          <p:cNvSpPr txBox="1">
+            <a:spLocks noGrp="1"/>
+          </p:cNvSpPr>
+          <p:nvPr>
+            <p:ph type="title"/>
+          </p:nvPr>
+        </p:nvSpPr>
+        <p:spPr>
+          <a:xfrm>
+            <a:off x="720000" y="331645"/>
+            <a:ext cx="7704000" cy="640200"/>
+          </a:xfrm>
+          <a:prstGeom prst="rect">
+            <a:avLst/>
+          </a:prstGeom>
+        </p:spPr>
+        <p:txBody>
+          <a:bodyPr spcFirstLastPara="1" wrap="square" lIns="91425" tIns="91425" rIns="91425" bIns="91425" anchor="t" anchorCtr="0">
+            <a:noAutofit/>
+          </a:bodyPr>
+          <a:lstStyle/>
+          <a:p>
+            <a:pPr marL="0" lvl="0" indent="0" algn="l" rtl="0">
+              <a:spcBef>
+                <a:spcPts val="0"/>
+              </a:spcBef>
+              <a:spcAft>
+                <a:spcPts val="0"/>
+              </a:spcAft>
+              <a:buNone/>
+            </a:pPr>
+            <a:r>
+              <a:rPr lang="ru-RU" b="1" dirty="0">
+                <a:latin typeface="Times New Roman" panose="02020603050405020304" pitchFamily="18" charset="0"/>
+                <a:cs typeface="Times New Roman" panose="02020603050405020304" pitchFamily="18" charset="0"/>
+              </a:rPr>
+              <a:t>Пример</a:t>
+            </a:r>
+            <a:endParaRPr dirty="0"/>
+          </a:p>
+        </p:txBody>
+      </p:sp>
+      <p:sp>
+        <p:nvSpPr>
+          <p:cNvPr id="239" name="Google Shape;239;p25"/>
+          <p:cNvSpPr txBox="1"/>
+          <p:nvPr/>
+        </p:nvSpPr>
+        <p:spPr>
+          <a:xfrm>
+            <a:off x="635067" y="1196560"/>
+            <a:ext cx="3852075" cy="1051690"/>
+          </a:xfrm>
+          <a:prstGeom prst="rect">
+            <a:avLst/>
+          </a:prstGeom>
+          <a:noFill/>
+          <a:ln>
+            <a:noFill/>
+          </a:ln>
+        </p:spPr>
+        <p:txBody>
+          <a:bodyPr spcFirstLastPara="1" wrap="square" lIns="91425" tIns="91425" rIns="91425" bIns="91425" anchor="t" anchorCtr="0">
+            <a:noAutofit/>
+          </a:bodyPr>
+          <a:lstStyle/>
+          <a:p>
+            <a:pPr marL="0" lvl="0" indent="0" algn="ctr" rtl="0">
+              <a:lnSpc>
+                <a:spcPct val="115000"/>
+              </a:lnSpc>
+              <a:spcBef>
+                <a:spcPts val="0"/>
+              </a:spcBef>
+              <a:spcAft>
+                <a:spcPts val="0"/>
+              </a:spcAft>
+              <a:buNone/>
+            </a:pPr>
+            <a:r>
+              <a:rPr lang="ru-RU" sz="1800" b="1" dirty="0">
+                <a:latin typeface="Times New Roman" panose="02020603050405020304" pitchFamily="18" charset="0"/>
+                <a:cs typeface="Times New Roman" panose="02020603050405020304" pitchFamily="18" charset="0"/>
+              </a:rPr>
+              <a:t>Вычисление наиболее эффективного маршрута между точками в пространстве.</a:t>
+            </a:r>
+            <a:endParaRPr sz="1800" b="1" dirty="0">
+              <a:solidFill>
+                <a:schemeClr val="dk1"/>
+              </a:solidFill>
+              <a:latin typeface="Archivo"/>
+              <a:ea typeface="Archivo"/>
+              <a:cs typeface="Archivo"/>
+              <a:sym typeface="Archivo"/>
+            </a:endParaRPr>
+          </a:p>
+        </p:txBody>
+      </p:sp>
+      <p:sp>
+        <p:nvSpPr>
+          <p:cNvPr id="250" name="Google Shape;250;p25"/>
+          <p:cNvSpPr/>
+          <p:nvPr/>
+        </p:nvSpPr>
+        <p:spPr>
+          <a:xfrm>
+            <a:off x="7789350" y="3889975"/>
+            <a:ext cx="719583" cy="713534"/>
+          </a:xfrm>
+          <a:custGeom>
+            <a:avLst/>
+            <a:gdLst/>
+            <a:ahLst/>
+            <a:cxnLst/>
+            <a:rect l="l" t="t" r="r" b="b"/>
+            <a:pathLst>
+              <a:path w="21172" h="20994" extrusionOk="0">
+                <a:moveTo>
+                  <a:pt x="10557" y="5287"/>
+                </a:moveTo>
+                <a:cubicBezTo>
+                  <a:pt x="10729" y="5287"/>
+                  <a:pt x="10902" y="5296"/>
+                  <a:pt x="11076" y="5315"/>
+                </a:cubicBezTo>
+                <a:cubicBezTo>
+                  <a:pt x="14279" y="5662"/>
+                  <a:pt x="16345" y="8822"/>
+                  <a:pt x="15373" y="11877"/>
+                </a:cubicBezTo>
+                <a:cubicBezTo>
+                  <a:pt x="14714" y="13983"/>
+                  <a:pt x="12722" y="15412"/>
+                  <a:pt x="10550" y="15412"/>
+                </a:cubicBezTo>
+                <a:cubicBezTo>
+                  <a:pt x="10376" y="15412"/>
+                  <a:pt x="10201" y="15403"/>
+                  <a:pt x="10026" y="15384"/>
+                </a:cubicBezTo>
+                <a:cubicBezTo>
+                  <a:pt x="6823" y="15037"/>
+                  <a:pt x="4766" y="11877"/>
+                  <a:pt x="5729" y="8822"/>
+                </a:cubicBezTo>
+                <a:cubicBezTo>
+                  <a:pt x="6397" y="6723"/>
+                  <a:pt x="8390" y="5287"/>
+                  <a:pt x="10557" y="5287"/>
+                </a:cubicBezTo>
+                <a:close/>
+                <a:moveTo>
+                  <a:pt x="12003" y="0"/>
+                </a:moveTo>
+                <a:cubicBezTo>
+                  <a:pt x="11564" y="0"/>
+                  <a:pt x="11175" y="302"/>
+                  <a:pt x="11076" y="749"/>
+                </a:cubicBezTo>
+                <a:lnTo>
+                  <a:pt x="10903" y="1582"/>
+                </a:lnTo>
+                <a:cubicBezTo>
+                  <a:pt x="10842" y="1921"/>
+                  <a:pt x="10547" y="2155"/>
+                  <a:pt x="10199" y="2181"/>
+                </a:cubicBezTo>
+                <a:cubicBezTo>
+                  <a:pt x="9366" y="2216"/>
+                  <a:pt x="8542" y="2372"/>
+                  <a:pt x="7769" y="2659"/>
+                </a:cubicBezTo>
+                <a:cubicBezTo>
+                  <a:pt x="7686" y="2690"/>
+                  <a:pt x="7599" y="2705"/>
+                  <a:pt x="7513" y="2705"/>
+                </a:cubicBezTo>
+                <a:cubicBezTo>
+                  <a:pt x="7267" y="2705"/>
+                  <a:pt x="7027" y="2582"/>
+                  <a:pt x="6892" y="2364"/>
+                </a:cubicBezTo>
+                <a:lnTo>
+                  <a:pt x="6450" y="1678"/>
+                </a:lnTo>
+                <a:cubicBezTo>
+                  <a:pt x="6268" y="1403"/>
+                  <a:pt x="5969" y="1257"/>
+                  <a:pt x="5664" y="1257"/>
+                </a:cubicBezTo>
+                <a:cubicBezTo>
+                  <a:pt x="5487" y="1257"/>
+                  <a:pt x="5307" y="1307"/>
+                  <a:pt x="5148" y="1409"/>
+                </a:cubicBezTo>
+                <a:lnTo>
+                  <a:pt x="4323" y="1956"/>
+                </a:lnTo>
+                <a:cubicBezTo>
+                  <a:pt x="3889" y="2233"/>
+                  <a:pt x="3767" y="2824"/>
+                  <a:pt x="4045" y="3258"/>
+                </a:cubicBezTo>
+                <a:lnTo>
+                  <a:pt x="4852" y="4482"/>
+                </a:lnTo>
+                <a:cubicBezTo>
+                  <a:pt x="4132" y="5176"/>
+                  <a:pt x="3542" y="6009"/>
+                  <a:pt x="3116" y="6947"/>
+                </a:cubicBezTo>
+                <a:cubicBezTo>
+                  <a:pt x="2998" y="7213"/>
+                  <a:pt x="2728" y="7379"/>
+                  <a:pt x="2441" y="7379"/>
+                </a:cubicBezTo>
+                <a:cubicBezTo>
+                  <a:pt x="2392" y="7379"/>
+                  <a:pt x="2342" y="7374"/>
+                  <a:pt x="2292" y="7363"/>
+                </a:cubicBezTo>
+                <a:lnTo>
+                  <a:pt x="1432" y="7190"/>
+                </a:lnTo>
+                <a:cubicBezTo>
+                  <a:pt x="1367" y="7177"/>
+                  <a:pt x="1303" y="7170"/>
+                  <a:pt x="1239" y="7170"/>
+                </a:cubicBezTo>
+                <a:cubicBezTo>
+                  <a:pt x="801" y="7170"/>
+                  <a:pt x="411" y="7472"/>
+                  <a:pt x="313" y="7919"/>
+                </a:cubicBezTo>
+                <a:lnTo>
+                  <a:pt x="113" y="8882"/>
+                </a:lnTo>
+                <a:cubicBezTo>
+                  <a:pt x="0" y="9395"/>
+                  <a:pt x="330" y="9898"/>
+                  <a:pt x="833" y="10002"/>
+                </a:cubicBezTo>
+                <a:lnTo>
+                  <a:pt x="1788" y="10202"/>
+                </a:lnTo>
+                <a:cubicBezTo>
+                  <a:pt x="2118" y="10263"/>
+                  <a:pt x="2353" y="10549"/>
+                  <a:pt x="2379" y="10879"/>
+                </a:cubicBezTo>
+                <a:cubicBezTo>
+                  <a:pt x="2431" y="11686"/>
+                  <a:pt x="2604" y="12467"/>
+                  <a:pt x="2873" y="13205"/>
+                </a:cubicBezTo>
+                <a:cubicBezTo>
+                  <a:pt x="2995" y="13526"/>
+                  <a:pt x="2873" y="13900"/>
+                  <a:pt x="2587" y="14091"/>
+                </a:cubicBezTo>
+                <a:lnTo>
+                  <a:pt x="1762" y="14637"/>
+                </a:lnTo>
+                <a:cubicBezTo>
+                  <a:pt x="1328" y="14915"/>
+                  <a:pt x="1207" y="15505"/>
+                  <a:pt x="1484" y="15940"/>
+                </a:cubicBezTo>
+                <a:lnTo>
+                  <a:pt x="2031" y="16764"/>
+                </a:lnTo>
+                <a:cubicBezTo>
+                  <a:pt x="2207" y="17039"/>
+                  <a:pt x="2508" y="17185"/>
+                  <a:pt x="2815" y="17185"/>
+                </a:cubicBezTo>
+                <a:cubicBezTo>
+                  <a:pt x="2993" y="17185"/>
+                  <a:pt x="3174" y="17135"/>
+                  <a:pt x="3333" y="17033"/>
+                </a:cubicBezTo>
+                <a:lnTo>
+                  <a:pt x="4253" y="16426"/>
+                </a:lnTo>
+                <a:cubicBezTo>
+                  <a:pt x="4378" y="16346"/>
+                  <a:pt x="4518" y="16308"/>
+                  <a:pt x="4656" y="16308"/>
+                </a:cubicBezTo>
+                <a:cubicBezTo>
+                  <a:pt x="4836" y="16308"/>
+                  <a:pt x="5014" y="16372"/>
+                  <a:pt x="5156" y="16495"/>
+                </a:cubicBezTo>
+                <a:cubicBezTo>
+                  <a:pt x="5729" y="16990"/>
+                  <a:pt x="6371" y="17415"/>
+                  <a:pt x="7075" y="17745"/>
+                </a:cubicBezTo>
+                <a:cubicBezTo>
+                  <a:pt x="7387" y="17901"/>
+                  <a:pt x="7561" y="18240"/>
+                  <a:pt x="7491" y="18570"/>
+                </a:cubicBezTo>
+                <a:lnTo>
+                  <a:pt x="7257" y="19646"/>
+                </a:lnTo>
+                <a:cubicBezTo>
+                  <a:pt x="7153" y="20158"/>
+                  <a:pt x="7474" y="20653"/>
+                  <a:pt x="7986" y="20766"/>
+                </a:cubicBezTo>
+                <a:lnTo>
+                  <a:pt x="8950" y="20974"/>
+                </a:lnTo>
+                <a:cubicBezTo>
+                  <a:pt x="9014" y="20987"/>
+                  <a:pt x="9079" y="20994"/>
+                  <a:pt x="9143" y="20994"/>
+                </a:cubicBezTo>
+                <a:cubicBezTo>
+                  <a:pt x="9583" y="20994"/>
+                  <a:pt x="9978" y="20692"/>
+                  <a:pt x="10069" y="20245"/>
+                </a:cubicBezTo>
+                <a:lnTo>
+                  <a:pt x="10312" y="19108"/>
+                </a:lnTo>
+                <a:cubicBezTo>
+                  <a:pt x="10373" y="18778"/>
+                  <a:pt x="10660" y="18526"/>
+                  <a:pt x="10989" y="18518"/>
+                </a:cubicBezTo>
+                <a:cubicBezTo>
+                  <a:pt x="11753" y="18474"/>
+                  <a:pt x="12500" y="18327"/>
+                  <a:pt x="13203" y="18075"/>
+                </a:cubicBezTo>
+                <a:cubicBezTo>
+                  <a:pt x="13285" y="18047"/>
+                  <a:pt x="13369" y="18033"/>
+                  <a:pt x="13452" y="18033"/>
+                </a:cubicBezTo>
+                <a:cubicBezTo>
+                  <a:pt x="13700" y="18033"/>
+                  <a:pt x="13934" y="18155"/>
+                  <a:pt x="14071" y="18370"/>
+                </a:cubicBezTo>
+                <a:lnTo>
+                  <a:pt x="14696" y="19325"/>
+                </a:lnTo>
+                <a:cubicBezTo>
+                  <a:pt x="14872" y="19599"/>
+                  <a:pt x="15172" y="19745"/>
+                  <a:pt x="15479" y="19745"/>
+                </a:cubicBezTo>
+                <a:cubicBezTo>
+                  <a:pt x="15658" y="19745"/>
+                  <a:pt x="15838" y="19696"/>
+                  <a:pt x="15998" y="19594"/>
+                </a:cubicBezTo>
+                <a:lnTo>
+                  <a:pt x="16822" y="19047"/>
+                </a:lnTo>
+                <a:cubicBezTo>
+                  <a:pt x="17257" y="18769"/>
+                  <a:pt x="17369" y="18179"/>
+                  <a:pt x="17092" y="17745"/>
+                </a:cubicBezTo>
+                <a:lnTo>
+                  <a:pt x="16458" y="16790"/>
+                </a:lnTo>
+                <a:cubicBezTo>
+                  <a:pt x="16276" y="16512"/>
+                  <a:pt x="16310" y="16130"/>
+                  <a:pt x="16536" y="15879"/>
+                </a:cubicBezTo>
+                <a:cubicBezTo>
+                  <a:pt x="17048" y="15332"/>
+                  <a:pt x="17482" y="14690"/>
+                  <a:pt x="17829" y="13995"/>
+                </a:cubicBezTo>
+                <a:cubicBezTo>
+                  <a:pt x="17954" y="13738"/>
+                  <a:pt x="18216" y="13580"/>
+                  <a:pt x="18494" y="13580"/>
+                </a:cubicBezTo>
+                <a:cubicBezTo>
+                  <a:pt x="18544" y="13580"/>
+                  <a:pt x="18595" y="13585"/>
+                  <a:pt x="18645" y="13596"/>
+                </a:cubicBezTo>
+                <a:lnTo>
+                  <a:pt x="19704" y="13813"/>
+                </a:lnTo>
+                <a:cubicBezTo>
+                  <a:pt x="19770" y="13824"/>
+                  <a:pt x="19835" y="13830"/>
+                  <a:pt x="19899" y="13830"/>
+                </a:cubicBezTo>
+                <a:cubicBezTo>
+                  <a:pt x="20372" y="13830"/>
+                  <a:pt x="20767" y="13527"/>
+                  <a:pt x="20859" y="13075"/>
+                </a:cubicBezTo>
+                <a:lnTo>
+                  <a:pt x="21058" y="12103"/>
+                </a:lnTo>
+                <a:cubicBezTo>
+                  <a:pt x="21171" y="11599"/>
+                  <a:pt x="20841" y="11096"/>
+                  <a:pt x="20338" y="10992"/>
+                </a:cubicBezTo>
+                <a:lnTo>
+                  <a:pt x="19314" y="10775"/>
+                </a:lnTo>
+                <a:cubicBezTo>
+                  <a:pt x="18975" y="10705"/>
+                  <a:pt x="18741" y="10419"/>
+                  <a:pt x="18732" y="10063"/>
+                </a:cubicBezTo>
+                <a:cubicBezTo>
+                  <a:pt x="18706" y="9264"/>
+                  <a:pt x="18559" y="8483"/>
+                  <a:pt x="18307" y="7745"/>
+                </a:cubicBezTo>
+                <a:cubicBezTo>
+                  <a:pt x="18194" y="7424"/>
+                  <a:pt x="18315" y="7068"/>
+                  <a:pt x="18593" y="6886"/>
+                </a:cubicBezTo>
+                <a:lnTo>
+                  <a:pt x="19401" y="6357"/>
+                </a:lnTo>
+                <a:cubicBezTo>
+                  <a:pt x="19835" y="6079"/>
+                  <a:pt x="19956" y="5488"/>
+                  <a:pt x="19670" y="5054"/>
+                </a:cubicBezTo>
+                <a:lnTo>
+                  <a:pt x="19131" y="4230"/>
+                </a:lnTo>
+                <a:cubicBezTo>
+                  <a:pt x="18950" y="3955"/>
+                  <a:pt x="18650" y="3806"/>
+                  <a:pt x="18345" y="3806"/>
+                </a:cubicBezTo>
+                <a:cubicBezTo>
+                  <a:pt x="18168" y="3806"/>
+                  <a:pt x="17989" y="3856"/>
+                  <a:pt x="17829" y="3961"/>
+                </a:cubicBezTo>
+                <a:lnTo>
+                  <a:pt x="17057" y="4473"/>
+                </a:lnTo>
+                <a:cubicBezTo>
+                  <a:pt x="16930" y="4551"/>
+                  <a:pt x="16789" y="4590"/>
+                  <a:pt x="16650" y="4590"/>
+                </a:cubicBezTo>
+                <a:cubicBezTo>
+                  <a:pt x="16467" y="4590"/>
+                  <a:pt x="16285" y="4523"/>
+                  <a:pt x="16137" y="4395"/>
+                </a:cubicBezTo>
+                <a:cubicBezTo>
+                  <a:pt x="15546" y="3839"/>
+                  <a:pt x="14869" y="3370"/>
+                  <a:pt x="14114" y="3006"/>
+                </a:cubicBezTo>
+                <a:cubicBezTo>
+                  <a:pt x="13810" y="2850"/>
+                  <a:pt x="13637" y="2520"/>
+                  <a:pt x="13715" y="2181"/>
+                </a:cubicBezTo>
+                <a:lnTo>
+                  <a:pt x="13889" y="1348"/>
+                </a:lnTo>
+                <a:cubicBezTo>
+                  <a:pt x="14001" y="836"/>
+                  <a:pt x="13672" y="332"/>
+                  <a:pt x="13159" y="228"/>
+                </a:cubicBezTo>
+                <a:lnTo>
+                  <a:pt x="12196" y="20"/>
+                </a:lnTo>
+                <a:cubicBezTo>
+                  <a:pt x="12131" y="7"/>
+                  <a:pt x="12066" y="0"/>
+                  <a:pt x="12003" y="0"/>
+                </a:cubicBezTo>
+                <a:close/>
+              </a:path>
+            </a:pathLst>
+          </a:custGeom>
+          <a:solidFill>
+            <a:schemeClr val="accent3"/>
+          </a:solidFill>
+          <a:ln>
+            <a:noFill/>
+          </a:ln>
+        </p:spPr>
+        <p:txBody>
+          <a:bodyPr spcFirstLastPara="1" wrap="square" lIns="91425" tIns="91425" rIns="91425" bIns="91425" anchor="ctr" anchorCtr="0">
+            <a:noAutofit/>
+          </a:bodyPr>
+          <a:lstStyle/>
+          <a:p>
+            <a:pPr marL="0" lvl="0" indent="0" algn="l" rtl="0">
+              <a:spcBef>
+                <a:spcPts val="0"/>
+              </a:spcBef>
+              <a:spcAft>
+                <a:spcPts val="0"/>
+              </a:spcAft>
+              <a:buNone/>
+            </a:pPr>
+            <a:endParaRPr/>
+          </a:p>
+        </p:txBody>
+      </p:sp>
+      <p:pic>
+        <p:nvPicPr>
+          <p:cNvPr id="3" name="Рисунок 2">
+            <a:extLst>
+              <a:ext uri="{FF2B5EF4-FFF2-40B4-BE49-F238E27FC236}">
+                <a16:creationId xmlns:a16="http://schemas.microsoft.com/office/drawing/2014/main" id="{3C415381-16B8-8C78-6CCE-BEA602A7E824}"/>
+              </a:ext>
+            </a:extLst>
+          </p:cNvPr>
+          <p:cNvPicPr>
+            <a:picLocks noChangeAspect="1"/>
+          </p:cNvPicPr>
+          <p:nvPr/>
+        </p:nvPicPr>
+        <p:blipFill>
+          <a:blip r:embed="rId3"/>
+          <a:stretch>
+            <a:fillRect/>
+          </a:stretch>
+        </p:blipFill>
+        <p:spPr>
+          <a:xfrm>
+            <a:off x="635067" y="2425644"/>
+            <a:ext cx="3705749" cy="1816544"/>
+          </a:xfrm>
+          <a:prstGeom prst="rect">
+            <a:avLst/>
+          </a:prstGeom>
+        </p:spPr>
+      </p:pic>
+      <p:pic>
+        <p:nvPicPr>
+          <p:cNvPr id="1026" name="Picture 2">
+            <a:extLst>
+              <a:ext uri="{FF2B5EF4-FFF2-40B4-BE49-F238E27FC236}">
+                <a16:creationId xmlns:a16="http://schemas.microsoft.com/office/drawing/2014/main" id="{77FEE1AE-2BAD-EAD9-6CD0-D097704F1D12}"/>
+              </a:ext>
+            </a:extLst>
+          </p:cNvPr>
+          <p:cNvPicPr>
+            <a:picLocks noChangeAspect="1" noChangeArrowheads="1"/>
+          </p:cNvPicPr>
+          <p:nvPr/>
+        </p:nvPicPr>
+        <p:blipFill>
+          <a:blip r:embed="rId4">
+            <a:extLst>
+              <a:ext uri="{28A0092B-C50C-407E-A947-70E740481C1C}">
+                <a14:useLocalDpi xmlns:a14="http://schemas.microsoft.com/office/drawing/2010/main" val="0"/>
+              </a:ext>
+            </a:extLst>
+          </a:blip>
+          <a:srcRect/>
+          <a:stretch>
+            <a:fillRect/>
+          </a:stretch>
+        </p:blipFill>
+        <p:spPr bwMode="auto">
+          <a:xfrm>
+            <a:off x="4918800" y="1822781"/>
+            <a:ext cx="3330066" cy="742861"/>
+          </a:xfrm>
+          <a:prstGeom prst="rect">
+            <a:avLst/>
+          </a:prstGeom>
+          <a:noFill/>
+          <a:extLst>
+            <a:ext uri="{909E8E84-426E-40DD-AFC4-6F175D3DCCD1}">
+              <a14:hiddenFill xmlns:a14="http://schemas.microsoft.com/office/drawing/2010/main">
+                <a:solidFill>
+                  <a:srgbClr val="FFFFFF"/>
+                </a:solidFill>
+              </a14:hiddenFill>
+            </a:ext>
+          </a:extLst>
+        </p:spPr>
+      </p:pic>
+      <p:pic>
+        <p:nvPicPr>
+          <p:cNvPr id="1028" name="Picture 4">
+            <a:extLst>
+              <a:ext uri="{FF2B5EF4-FFF2-40B4-BE49-F238E27FC236}">
+                <a16:creationId xmlns:a16="http://schemas.microsoft.com/office/drawing/2014/main" id="{87EE1F7C-D627-E198-EC3E-67BE7B5D7E51}"/>
+              </a:ext>
+            </a:extLst>
+          </p:cNvPr>
+          <p:cNvPicPr>
+            <a:picLocks noChangeAspect="1" noChangeArrowheads="1"/>
+          </p:cNvPicPr>
+          <p:nvPr/>
+        </p:nvPicPr>
+        <p:blipFill>
+          <a:blip r:embed="rId5">
+            <a:extLst>
+              <a:ext uri="{28A0092B-C50C-407E-A947-70E740481C1C}">
+                <a14:useLocalDpi xmlns:a14="http://schemas.microsoft.com/office/drawing/2010/main" val="0"/>
+              </a:ext>
+            </a:extLst>
+          </a:blip>
+          <a:srcRect/>
+          <a:stretch>
+            <a:fillRect/>
+          </a:stretch>
+        </p:blipFill>
+        <p:spPr bwMode="auto">
+          <a:xfrm>
+            <a:off x="4860077" y="3525680"/>
+            <a:ext cx="3505200" cy="847725"/>
+          </a:xfrm>
+          <a:prstGeom prst="rect">
+            <a:avLst/>
+          </a:prstGeom>
+          <a:noFill/>
+          <a:extLst>
+            <a:ext uri="{909E8E84-426E-40DD-AFC4-6F175D3DCCD1}">
+              <a14:hiddenFill xmlns:a14="http://schemas.microsoft.com/office/drawing/2010/main">
+                <a:solidFill>
+                  <a:srgbClr val="FFFFFF"/>
+                </a:solidFill>
+              </a14:hiddenFill>
+            </a:ext>
+          </a:extLst>
+        </p:spPr>
+      </p:pic>
+      <p:sp>
+        <p:nvSpPr>
+          <p:cNvPr id="2" name="Молния 1">
+            <a:extLst>
+              <a:ext uri="{FF2B5EF4-FFF2-40B4-BE49-F238E27FC236}">
+                <a16:creationId xmlns:a16="http://schemas.microsoft.com/office/drawing/2014/main" id="{7A65054B-599F-5FDA-0639-6A3B0C4B4912}"/>
+              </a:ext>
+            </a:extLst>
+          </p:cNvPr>
+          <p:cNvSpPr/>
+          <p:nvPr/>
+        </p:nvSpPr>
+        <p:spPr>
+          <a:xfrm rot="20707849" flipH="1">
+            <a:off x="8316230" y="3112309"/>
+            <a:ext cx="538453" cy="595294"/>
+          </a:xfrm>
+          <a:prstGeom prst="lightningBolt">
+            <a:avLst/>
+          </a:prstGeom>
+          <a:solidFill>
+            <a:srgbClr val="FFFF00"/>
+          </a:solidFill>
+          <a:ln>
+            <a:solidFill>
+              <a:schemeClr val="tx1"/>
+            </a:solidFill>
+          </a:ln>
+        </p:spPr>
+        <p:style>
+          <a:lnRef idx="2">
+            <a:schemeClr val="accent1">
+              <a:shade val="15000"/>
+            </a:schemeClr>
+          </a:lnRef>
+          <a:fillRef idx="1">
+            <a:schemeClr val="accent1"/>
+          </a:fillRef>
+          <a:effectRef idx="0">
+            <a:schemeClr val="accent1"/>
+          </a:effectRef>
+          <a:fontRef idx="minor">
+            <a:schemeClr val="lt1"/>
+          </a:fontRef>
+        </p:style>
+        <p:txBody>
+          <a:bodyPr rtlCol="0" anchor="ctr"/>
+          <a:lstStyle/>
+          <a:p>
+            <a:pPr algn="ctr"/>
+            <a:endParaRPr lang="ru-RU"/>
+          </a:p>
+        </p:txBody>
+      </p:sp>
+      <p:pic>
+        <p:nvPicPr>
+          <p:cNvPr id="5" name="Рисунок 4" descr="Черепаха контур">
+            <a:extLst>
+              <a:ext uri="{FF2B5EF4-FFF2-40B4-BE49-F238E27FC236}">
+                <a16:creationId xmlns:a16="http://schemas.microsoft.com/office/drawing/2014/main" id="{7A748F2E-36D3-BCE1-E6FC-D47E439605E0}"/>
+              </a:ext>
+            </a:extLst>
+          </p:cNvPr>
+          <p:cNvPicPr>
+            <a:picLocks noChangeAspect="1"/>
+          </p:cNvPicPr>
+          <p:nvPr/>
+        </p:nvPicPr>
+        <p:blipFill>
+          <a:blip r:embed="rId6">
+            <a:extLst>
+              <a:ext uri="{96DAC541-7B7A-43D3-8B79-37D633B846F1}">
+                <asvg:svgBlip xmlns:asvg="http://schemas.microsoft.com/office/drawing/2016/SVG/main" r:embed="rId7"/>
+              </a:ext>
+            </a:extLst>
+          </a:blip>
+          <a:stretch>
+            <a:fillRect/>
+          </a:stretch>
+        </p:blipFill>
+        <p:spPr>
+          <a:xfrm>
+            <a:off x="4860077" y="1017483"/>
+            <a:ext cx="922899" cy="914400"/>
+          </a:xfrm>
+          <a:prstGeom prst="rect">
+            <a:avLst/>
+          </a:prstGeom>
+        </p:spPr>
+      </p:pic>
+      <p:cxnSp>
+        <p:nvCxnSpPr>
+          <p:cNvPr id="7" name="Прямая соединительная линия 6">
+            <a:extLst>
+              <a:ext uri="{FF2B5EF4-FFF2-40B4-BE49-F238E27FC236}">
+                <a16:creationId xmlns:a16="http://schemas.microsoft.com/office/drawing/2014/main" id="{223B0E1B-26C1-2048-B372-1127ECAF6741}"/>
+              </a:ext>
+            </a:extLst>
+          </p:cNvPr>
+          <p:cNvCxnSpPr>
+            <a:cxnSpLocks/>
+            <a:stCxn id="238" idx="2"/>
+          </p:cNvCxnSpPr>
+          <p:nvPr/>
+        </p:nvCxnSpPr>
+        <p:spPr>
+          <a:xfrm>
+            <a:off x="4572000" y="971845"/>
+            <a:ext cx="0" cy="3840010"/>
+          </a:xfrm>
+          <a:prstGeom prst="line">
+            <a:avLst/>
+          </a:prstGeom>
+          <a:ln w="19050">
+            <a:solidFill>
+              <a:srgbClr val="3891A7"/>
+            </a:solidFill>
+          </a:ln>
+        </p:spPr>
+        <p:style>
+          <a:lnRef idx="1">
+            <a:schemeClr val="accent1"/>
+          </a:lnRef>
+          <a:fillRef idx="0">
+            <a:schemeClr val="accent1"/>
+          </a:fillRef>
+          <a:effectRef idx="0">
+            <a:schemeClr val="accent1"/>
+          </a:effectRef>
+          <a:fontRef idx="minor">
+            <a:schemeClr val="tx1"/>
+          </a:fontRef>
+        </p:style>
+      </p:cxnSp>
+    </p:spTree>
+  </p:cSld>
+  <p:clrMapOvr>
+    <a:masterClrMapping/>
+  </p:clrMapOvr>
+</p:sld>
+</file>
+
 <file path=ppt/theme/theme1.xml><?xml version="1.0" encoding="utf-8"?>
 <a:theme xmlns:a="http://schemas.openxmlformats.org/drawingml/2006/main" name="Intro to Recursion by Slidesgo">
   <a:themeElements>
